--- a/docs/初探kotlin - 副本.pptx
+++ b/docs/初探kotlin - 副本.pptx
@@ -2685,6 +2685,13 @@
   <p:clrMapOvr>
     <a:masterClrMapping/>
   </p:clrMapOvr>
+  <p:timing>
+    <p:tnLst>
+      <p:par>
+        <p:cTn id="1" dur="indefinite" restart="never" nodeType="tmRoot"/>
+      </p:par>
+    </p:tnLst>
+  </p:timing>
 </p:sld>
 </file>
 
@@ -2976,7 +2983,7 @@
         </p:blipFill>
         <p:spPr>
           <a:xfrm>
-            <a:off x="941444" y="1321373"/>
+            <a:off x="959374" y="1357232"/>
             <a:ext cx="3974505" cy="4496322"/>
           </a:xfrm>
           <a:prstGeom prst="rect">
@@ -2994,6 +3001,275 @@
   <p:clrMapOvr>
     <a:masterClrMapping/>
   </p:clrMapOvr>
+  <p:timing>
+    <p:tnLst>
+      <p:par>
+        <p:cTn id="1" dur="indefinite" restart="never" nodeType="tmRoot">
+          <p:childTnLst>
+            <p:seq concurrent="1" nextAc="seek">
+              <p:cTn id="2" dur="indefinite" nodeType="mainSeq">
+                <p:childTnLst>
+                  <p:par>
+                    <p:cTn id="3" fill="hold">
+                      <p:stCondLst>
+                        <p:cond delay="indefinite"/>
+                      </p:stCondLst>
+                      <p:childTnLst>
+                        <p:par>
+                          <p:cTn id="4" fill="hold">
+                            <p:stCondLst>
+                              <p:cond delay="0"/>
+                            </p:stCondLst>
+                            <p:childTnLst>
+                              <p:par>
+                                <p:cTn id="5" presetID="10" presetClass="entr" presetSubtype="0" fill="hold" grpId="0" nodeType="clickEffect">
+                                  <p:stCondLst>
+                                    <p:cond delay="0"/>
+                                  </p:stCondLst>
+                                  <p:childTnLst>
+                                    <p:set>
+                                      <p:cBhvr>
+                                        <p:cTn id="6" dur="1" fill="hold">
+                                          <p:stCondLst>
+                                            <p:cond delay="0"/>
+                                          </p:stCondLst>
+                                        </p:cTn>
+                                        <p:tgtEl>
+                                          <p:spTgt spid="3">
+                                            <p:txEl>
+                                              <p:pRg st="0" end="0"/>
+                                            </p:txEl>
+                                          </p:spTgt>
+                                        </p:tgtEl>
+                                        <p:attrNameLst>
+                                          <p:attrName>style.visibility</p:attrName>
+                                        </p:attrNameLst>
+                                      </p:cBhvr>
+                                      <p:to>
+                                        <p:strVal val="visible"/>
+                                      </p:to>
+                                    </p:set>
+                                    <p:animEffect transition="in" filter="fade">
+                                      <p:cBhvr>
+                                        <p:cTn id="7" dur="500"/>
+                                        <p:tgtEl>
+                                          <p:spTgt spid="3">
+                                            <p:txEl>
+                                              <p:pRg st="0" end="0"/>
+                                            </p:txEl>
+                                          </p:spTgt>
+                                        </p:tgtEl>
+                                      </p:cBhvr>
+                                    </p:animEffect>
+                                  </p:childTnLst>
+                                </p:cTn>
+                              </p:par>
+                            </p:childTnLst>
+                          </p:cTn>
+                        </p:par>
+                      </p:childTnLst>
+                    </p:cTn>
+                  </p:par>
+                  <p:par>
+                    <p:cTn id="8" fill="hold">
+                      <p:stCondLst>
+                        <p:cond delay="indefinite"/>
+                      </p:stCondLst>
+                      <p:childTnLst>
+                        <p:par>
+                          <p:cTn id="9" fill="hold">
+                            <p:stCondLst>
+                              <p:cond delay="0"/>
+                            </p:stCondLst>
+                            <p:childTnLst>
+                              <p:par>
+                                <p:cTn id="10" presetID="10" presetClass="entr" presetSubtype="0" fill="hold" nodeType="clickEffect">
+                                  <p:stCondLst>
+                                    <p:cond delay="0"/>
+                                  </p:stCondLst>
+                                  <p:childTnLst>
+                                    <p:set>
+                                      <p:cBhvr>
+                                        <p:cTn id="11" dur="1" fill="hold">
+                                          <p:stCondLst>
+                                            <p:cond delay="0"/>
+                                          </p:stCondLst>
+                                        </p:cTn>
+                                        <p:tgtEl>
+                                          <p:spTgt spid="5"/>
+                                        </p:tgtEl>
+                                        <p:attrNameLst>
+                                          <p:attrName>style.visibility</p:attrName>
+                                        </p:attrNameLst>
+                                      </p:cBhvr>
+                                      <p:to>
+                                        <p:strVal val="visible"/>
+                                      </p:to>
+                                    </p:set>
+                                    <p:animEffect transition="in" filter="fade">
+                                      <p:cBhvr>
+                                        <p:cTn id="12" dur="500"/>
+                                        <p:tgtEl>
+                                          <p:spTgt spid="5"/>
+                                        </p:tgtEl>
+                                      </p:cBhvr>
+                                    </p:animEffect>
+                                  </p:childTnLst>
+                                </p:cTn>
+                              </p:par>
+                            </p:childTnLst>
+                          </p:cTn>
+                        </p:par>
+                      </p:childTnLst>
+                    </p:cTn>
+                  </p:par>
+                  <p:par>
+                    <p:cTn id="13" fill="hold">
+                      <p:stCondLst>
+                        <p:cond delay="indefinite"/>
+                      </p:stCondLst>
+                      <p:childTnLst>
+                        <p:par>
+                          <p:cTn id="14" fill="hold">
+                            <p:stCondLst>
+                              <p:cond delay="0"/>
+                            </p:stCondLst>
+                            <p:childTnLst>
+                              <p:par>
+                                <p:cTn id="15" presetID="10" presetClass="entr" presetSubtype="0" fill="hold" grpId="0" nodeType="clickEffect">
+                                  <p:stCondLst>
+                                    <p:cond delay="0"/>
+                                  </p:stCondLst>
+                                  <p:childTnLst>
+                                    <p:set>
+                                      <p:cBhvr>
+                                        <p:cTn id="16" dur="1" fill="hold">
+                                          <p:stCondLst>
+                                            <p:cond delay="0"/>
+                                          </p:stCondLst>
+                                        </p:cTn>
+                                        <p:tgtEl>
+                                          <p:spTgt spid="3">
+                                            <p:txEl>
+                                              <p:pRg st="17" end="17"/>
+                                            </p:txEl>
+                                          </p:spTgt>
+                                        </p:tgtEl>
+                                        <p:attrNameLst>
+                                          <p:attrName>style.visibility</p:attrName>
+                                        </p:attrNameLst>
+                                      </p:cBhvr>
+                                      <p:to>
+                                        <p:strVal val="visible"/>
+                                      </p:to>
+                                    </p:set>
+                                    <p:animEffect transition="in" filter="fade">
+                                      <p:cBhvr>
+                                        <p:cTn id="17" dur="500"/>
+                                        <p:tgtEl>
+                                          <p:spTgt spid="3">
+                                            <p:txEl>
+                                              <p:pRg st="17" end="17"/>
+                                            </p:txEl>
+                                          </p:spTgt>
+                                        </p:tgtEl>
+                                      </p:cBhvr>
+                                    </p:animEffect>
+                                  </p:childTnLst>
+                                </p:cTn>
+                              </p:par>
+                            </p:childTnLst>
+                          </p:cTn>
+                        </p:par>
+                      </p:childTnLst>
+                    </p:cTn>
+                  </p:par>
+                  <p:par>
+                    <p:cTn id="18" fill="hold">
+                      <p:stCondLst>
+                        <p:cond delay="indefinite"/>
+                      </p:stCondLst>
+                      <p:childTnLst>
+                        <p:par>
+                          <p:cTn id="19" fill="hold">
+                            <p:stCondLst>
+                              <p:cond delay="0"/>
+                            </p:stCondLst>
+                            <p:childTnLst>
+                              <p:par>
+                                <p:cTn id="20" presetID="10" presetClass="entr" presetSubtype="0" fill="hold" grpId="0" nodeType="clickEffect">
+                                  <p:stCondLst>
+                                    <p:cond delay="0"/>
+                                  </p:stCondLst>
+                                  <p:childTnLst>
+                                    <p:set>
+                                      <p:cBhvr>
+                                        <p:cTn id="21" dur="1" fill="hold">
+                                          <p:stCondLst>
+                                            <p:cond delay="0"/>
+                                          </p:stCondLst>
+                                        </p:cTn>
+                                        <p:tgtEl>
+                                          <p:spTgt spid="3">
+                                            <p:txEl>
+                                              <p:pRg st="18" end="18"/>
+                                            </p:txEl>
+                                          </p:spTgt>
+                                        </p:tgtEl>
+                                        <p:attrNameLst>
+                                          <p:attrName>style.visibility</p:attrName>
+                                        </p:attrNameLst>
+                                      </p:cBhvr>
+                                      <p:to>
+                                        <p:strVal val="visible"/>
+                                      </p:to>
+                                    </p:set>
+                                    <p:animEffect transition="in" filter="fade">
+                                      <p:cBhvr>
+                                        <p:cTn id="22" dur="500"/>
+                                        <p:tgtEl>
+                                          <p:spTgt spid="3">
+                                            <p:txEl>
+                                              <p:pRg st="18" end="18"/>
+                                            </p:txEl>
+                                          </p:spTgt>
+                                        </p:tgtEl>
+                                      </p:cBhvr>
+                                    </p:animEffect>
+                                  </p:childTnLst>
+                                </p:cTn>
+                              </p:par>
+                            </p:childTnLst>
+                          </p:cTn>
+                        </p:par>
+                      </p:childTnLst>
+                    </p:cTn>
+                  </p:par>
+                </p:childTnLst>
+              </p:cTn>
+              <p:prevCondLst>
+                <p:cond evt="onPrev" delay="0">
+                  <p:tgtEl>
+                    <p:sldTgt/>
+                  </p:tgtEl>
+                </p:cond>
+              </p:prevCondLst>
+              <p:nextCondLst>
+                <p:cond evt="onNext" delay="0">
+                  <p:tgtEl>
+                    <p:sldTgt/>
+                  </p:tgtEl>
+                </p:cond>
+              </p:nextCondLst>
+            </p:seq>
+          </p:childTnLst>
+        </p:cTn>
+      </p:par>
+    </p:tnLst>
+    <p:bldLst>
+      <p:bldP spid="3" grpId="0" uiExpand="1" build="p"/>
+    </p:bldLst>
+  </p:timing>
 </p:sld>
 </file>
 
@@ -3353,6 +3629,503 @@
   <p:clrMapOvr>
     <a:masterClrMapping/>
   </p:clrMapOvr>
+  <p:timing>
+    <p:tnLst>
+      <p:par>
+        <p:cTn id="1" dur="indefinite" restart="never" nodeType="tmRoot">
+          <p:childTnLst>
+            <p:seq concurrent="1" nextAc="seek">
+              <p:cTn id="2" dur="indefinite" nodeType="mainSeq">
+                <p:childTnLst>
+                  <p:par>
+                    <p:cTn id="3" fill="hold">
+                      <p:stCondLst>
+                        <p:cond delay="indefinite"/>
+                      </p:stCondLst>
+                      <p:childTnLst>
+                        <p:par>
+                          <p:cTn id="4" fill="hold">
+                            <p:stCondLst>
+                              <p:cond delay="0"/>
+                            </p:stCondLst>
+                            <p:childTnLst>
+                              <p:par>
+                                <p:cTn id="5" presetID="10" presetClass="entr" presetSubtype="0" fill="hold" grpId="0" nodeType="clickEffect">
+                                  <p:stCondLst>
+                                    <p:cond delay="0"/>
+                                  </p:stCondLst>
+                                  <p:childTnLst>
+                                    <p:set>
+                                      <p:cBhvr>
+                                        <p:cTn id="6" dur="1" fill="hold">
+                                          <p:stCondLst>
+                                            <p:cond delay="0"/>
+                                          </p:stCondLst>
+                                        </p:cTn>
+                                        <p:tgtEl>
+                                          <p:spTgt spid="3">
+                                            <p:txEl>
+                                              <p:pRg st="0" end="0"/>
+                                            </p:txEl>
+                                          </p:spTgt>
+                                        </p:tgtEl>
+                                        <p:attrNameLst>
+                                          <p:attrName>style.visibility</p:attrName>
+                                        </p:attrNameLst>
+                                      </p:cBhvr>
+                                      <p:to>
+                                        <p:strVal val="visible"/>
+                                      </p:to>
+                                    </p:set>
+                                    <p:animEffect transition="in" filter="fade">
+                                      <p:cBhvr>
+                                        <p:cTn id="7" dur="500"/>
+                                        <p:tgtEl>
+                                          <p:spTgt spid="3">
+                                            <p:txEl>
+                                              <p:pRg st="0" end="0"/>
+                                            </p:txEl>
+                                          </p:spTgt>
+                                        </p:tgtEl>
+                                      </p:cBhvr>
+                                    </p:animEffect>
+                                  </p:childTnLst>
+                                </p:cTn>
+                              </p:par>
+                            </p:childTnLst>
+                          </p:cTn>
+                        </p:par>
+                      </p:childTnLst>
+                    </p:cTn>
+                  </p:par>
+                  <p:par>
+                    <p:cTn id="8" fill="hold">
+                      <p:stCondLst>
+                        <p:cond delay="indefinite"/>
+                      </p:stCondLst>
+                      <p:childTnLst>
+                        <p:par>
+                          <p:cTn id="9" fill="hold">
+                            <p:stCondLst>
+                              <p:cond delay="0"/>
+                            </p:stCondLst>
+                            <p:childTnLst>
+                              <p:par>
+                                <p:cTn id="10" presetID="10" presetClass="entr" presetSubtype="0" fill="hold" grpId="0" nodeType="clickEffect">
+                                  <p:stCondLst>
+                                    <p:cond delay="0"/>
+                                  </p:stCondLst>
+                                  <p:childTnLst>
+                                    <p:set>
+                                      <p:cBhvr>
+                                        <p:cTn id="11" dur="1" fill="hold">
+                                          <p:stCondLst>
+                                            <p:cond delay="0"/>
+                                          </p:stCondLst>
+                                        </p:cTn>
+                                        <p:tgtEl>
+                                          <p:spTgt spid="3">
+                                            <p:txEl>
+                                              <p:pRg st="1" end="1"/>
+                                            </p:txEl>
+                                          </p:spTgt>
+                                        </p:tgtEl>
+                                        <p:attrNameLst>
+                                          <p:attrName>style.visibility</p:attrName>
+                                        </p:attrNameLst>
+                                      </p:cBhvr>
+                                      <p:to>
+                                        <p:strVal val="visible"/>
+                                      </p:to>
+                                    </p:set>
+                                    <p:animEffect transition="in" filter="fade">
+                                      <p:cBhvr>
+                                        <p:cTn id="12" dur="500"/>
+                                        <p:tgtEl>
+                                          <p:spTgt spid="3">
+                                            <p:txEl>
+                                              <p:pRg st="1" end="1"/>
+                                            </p:txEl>
+                                          </p:spTgt>
+                                        </p:tgtEl>
+                                      </p:cBhvr>
+                                    </p:animEffect>
+                                  </p:childTnLst>
+                                </p:cTn>
+                              </p:par>
+                            </p:childTnLst>
+                          </p:cTn>
+                        </p:par>
+                      </p:childTnLst>
+                    </p:cTn>
+                  </p:par>
+                  <p:par>
+                    <p:cTn id="13" fill="hold">
+                      <p:stCondLst>
+                        <p:cond delay="indefinite"/>
+                      </p:stCondLst>
+                      <p:childTnLst>
+                        <p:par>
+                          <p:cTn id="14" fill="hold">
+                            <p:stCondLst>
+                              <p:cond delay="0"/>
+                            </p:stCondLst>
+                            <p:childTnLst>
+                              <p:par>
+                                <p:cTn id="15" presetID="10" presetClass="entr" presetSubtype="0" fill="hold" nodeType="clickEffect">
+                                  <p:stCondLst>
+                                    <p:cond delay="0"/>
+                                  </p:stCondLst>
+                                  <p:childTnLst>
+                                    <p:set>
+                                      <p:cBhvr>
+                                        <p:cTn id="16" dur="1" fill="hold">
+                                          <p:stCondLst>
+                                            <p:cond delay="0"/>
+                                          </p:stCondLst>
+                                        </p:cTn>
+                                        <p:tgtEl>
+                                          <p:spTgt spid="7"/>
+                                        </p:tgtEl>
+                                        <p:attrNameLst>
+                                          <p:attrName>style.visibility</p:attrName>
+                                        </p:attrNameLst>
+                                      </p:cBhvr>
+                                      <p:to>
+                                        <p:strVal val="visible"/>
+                                      </p:to>
+                                    </p:set>
+                                    <p:animEffect transition="in" filter="fade">
+                                      <p:cBhvr>
+                                        <p:cTn id="17" dur="500"/>
+                                        <p:tgtEl>
+                                          <p:spTgt spid="7"/>
+                                        </p:tgtEl>
+                                      </p:cBhvr>
+                                    </p:animEffect>
+                                  </p:childTnLst>
+                                </p:cTn>
+                              </p:par>
+                            </p:childTnLst>
+                          </p:cTn>
+                        </p:par>
+                      </p:childTnLst>
+                    </p:cTn>
+                  </p:par>
+                  <p:par>
+                    <p:cTn id="18" fill="hold">
+                      <p:stCondLst>
+                        <p:cond delay="indefinite"/>
+                      </p:stCondLst>
+                      <p:childTnLst>
+                        <p:par>
+                          <p:cTn id="19" fill="hold">
+                            <p:stCondLst>
+                              <p:cond delay="0"/>
+                            </p:stCondLst>
+                            <p:childTnLst>
+                              <p:par>
+                                <p:cTn id="20" presetID="10" presetClass="entr" presetSubtype="0" fill="hold" grpId="0" nodeType="clickEffect">
+                                  <p:stCondLst>
+                                    <p:cond delay="0"/>
+                                  </p:stCondLst>
+                                  <p:childTnLst>
+                                    <p:set>
+                                      <p:cBhvr>
+                                        <p:cTn id="21" dur="1" fill="hold">
+                                          <p:stCondLst>
+                                            <p:cond delay="0"/>
+                                          </p:stCondLst>
+                                        </p:cTn>
+                                        <p:tgtEl>
+                                          <p:spTgt spid="3">
+                                            <p:txEl>
+                                              <p:pRg st="4" end="4"/>
+                                            </p:txEl>
+                                          </p:spTgt>
+                                        </p:tgtEl>
+                                        <p:attrNameLst>
+                                          <p:attrName>style.visibility</p:attrName>
+                                        </p:attrNameLst>
+                                      </p:cBhvr>
+                                      <p:to>
+                                        <p:strVal val="visible"/>
+                                      </p:to>
+                                    </p:set>
+                                    <p:animEffect transition="in" filter="fade">
+                                      <p:cBhvr>
+                                        <p:cTn id="22" dur="500"/>
+                                        <p:tgtEl>
+                                          <p:spTgt spid="3">
+                                            <p:txEl>
+                                              <p:pRg st="4" end="4"/>
+                                            </p:txEl>
+                                          </p:spTgt>
+                                        </p:tgtEl>
+                                      </p:cBhvr>
+                                    </p:animEffect>
+                                  </p:childTnLst>
+                                </p:cTn>
+                              </p:par>
+                            </p:childTnLst>
+                          </p:cTn>
+                        </p:par>
+                      </p:childTnLst>
+                    </p:cTn>
+                  </p:par>
+                  <p:par>
+                    <p:cTn id="23" fill="hold">
+                      <p:stCondLst>
+                        <p:cond delay="indefinite"/>
+                      </p:stCondLst>
+                      <p:childTnLst>
+                        <p:par>
+                          <p:cTn id="24" fill="hold">
+                            <p:stCondLst>
+                              <p:cond delay="0"/>
+                            </p:stCondLst>
+                            <p:childTnLst>
+                              <p:par>
+                                <p:cTn id="25" presetID="10" presetClass="entr" presetSubtype="0" fill="hold" grpId="0" nodeType="clickEffect">
+                                  <p:stCondLst>
+                                    <p:cond delay="0"/>
+                                  </p:stCondLst>
+                                  <p:childTnLst>
+                                    <p:set>
+                                      <p:cBhvr>
+                                        <p:cTn id="26" dur="1" fill="hold">
+                                          <p:stCondLst>
+                                            <p:cond delay="0"/>
+                                          </p:stCondLst>
+                                        </p:cTn>
+                                        <p:tgtEl>
+                                          <p:spTgt spid="3">
+                                            <p:txEl>
+                                              <p:pRg st="5" end="5"/>
+                                            </p:txEl>
+                                          </p:spTgt>
+                                        </p:tgtEl>
+                                        <p:attrNameLst>
+                                          <p:attrName>style.visibility</p:attrName>
+                                        </p:attrNameLst>
+                                      </p:cBhvr>
+                                      <p:to>
+                                        <p:strVal val="visible"/>
+                                      </p:to>
+                                    </p:set>
+                                    <p:animEffect transition="in" filter="fade">
+                                      <p:cBhvr>
+                                        <p:cTn id="27" dur="500"/>
+                                        <p:tgtEl>
+                                          <p:spTgt spid="3">
+                                            <p:txEl>
+                                              <p:pRg st="5" end="5"/>
+                                            </p:txEl>
+                                          </p:spTgt>
+                                        </p:tgtEl>
+                                      </p:cBhvr>
+                                    </p:animEffect>
+                                  </p:childTnLst>
+                                </p:cTn>
+                              </p:par>
+                            </p:childTnLst>
+                          </p:cTn>
+                        </p:par>
+                      </p:childTnLst>
+                    </p:cTn>
+                  </p:par>
+                  <p:par>
+                    <p:cTn id="28" fill="hold">
+                      <p:stCondLst>
+                        <p:cond delay="indefinite"/>
+                      </p:stCondLst>
+                      <p:childTnLst>
+                        <p:par>
+                          <p:cTn id="29" fill="hold">
+                            <p:stCondLst>
+                              <p:cond delay="0"/>
+                            </p:stCondLst>
+                            <p:childTnLst>
+                              <p:par>
+                                <p:cTn id="30" presetID="10" presetClass="entr" presetSubtype="0" fill="hold" nodeType="clickEffect">
+                                  <p:stCondLst>
+                                    <p:cond delay="0"/>
+                                  </p:stCondLst>
+                                  <p:childTnLst>
+                                    <p:set>
+                                      <p:cBhvr>
+                                        <p:cTn id="31" dur="1" fill="hold">
+                                          <p:stCondLst>
+                                            <p:cond delay="0"/>
+                                          </p:stCondLst>
+                                        </p:cTn>
+                                        <p:tgtEl>
+                                          <p:spTgt spid="9"/>
+                                        </p:tgtEl>
+                                        <p:attrNameLst>
+                                          <p:attrName>style.visibility</p:attrName>
+                                        </p:attrNameLst>
+                                      </p:cBhvr>
+                                      <p:to>
+                                        <p:strVal val="visible"/>
+                                      </p:to>
+                                    </p:set>
+                                    <p:animEffect transition="in" filter="fade">
+                                      <p:cBhvr>
+                                        <p:cTn id="32" dur="500"/>
+                                        <p:tgtEl>
+                                          <p:spTgt spid="9"/>
+                                        </p:tgtEl>
+                                      </p:cBhvr>
+                                    </p:animEffect>
+                                  </p:childTnLst>
+                                </p:cTn>
+                              </p:par>
+                            </p:childTnLst>
+                          </p:cTn>
+                        </p:par>
+                      </p:childTnLst>
+                    </p:cTn>
+                  </p:par>
+                  <p:par>
+                    <p:cTn id="33" fill="hold">
+                      <p:stCondLst>
+                        <p:cond delay="indefinite"/>
+                      </p:stCondLst>
+                      <p:childTnLst>
+                        <p:par>
+                          <p:cTn id="34" fill="hold">
+                            <p:stCondLst>
+                              <p:cond delay="0"/>
+                            </p:stCondLst>
+                            <p:childTnLst>
+                              <p:par>
+                                <p:cTn id="35" presetID="10" presetClass="entr" presetSubtype="0" fill="hold" grpId="0" nodeType="clickEffect">
+                                  <p:stCondLst>
+                                    <p:cond delay="0"/>
+                                  </p:stCondLst>
+                                  <p:childTnLst>
+                                    <p:set>
+                                      <p:cBhvr>
+                                        <p:cTn id="36" dur="1" fill="hold">
+                                          <p:stCondLst>
+                                            <p:cond delay="0"/>
+                                          </p:stCondLst>
+                                        </p:cTn>
+                                        <p:tgtEl>
+                                          <p:spTgt spid="3">
+                                            <p:txEl>
+                                              <p:pRg st="12" end="12"/>
+                                            </p:txEl>
+                                          </p:spTgt>
+                                        </p:tgtEl>
+                                        <p:attrNameLst>
+                                          <p:attrName>style.visibility</p:attrName>
+                                        </p:attrNameLst>
+                                      </p:cBhvr>
+                                      <p:to>
+                                        <p:strVal val="visible"/>
+                                      </p:to>
+                                    </p:set>
+                                    <p:animEffect transition="in" filter="fade">
+                                      <p:cBhvr>
+                                        <p:cTn id="37" dur="500"/>
+                                        <p:tgtEl>
+                                          <p:spTgt spid="3">
+                                            <p:txEl>
+                                              <p:pRg st="12" end="12"/>
+                                            </p:txEl>
+                                          </p:spTgt>
+                                        </p:tgtEl>
+                                      </p:cBhvr>
+                                    </p:animEffect>
+                                  </p:childTnLst>
+                                </p:cTn>
+                              </p:par>
+                            </p:childTnLst>
+                          </p:cTn>
+                        </p:par>
+                      </p:childTnLst>
+                    </p:cTn>
+                  </p:par>
+                  <p:par>
+                    <p:cTn id="38" fill="hold">
+                      <p:stCondLst>
+                        <p:cond delay="indefinite"/>
+                      </p:stCondLst>
+                      <p:childTnLst>
+                        <p:par>
+                          <p:cTn id="39" fill="hold">
+                            <p:stCondLst>
+                              <p:cond delay="0"/>
+                            </p:stCondLst>
+                            <p:childTnLst>
+                              <p:par>
+                                <p:cTn id="40" presetID="10" presetClass="entr" presetSubtype="0" fill="hold" nodeType="clickEffect">
+                                  <p:stCondLst>
+                                    <p:cond delay="0"/>
+                                  </p:stCondLst>
+                                  <p:childTnLst>
+                                    <p:set>
+                                      <p:cBhvr>
+                                        <p:cTn id="41" dur="1" fill="hold">
+                                          <p:stCondLst>
+                                            <p:cond delay="0"/>
+                                          </p:stCondLst>
+                                        </p:cTn>
+                                        <p:tgtEl>
+                                          <p:spTgt spid="10"/>
+                                        </p:tgtEl>
+                                        <p:attrNameLst>
+                                          <p:attrName>style.visibility</p:attrName>
+                                        </p:attrNameLst>
+                                      </p:cBhvr>
+                                      <p:to>
+                                        <p:strVal val="visible"/>
+                                      </p:to>
+                                    </p:set>
+                                    <p:animEffect transition="in" filter="fade">
+                                      <p:cBhvr>
+                                        <p:cTn id="42" dur="500"/>
+                                        <p:tgtEl>
+                                          <p:spTgt spid="10"/>
+                                        </p:tgtEl>
+                                      </p:cBhvr>
+                                    </p:animEffect>
+                                  </p:childTnLst>
+                                </p:cTn>
+                              </p:par>
+                            </p:childTnLst>
+                          </p:cTn>
+                        </p:par>
+                      </p:childTnLst>
+                    </p:cTn>
+                  </p:par>
+                </p:childTnLst>
+              </p:cTn>
+              <p:prevCondLst>
+                <p:cond evt="onPrev" delay="0">
+                  <p:tgtEl>
+                    <p:sldTgt/>
+                  </p:tgtEl>
+                </p:cond>
+              </p:prevCondLst>
+              <p:nextCondLst>
+                <p:cond evt="onNext" delay="0">
+                  <p:tgtEl>
+                    <p:sldTgt/>
+                  </p:tgtEl>
+                </p:cond>
+              </p:nextCondLst>
+            </p:seq>
+          </p:childTnLst>
+        </p:cTn>
+      </p:par>
+    </p:tnLst>
+    <p:bldLst>
+      <p:bldP spid="3" grpId="0" uiExpand="1" build="p"/>
+    </p:bldLst>
+  </p:timing>
 </p:sld>
 </file>
 
@@ -3631,6 +4404,389 @@
   <p:clrMapOvr>
     <a:masterClrMapping/>
   </p:clrMapOvr>
+  <p:timing>
+    <p:tnLst>
+      <p:par>
+        <p:cTn id="1" dur="indefinite" restart="never" nodeType="tmRoot">
+          <p:childTnLst>
+            <p:seq concurrent="1" nextAc="seek">
+              <p:cTn id="2" dur="indefinite" nodeType="mainSeq">
+                <p:childTnLst>
+                  <p:par>
+                    <p:cTn id="3" fill="hold">
+                      <p:stCondLst>
+                        <p:cond delay="indefinite"/>
+                      </p:stCondLst>
+                      <p:childTnLst>
+                        <p:par>
+                          <p:cTn id="4" fill="hold">
+                            <p:stCondLst>
+                              <p:cond delay="0"/>
+                            </p:stCondLst>
+                            <p:childTnLst>
+                              <p:par>
+                                <p:cTn id="5" presetID="10" presetClass="entr" presetSubtype="0" fill="hold" grpId="0" nodeType="clickEffect">
+                                  <p:stCondLst>
+                                    <p:cond delay="0"/>
+                                  </p:stCondLst>
+                                  <p:childTnLst>
+                                    <p:set>
+                                      <p:cBhvr>
+                                        <p:cTn id="6" dur="1" fill="hold">
+                                          <p:stCondLst>
+                                            <p:cond delay="0"/>
+                                          </p:stCondLst>
+                                        </p:cTn>
+                                        <p:tgtEl>
+                                          <p:spTgt spid="3">
+                                            <p:txEl>
+                                              <p:pRg st="0" end="0"/>
+                                            </p:txEl>
+                                          </p:spTgt>
+                                        </p:tgtEl>
+                                        <p:attrNameLst>
+                                          <p:attrName>style.visibility</p:attrName>
+                                        </p:attrNameLst>
+                                      </p:cBhvr>
+                                      <p:to>
+                                        <p:strVal val="visible"/>
+                                      </p:to>
+                                    </p:set>
+                                    <p:animEffect transition="in" filter="fade">
+                                      <p:cBhvr>
+                                        <p:cTn id="7" dur="500"/>
+                                        <p:tgtEl>
+                                          <p:spTgt spid="3">
+                                            <p:txEl>
+                                              <p:pRg st="0" end="0"/>
+                                            </p:txEl>
+                                          </p:spTgt>
+                                        </p:tgtEl>
+                                      </p:cBhvr>
+                                    </p:animEffect>
+                                  </p:childTnLst>
+                                </p:cTn>
+                              </p:par>
+                            </p:childTnLst>
+                          </p:cTn>
+                        </p:par>
+                      </p:childTnLst>
+                    </p:cTn>
+                  </p:par>
+                  <p:par>
+                    <p:cTn id="8" fill="hold">
+                      <p:stCondLst>
+                        <p:cond delay="indefinite"/>
+                      </p:stCondLst>
+                      <p:childTnLst>
+                        <p:par>
+                          <p:cTn id="9" fill="hold">
+                            <p:stCondLst>
+                              <p:cond delay="0"/>
+                            </p:stCondLst>
+                            <p:childTnLst>
+                              <p:par>
+                                <p:cTn id="10" presetID="10" presetClass="entr" presetSubtype="0" fill="hold" grpId="0" nodeType="clickEffect">
+                                  <p:stCondLst>
+                                    <p:cond delay="0"/>
+                                  </p:stCondLst>
+                                  <p:childTnLst>
+                                    <p:set>
+                                      <p:cBhvr>
+                                        <p:cTn id="11" dur="1" fill="hold">
+                                          <p:stCondLst>
+                                            <p:cond delay="0"/>
+                                          </p:stCondLst>
+                                        </p:cTn>
+                                        <p:tgtEl>
+                                          <p:spTgt spid="3">
+                                            <p:txEl>
+                                              <p:pRg st="1" end="1"/>
+                                            </p:txEl>
+                                          </p:spTgt>
+                                        </p:tgtEl>
+                                        <p:attrNameLst>
+                                          <p:attrName>style.visibility</p:attrName>
+                                        </p:attrNameLst>
+                                      </p:cBhvr>
+                                      <p:to>
+                                        <p:strVal val="visible"/>
+                                      </p:to>
+                                    </p:set>
+                                    <p:animEffect transition="in" filter="fade">
+                                      <p:cBhvr>
+                                        <p:cTn id="12" dur="500"/>
+                                        <p:tgtEl>
+                                          <p:spTgt spid="3">
+                                            <p:txEl>
+                                              <p:pRg st="1" end="1"/>
+                                            </p:txEl>
+                                          </p:spTgt>
+                                        </p:tgtEl>
+                                      </p:cBhvr>
+                                    </p:animEffect>
+                                  </p:childTnLst>
+                                </p:cTn>
+                              </p:par>
+                            </p:childTnLst>
+                          </p:cTn>
+                        </p:par>
+                      </p:childTnLst>
+                    </p:cTn>
+                  </p:par>
+                  <p:par>
+                    <p:cTn id="13" fill="hold">
+                      <p:stCondLst>
+                        <p:cond delay="indefinite"/>
+                      </p:stCondLst>
+                      <p:childTnLst>
+                        <p:par>
+                          <p:cTn id="14" fill="hold">
+                            <p:stCondLst>
+                              <p:cond delay="0"/>
+                            </p:stCondLst>
+                            <p:childTnLst>
+                              <p:par>
+                                <p:cTn id="15" presetID="10" presetClass="entr" presetSubtype="0" fill="hold" nodeType="clickEffect">
+                                  <p:stCondLst>
+                                    <p:cond delay="0"/>
+                                  </p:stCondLst>
+                                  <p:childTnLst>
+                                    <p:set>
+                                      <p:cBhvr>
+                                        <p:cTn id="16" dur="1" fill="hold">
+                                          <p:stCondLst>
+                                            <p:cond delay="0"/>
+                                          </p:stCondLst>
+                                        </p:cTn>
+                                        <p:tgtEl>
+                                          <p:spTgt spid="4"/>
+                                        </p:tgtEl>
+                                        <p:attrNameLst>
+                                          <p:attrName>style.visibility</p:attrName>
+                                        </p:attrNameLst>
+                                      </p:cBhvr>
+                                      <p:to>
+                                        <p:strVal val="visible"/>
+                                      </p:to>
+                                    </p:set>
+                                    <p:animEffect transition="in" filter="fade">
+                                      <p:cBhvr>
+                                        <p:cTn id="17" dur="500"/>
+                                        <p:tgtEl>
+                                          <p:spTgt spid="4"/>
+                                        </p:tgtEl>
+                                      </p:cBhvr>
+                                    </p:animEffect>
+                                  </p:childTnLst>
+                                </p:cTn>
+                              </p:par>
+                            </p:childTnLst>
+                          </p:cTn>
+                        </p:par>
+                      </p:childTnLst>
+                    </p:cTn>
+                  </p:par>
+                  <p:par>
+                    <p:cTn id="18" fill="hold">
+                      <p:stCondLst>
+                        <p:cond delay="indefinite"/>
+                      </p:stCondLst>
+                      <p:childTnLst>
+                        <p:par>
+                          <p:cTn id="19" fill="hold">
+                            <p:stCondLst>
+                              <p:cond delay="0"/>
+                            </p:stCondLst>
+                            <p:childTnLst>
+                              <p:par>
+                                <p:cTn id="20" presetID="10" presetClass="entr" presetSubtype="0" fill="hold" grpId="0" nodeType="clickEffect">
+                                  <p:stCondLst>
+                                    <p:cond delay="0"/>
+                                  </p:stCondLst>
+                                  <p:childTnLst>
+                                    <p:set>
+                                      <p:cBhvr>
+                                        <p:cTn id="21" dur="1" fill="hold">
+                                          <p:stCondLst>
+                                            <p:cond delay="0"/>
+                                          </p:stCondLst>
+                                        </p:cTn>
+                                        <p:tgtEl>
+                                          <p:spTgt spid="3">
+                                            <p:txEl>
+                                              <p:pRg st="6" end="6"/>
+                                            </p:txEl>
+                                          </p:spTgt>
+                                        </p:tgtEl>
+                                        <p:attrNameLst>
+                                          <p:attrName>style.visibility</p:attrName>
+                                        </p:attrNameLst>
+                                      </p:cBhvr>
+                                      <p:to>
+                                        <p:strVal val="visible"/>
+                                      </p:to>
+                                    </p:set>
+                                    <p:animEffect transition="in" filter="fade">
+                                      <p:cBhvr>
+                                        <p:cTn id="22" dur="500"/>
+                                        <p:tgtEl>
+                                          <p:spTgt spid="3">
+                                            <p:txEl>
+                                              <p:pRg st="6" end="6"/>
+                                            </p:txEl>
+                                          </p:spTgt>
+                                        </p:tgtEl>
+                                      </p:cBhvr>
+                                    </p:animEffect>
+                                  </p:childTnLst>
+                                </p:cTn>
+                              </p:par>
+                            </p:childTnLst>
+                          </p:cTn>
+                        </p:par>
+                      </p:childTnLst>
+                    </p:cTn>
+                  </p:par>
+                  <p:par>
+                    <p:cTn id="23" fill="hold">
+                      <p:stCondLst>
+                        <p:cond delay="indefinite"/>
+                      </p:stCondLst>
+                      <p:childTnLst>
+                        <p:par>
+                          <p:cTn id="24" fill="hold">
+                            <p:stCondLst>
+                              <p:cond delay="0"/>
+                            </p:stCondLst>
+                            <p:childTnLst>
+                              <p:par>
+                                <p:cTn id="25" presetID="10" presetClass="entr" presetSubtype="0" fill="hold" grpId="0" nodeType="clickEffect">
+                                  <p:stCondLst>
+                                    <p:cond delay="0"/>
+                                  </p:stCondLst>
+                                  <p:childTnLst>
+                                    <p:set>
+                                      <p:cBhvr>
+                                        <p:cTn id="26" dur="1" fill="hold">
+                                          <p:stCondLst>
+                                            <p:cond delay="0"/>
+                                          </p:stCondLst>
+                                        </p:cTn>
+                                        <p:tgtEl>
+                                          <p:spTgt spid="3">
+                                            <p:txEl>
+                                              <p:pRg st="7" end="7"/>
+                                            </p:txEl>
+                                          </p:spTgt>
+                                        </p:tgtEl>
+                                        <p:attrNameLst>
+                                          <p:attrName>style.visibility</p:attrName>
+                                        </p:attrNameLst>
+                                      </p:cBhvr>
+                                      <p:to>
+                                        <p:strVal val="visible"/>
+                                      </p:to>
+                                    </p:set>
+                                    <p:animEffect transition="in" filter="fade">
+                                      <p:cBhvr>
+                                        <p:cTn id="27" dur="500"/>
+                                        <p:tgtEl>
+                                          <p:spTgt spid="3">
+                                            <p:txEl>
+                                              <p:pRg st="7" end="7"/>
+                                            </p:txEl>
+                                          </p:spTgt>
+                                        </p:tgtEl>
+                                      </p:cBhvr>
+                                    </p:animEffect>
+                                  </p:childTnLst>
+                                </p:cTn>
+                              </p:par>
+                            </p:childTnLst>
+                          </p:cTn>
+                        </p:par>
+                      </p:childTnLst>
+                    </p:cTn>
+                  </p:par>
+                  <p:par>
+                    <p:cTn id="28" fill="hold">
+                      <p:stCondLst>
+                        <p:cond delay="indefinite"/>
+                      </p:stCondLst>
+                      <p:childTnLst>
+                        <p:par>
+                          <p:cTn id="29" fill="hold">
+                            <p:stCondLst>
+                              <p:cond delay="0"/>
+                            </p:stCondLst>
+                            <p:childTnLst>
+                              <p:par>
+                                <p:cTn id="30" presetID="10" presetClass="entr" presetSubtype="0" fill="hold" nodeType="clickEffect">
+                                  <p:stCondLst>
+                                    <p:cond delay="0"/>
+                                  </p:stCondLst>
+                                  <p:childTnLst>
+                                    <p:set>
+                                      <p:cBhvr>
+                                        <p:cTn id="31" dur="1" fill="hold">
+                                          <p:stCondLst>
+                                            <p:cond delay="0"/>
+                                          </p:stCondLst>
+                                        </p:cTn>
+                                        <p:tgtEl>
+                                          <p:spTgt spid="5"/>
+                                        </p:tgtEl>
+                                        <p:attrNameLst>
+                                          <p:attrName>style.visibility</p:attrName>
+                                        </p:attrNameLst>
+                                      </p:cBhvr>
+                                      <p:to>
+                                        <p:strVal val="visible"/>
+                                      </p:to>
+                                    </p:set>
+                                    <p:animEffect transition="in" filter="fade">
+                                      <p:cBhvr>
+                                        <p:cTn id="32" dur="500"/>
+                                        <p:tgtEl>
+                                          <p:spTgt spid="5"/>
+                                        </p:tgtEl>
+                                      </p:cBhvr>
+                                    </p:animEffect>
+                                  </p:childTnLst>
+                                </p:cTn>
+                              </p:par>
+                            </p:childTnLst>
+                          </p:cTn>
+                        </p:par>
+                      </p:childTnLst>
+                    </p:cTn>
+                  </p:par>
+                </p:childTnLst>
+              </p:cTn>
+              <p:prevCondLst>
+                <p:cond evt="onPrev" delay="0">
+                  <p:tgtEl>
+                    <p:sldTgt/>
+                  </p:tgtEl>
+                </p:cond>
+              </p:prevCondLst>
+              <p:nextCondLst>
+                <p:cond evt="onNext" delay="0">
+                  <p:tgtEl>
+                    <p:sldTgt/>
+                  </p:tgtEl>
+                </p:cond>
+              </p:nextCondLst>
+            </p:seq>
+          </p:childTnLst>
+        </p:cTn>
+      </p:par>
+    </p:tnLst>
+    <p:bldLst>
+      <p:bldP spid="3" grpId="0" uiExpand="1" build="p"/>
+    </p:bldLst>
+  </p:timing>
 </p:sld>
 </file>
 
@@ -3939,6 +5095,328 @@
   <p:clrMapOvr>
     <a:masterClrMapping/>
   </p:clrMapOvr>
+  <p:timing>
+    <p:tnLst>
+      <p:par>
+        <p:cTn id="1" dur="indefinite" restart="never" nodeType="tmRoot">
+          <p:childTnLst>
+            <p:seq concurrent="1" nextAc="seek">
+              <p:cTn id="2" dur="indefinite" nodeType="mainSeq">
+                <p:childTnLst>
+                  <p:par>
+                    <p:cTn id="3" fill="hold">
+                      <p:stCondLst>
+                        <p:cond delay="indefinite"/>
+                      </p:stCondLst>
+                      <p:childTnLst>
+                        <p:par>
+                          <p:cTn id="4" fill="hold">
+                            <p:stCondLst>
+                              <p:cond delay="0"/>
+                            </p:stCondLst>
+                            <p:childTnLst>
+                              <p:par>
+                                <p:cTn id="5" presetID="10" presetClass="entr" presetSubtype="0" fill="hold" grpId="0" nodeType="clickEffect">
+                                  <p:stCondLst>
+                                    <p:cond delay="0"/>
+                                  </p:stCondLst>
+                                  <p:childTnLst>
+                                    <p:set>
+                                      <p:cBhvr>
+                                        <p:cTn id="6" dur="1" fill="hold">
+                                          <p:stCondLst>
+                                            <p:cond delay="0"/>
+                                          </p:stCondLst>
+                                        </p:cTn>
+                                        <p:tgtEl>
+                                          <p:spTgt spid="3">
+                                            <p:txEl>
+                                              <p:pRg st="0" end="0"/>
+                                            </p:txEl>
+                                          </p:spTgt>
+                                        </p:tgtEl>
+                                        <p:attrNameLst>
+                                          <p:attrName>style.visibility</p:attrName>
+                                        </p:attrNameLst>
+                                      </p:cBhvr>
+                                      <p:to>
+                                        <p:strVal val="visible"/>
+                                      </p:to>
+                                    </p:set>
+                                    <p:animEffect transition="in" filter="fade">
+                                      <p:cBhvr>
+                                        <p:cTn id="7" dur="500"/>
+                                        <p:tgtEl>
+                                          <p:spTgt spid="3">
+                                            <p:txEl>
+                                              <p:pRg st="0" end="0"/>
+                                            </p:txEl>
+                                          </p:spTgt>
+                                        </p:tgtEl>
+                                      </p:cBhvr>
+                                    </p:animEffect>
+                                  </p:childTnLst>
+                                </p:cTn>
+                              </p:par>
+                            </p:childTnLst>
+                          </p:cTn>
+                        </p:par>
+                      </p:childTnLst>
+                    </p:cTn>
+                  </p:par>
+                  <p:par>
+                    <p:cTn id="8" fill="hold">
+                      <p:stCondLst>
+                        <p:cond delay="indefinite"/>
+                      </p:stCondLst>
+                      <p:childTnLst>
+                        <p:par>
+                          <p:cTn id="9" fill="hold">
+                            <p:stCondLst>
+                              <p:cond delay="0"/>
+                            </p:stCondLst>
+                            <p:childTnLst>
+                              <p:par>
+                                <p:cTn id="10" presetID="10" presetClass="entr" presetSubtype="0" fill="hold" nodeType="clickEffect">
+                                  <p:stCondLst>
+                                    <p:cond delay="0"/>
+                                  </p:stCondLst>
+                                  <p:childTnLst>
+                                    <p:set>
+                                      <p:cBhvr>
+                                        <p:cTn id="11" dur="1" fill="hold">
+                                          <p:stCondLst>
+                                            <p:cond delay="0"/>
+                                          </p:stCondLst>
+                                        </p:cTn>
+                                        <p:tgtEl>
+                                          <p:spTgt spid="5"/>
+                                        </p:tgtEl>
+                                        <p:attrNameLst>
+                                          <p:attrName>style.visibility</p:attrName>
+                                        </p:attrNameLst>
+                                      </p:cBhvr>
+                                      <p:to>
+                                        <p:strVal val="visible"/>
+                                      </p:to>
+                                    </p:set>
+                                    <p:animEffect transition="in" filter="fade">
+                                      <p:cBhvr>
+                                        <p:cTn id="12" dur="500"/>
+                                        <p:tgtEl>
+                                          <p:spTgt spid="5"/>
+                                        </p:tgtEl>
+                                      </p:cBhvr>
+                                    </p:animEffect>
+                                  </p:childTnLst>
+                                </p:cTn>
+                              </p:par>
+                            </p:childTnLst>
+                          </p:cTn>
+                        </p:par>
+                      </p:childTnLst>
+                    </p:cTn>
+                  </p:par>
+                  <p:par>
+                    <p:cTn id="13" fill="hold">
+                      <p:stCondLst>
+                        <p:cond delay="indefinite"/>
+                      </p:stCondLst>
+                      <p:childTnLst>
+                        <p:par>
+                          <p:cTn id="14" fill="hold">
+                            <p:stCondLst>
+                              <p:cond delay="0"/>
+                            </p:stCondLst>
+                            <p:childTnLst>
+                              <p:par>
+                                <p:cTn id="15" presetID="10" presetClass="entr" presetSubtype="0" fill="hold" grpId="0" nodeType="clickEffect">
+                                  <p:stCondLst>
+                                    <p:cond delay="0"/>
+                                  </p:stCondLst>
+                                  <p:childTnLst>
+                                    <p:set>
+                                      <p:cBhvr>
+                                        <p:cTn id="16" dur="1" fill="hold">
+                                          <p:stCondLst>
+                                            <p:cond delay="0"/>
+                                          </p:stCondLst>
+                                        </p:cTn>
+                                        <p:tgtEl>
+                                          <p:spTgt spid="3">
+                                            <p:txEl>
+                                              <p:pRg st="8" end="8"/>
+                                            </p:txEl>
+                                          </p:spTgt>
+                                        </p:tgtEl>
+                                        <p:attrNameLst>
+                                          <p:attrName>style.visibility</p:attrName>
+                                        </p:attrNameLst>
+                                      </p:cBhvr>
+                                      <p:to>
+                                        <p:strVal val="visible"/>
+                                      </p:to>
+                                    </p:set>
+                                    <p:animEffect transition="in" filter="fade">
+                                      <p:cBhvr>
+                                        <p:cTn id="17" dur="500"/>
+                                        <p:tgtEl>
+                                          <p:spTgt spid="3">
+                                            <p:txEl>
+                                              <p:pRg st="8" end="8"/>
+                                            </p:txEl>
+                                          </p:spTgt>
+                                        </p:tgtEl>
+                                      </p:cBhvr>
+                                    </p:animEffect>
+                                  </p:childTnLst>
+                                </p:cTn>
+                              </p:par>
+                            </p:childTnLst>
+                          </p:cTn>
+                        </p:par>
+                      </p:childTnLst>
+                    </p:cTn>
+                  </p:par>
+                  <p:par>
+                    <p:cTn id="18" fill="hold">
+                      <p:stCondLst>
+                        <p:cond delay="indefinite"/>
+                      </p:stCondLst>
+                      <p:childTnLst>
+                        <p:par>
+                          <p:cTn id="19" fill="hold">
+                            <p:stCondLst>
+                              <p:cond delay="0"/>
+                            </p:stCondLst>
+                            <p:childTnLst>
+                              <p:par>
+                                <p:cTn id="20" presetID="10" presetClass="entr" presetSubtype="0" fill="hold" grpId="0" nodeType="clickEffect">
+                                  <p:stCondLst>
+                                    <p:cond delay="0"/>
+                                  </p:stCondLst>
+                                  <p:childTnLst>
+                                    <p:set>
+                                      <p:cBhvr>
+                                        <p:cTn id="21" dur="1" fill="hold">
+                                          <p:stCondLst>
+                                            <p:cond delay="0"/>
+                                          </p:stCondLst>
+                                        </p:cTn>
+                                        <p:tgtEl>
+                                          <p:spTgt spid="3">
+                                            <p:txEl>
+                                              <p:pRg st="15" end="15"/>
+                                            </p:txEl>
+                                          </p:spTgt>
+                                        </p:tgtEl>
+                                        <p:attrNameLst>
+                                          <p:attrName>style.visibility</p:attrName>
+                                        </p:attrNameLst>
+                                      </p:cBhvr>
+                                      <p:to>
+                                        <p:strVal val="visible"/>
+                                      </p:to>
+                                    </p:set>
+                                    <p:animEffect transition="in" filter="fade">
+                                      <p:cBhvr>
+                                        <p:cTn id="22" dur="500"/>
+                                        <p:tgtEl>
+                                          <p:spTgt spid="3">
+                                            <p:txEl>
+                                              <p:pRg st="15" end="15"/>
+                                            </p:txEl>
+                                          </p:spTgt>
+                                        </p:tgtEl>
+                                      </p:cBhvr>
+                                    </p:animEffect>
+                                  </p:childTnLst>
+                                </p:cTn>
+                              </p:par>
+                            </p:childTnLst>
+                          </p:cTn>
+                        </p:par>
+                      </p:childTnLst>
+                    </p:cTn>
+                  </p:par>
+                  <p:par>
+                    <p:cTn id="23" fill="hold">
+                      <p:stCondLst>
+                        <p:cond delay="indefinite"/>
+                      </p:stCondLst>
+                      <p:childTnLst>
+                        <p:par>
+                          <p:cTn id="24" fill="hold">
+                            <p:stCondLst>
+                              <p:cond delay="0"/>
+                            </p:stCondLst>
+                            <p:childTnLst>
+                              <p:par>
+                                <p:cTn id="25" presetID="10" presetClass="entr" presetSubtype="0" fill="hold" nodeType="clickEffect">
+                                  <p:stCondLst>
+                                    <p:cond delay="0"/>
+                                  </p:stCondLst>
+                                  <p:childTnLst>
+                                    <p:set>
+                                      <p:cBhvr>
+                                        <p:cTn id="26" dur="1" fill="hold">
+                                          <p:stCondLst>
+                                            <p:cond delay="0"/>
+                                          </p:stCondLst>
+                                        </p:cTn>
+                                        <p:tgtEl>
+                                          <p:spTgt spid="6"/>
+                                        </p:tgtEl>
+                                        <p:attrNameLst>
+                                          <p:attrName>style.visibility</p:attrName>
+                                        </p:attrNameLst>
+                                      </p:cBhvr>
+                                      <p:to>
+                                        <p:strVal val="visible"/>
+                                      </p:to>
+                                    </p:set>
+                                    <p:animEffect transition="in" filter="fade">
+                                      <p:cBhvr>
+                                        <p:cTn id="27" dur="500"/>
+                                        <p:tgtEl>
+                                          <p:spTgt spid="6"/>
+                                        </p:tgtEl>
+                                      </p:cBhvr>
+                                    </p:animEffect>
+                                  </p:childTnLst>
+                                </p:cTn>
+                              </p:par>
+                            </p:childTnLst>
+                          </p:cTn>
+                        </p:par>
+                      </p:childTnLst>
+                    </p:cTn>
+                  </p:par>
+                </p:childTnLst>
+              </p:cTn>
+              <p:prevCondLst>
+                <p:cond evt="onPrev" delay="0">
+                  <p:tgtEl>
+                    <p:sldTgt/>
+                  </p:tgtEl>
+                </p:cond>
+              </p:prevCondLst>
+              <p:nextCondLst>
+                <p:cond evt="onNext" delay="0">
+                  <p:tgtEl>
+                    <p:sldTgt/>
+                  </p:tgtEl>
+                </p:cond>
+              </p:nextCondLst>
+            </p:seq>
+          </p:childTnLst>
+        </p:cTn>
+      </p:par>
+    </p:tnLst>
+    <p:bldLst>
+      <p:bldP spid="3" grpId="0" uiExpand="1" build="p"/>
+    </p:bldLst>
+  </p:timing>
 </p:sld>
 </file>
 
@@ -4201,6 +5679,328 @@
   <p:clrMapOvr>
     <a:masterClrMapping/>
   </p:clrMapOvr>
+  <p:timing>
+    <p:tnLst>
+      <p:par>
+        <p:cTn id="1" dur="indefinite" restart="never" nodeType="tmRoot">
+          <p:childTnLst>
+            <p:seq concurrent="1" nextAc="seek">
+              <p:cTn id="2" dur="indefinite" nodeType="mainSeq">
+                <p:childTnLst>
+                  <p:par>
+                    <p:cTn id="3" fill="hold">
+                      <p:stCondLst>
+                        <p:cond delay="indefinite"/>
+                      </p:stCondLst>
+                      <p:childTnLst>
+                        <p:par>
+                          <p:cTn id="4" fill="hold">
+                            <p:stCondLst>
+                              <p:cond delay="0"/>
+                            </p:stCondLst>
+                            <p:childTnLst>
+                              <p:par>
+                                <p:cTn id="5" presetID="10" presetClass="entr" presetSubtype="0" fill="hold" grpId="0" nodeType="clickEffect">
+                                  <p:stCondLst>
+                                    <p:cond delay="0"/>
+                                  </p:stCondLst>
+                                  <p:childTnLst>
+                                    <p:set>
+                                      <p:cBhvr>
+                                        <p:cTn id="6" dur="1" fill="hold">
+                                          <p:stCondLst>
+                                            <p:cond delay="0"/>
+                                          </p:stCondLst>
+                                        </p:cTn>
+                                        <p:tgtEl>
+                                          <p:spTgt spid="3">
+                                            <p:txEl>
+                                              <p:pRg st="0" end="0"/>
+                                            </p:txEl>
+                                          </p:spTgt>
+                                        </p:tgtEl>
+                                        <p:attrNameLst>
+                                          <p:attrName>style.visibility</p:attrName>
+                                        </p:attrNameLst>
+                                      </p:cBhvr>
+                                      <p:to>
+                                        <p:strVal val="visible"/>
+                                      </p:to>
+                                    </p:set>
+                                    <p:animEffect transition="in" filter="fade">
+                                      <p:cBhvr>
+                                        <p:cTn id="7" dur="500"/>
+                                        <p:tgtEl>
+                                          <p:spTgt spid="3">
+                                            <p:txEl>
+                                              <p:pRg st="0" end="0"/>
+                                            </p:txEl>
+                                          </p:spTgt>
+                                        </p:tgtEl>
+                                      </p:cBhvr>
+                                    </p:animEffect>
+                                  </p:childTnLst>
+                                </p:cTn>
+                              </p:par>
+                            </p:childTnLst>
+                          </p:cTn>
+                        </p:par>
+                      </p:childTnLst>
+                    </p:cTn>
+                  </p:par>
+                  <p:par>
+                    <p:cTn id="8" fill="hold">
+                      <p:stCondLst>
+                        <p:cond delay="indefinite"/>
+                      </p:stCondLst>
+                      <p:childTnLst>
+                        <p:par>
+                          <p:cTn id="9" fill="hold">
+                            <p:stCondLst>
+                              <p:cond delay="0"/>
+                            </p:stCondLst>
+                            <p:childTnLst>
+                              <p:par>
+                                <p:cTn id="10" presetID="10" presetClass="entr" presetSubtype="0" fill="hold" grpId="0" nodeType="clickEffect">
+                                  <p:stCondLst>
+                                    <p:cond delay="0"/>
+                                  </p:stCondLst>
+                                  <p:childTnLst>
+                                    <p:set>
+                                      <p:cBhvr>
+                                        <p:cTn id="11" dur="1" fill="hold">
+                                          <p:stCondLst>
+                                            <p:cond delay="0"/>
+                                          </p:stCondLst>
+                                        </p:cTn>
+                                        <p:tgtEl>
+                                          <p:spTgt spid="3">
+                                            <p:txEl>
+                                              <p:pRg st="2" end="2"/>
+                                            </p:txEl>
+                                          </p:spTgt>
+                                        </p:tgtEl>
+                                        <p:attrNameLst>
+                                          <p:attrName>style.visibility</p:attrName>
+                                        </p:attrNameLst>
+                                      </p:cBhvr>
+                                      <p:to>
+                                        <p:strVal val="visible"/>
+                                      </p:to>
+                                    </p:set>
+                                    <p:animEffect transition="in" filter="fade">
+                                      <p:cBhvr>
+                                        <p:cTn id="12" dur="500"/>
+                                        <p:tgtEl>
+                                          <p:spTgt spid="3">
+                                            <p:txEl>
+                                              <p:pRg st="2" end="2"/>
+                                            </p:txEl>
+                                          </p:spTgt>
+                                        </p:tgtEl>
+                                      </p:cBhvr>
+                                    </p:animEffect>
+                                  </p:childTnLst>
+                                </p:cTn>
+                              </p:par>
+                            </p:childTnLst>
+                          </p:cTn>
+                        </p:par>
+                      </p:childTnLst>
+                    </p:cTn>
+                  </p:par>
+                  <p:par>
+                    <p:cTn id="13" fill="hold">
+                      <p:stCondLst>
+                        <p:cond delay="indefinite"/>
+                      </p:stCondLst>
+                      <p:childTnLst>
+                        <p:par>
+                          <p:cTn id="14" fill="hold">
+                            <p:stCondLst>
+                              <p:cond delay="0"/>
+                            </p:stCondLst>
+                            <p:childTnLst>
+                              <p:par>
+                                <p:cTn id="15" presetID="10" presetClass="entr" presetSubtype="0" fill="hold" nodeType="clickEffect">
+                                  <p:stCondLst>
+                                    <p:cond delay="0"/>
+                                  </p:stCondLst>
+                                  <p:childTnLst>
+                                    <p:set>
+                                      <p:cBhvr>
+                                        <p:cTn id="16" dur="1" fill="hold">
+                                          <p:stCondLst>
+                                            <p:cond delay="0"/>
+                                          </p:stCondLst>
+                                        </p:cTn>
+                                        <p:tgtEl>
+                                          <p:spTgt spid="8"/>
+                                        </p:tgtEl>
+                                        <p:attrNameLst>
+                                          <p:attrName>style.visibility</p:attrName>
+                                        </p:attrNameLst>
+                                      </p:cBhvr>
+                                      <p:to>
+                                        <p:strVal val="visible"/>
+                                      </p:to>
+                                    </p:set>
+                                    <p:animEffect transition="in" filter="fade">
+                                      <p:cBhvr>
+                                        <p:cTn id="17" dur="500"/>
+                                        <p:tgtEl>
+                                          <p:spTgt spid="8"/>
+                                        </p:tgtEl>
+                                      </p:cBhvr>
+                                    </p:animEffect>
+                                  </p:childTnLst>
+                                </p:cTn>
+                              </p:par>
+                            </p:childTnLst>
+                          </p:cTn>
+                        </p:par>
+                      </p:childTnLst>
+                    </p:cTn>
+                  </p:par>
+                  <p:par>
+                    <p:cTn id="18" fill="hold">
+                      <p:stCondLst>
+                        <p:cond delay="indefinite"/>
+                      </p:stCondLst>
+                      <p:childTnLst>
+                        <p:par>
+                          <p:cTn id="19" fill="hold">
+                            <p:stCondLst>
+                              <p:cond delay="0"/>
+                            </p:stCondLst>
+                            <p:childTnLst>
+                              <p:par>
+                                <p:cTn id="20" presetID="10" presetClass="entr" presetSubtype="0" fill="hold" grpId="0" nodeType="clickEffect">
+                                  <p:stCondLst>
+                                    <p:cond delay="0"/>
+                                  </p:stCondLst>
+                                  <p:childTnLst>
+                                    <p:set>
+                                      <p:cBhvr>
+                                        <p:cTn id="21" dur="1" fill="hold">
+                                          <p:stCondLst>
+                                            <p:cond delay="0"/>
+                                          </p:stCondLst>
+                                        </p:cTn>
+                                        <p:tgtEl>
+                                          <p:spTgt spid="3">
+                                            <p:txEl>
+                                              <p:pRg st="5" end="5"/>
+                                            </p:txEl>
+                                          </p:spTgt>
+                                        </p:tgtEl>
+                                        <p:attrNameLst>
+                                          <p:attrName>style.visibility</p:attrName>
+                                        </p:attrNameLst>
+                                      </p:cBhvr>
+                                      <p:to>
+                                        <p:strVal val="visible"/>
+                                      </p:to>
+                                    </p:set>
+                                    <p:animEffect transition="in" filter="fade">
+                                      <p:cBhvr>
+                                        <p:cTn id="22" dur="500"/>
+                                        <p:tgtEl>
+                                          <p:spTgt spid="3">
+                                            <p:txEl>
+                                              <p:pRg st="5" end="5"/>
+                                            </p:txEl>
+                                          </p:spTgt>
+                                        </p:tgtEl>
+                                      </p:cBhvr>
+                                    </p:animEffect>
+                                  </p:childTnLst>
+                                </p:cTn>
+                              </p:par>
+                            </p:childTnLst>
+                          </p:cTn>
+                        </p:par>
+                      </p:childTnLst>
+                    </p:cTn>
+                  </p:par>
+                  <p:par>
+                    <p:cTn id="23" fill="hold">
+                      <p:stCondLst>
+                        <p:cond delay="indefinite"/>
+                      </p:stCondLst>
+                      <p:childTnLst>
+                        <p:par>
+                          <p:cTn id="24" fill="hold">
+                            <p:stCondLst>
+                              <p:cond delay="0"/>
+                            </p:stCondLst>
+                            <p:childTnLst>
+                              <p:par>
+                                <p:cTn id="25" presetID="10" presetClass="entr" presetSubtype="0" fill="hold" nodeType="clickEffect">
+                                  <p:stCondLst>
+                                    <p:cond delay="0"/>
+                                  </p:stCondLst>
+                                  <p:childTnLst>
+                                    <p:set>
+                                      <p:cBhvr>
+                                        <p:cTn id="26" dur="1" fill="hold">
+                                          <p:stCondLst>
+                                            <p:cond delay="0"/>
+                                          </p:stCondLst>
+                                        </p:cTn>
+                                        <p:tgtEl>
+                                          <p:spTgt spid="9"/>
+                                        </p:tgtEl>
+                                        <p:attrNameLst>
+                                          <p:attrName>style.visibility</p:attrName>
+                                        </p:attrNameLst>
+                                      </p:cBhvr>
+                                      <p:to>
+                                        <p:strVal val="visible"/>
+                                      </p:to>
+                                    </p:set>
+                                    <p:animEffect transition="in" filter="fade">
+                                      <p:cBhvr>
+                                        <p:cTn id="27" dur="500"/>
+                                        <p:tgtEl>
+                                          <p:spTgt spid="9"/>
+                                        </p:tgtEl>
+                                      </p:cBhvr>
+                                    </p:animEffect>
+                                  </p:childTnLst>
+                                </p:cTn>
+                              </p:par>
+                            </p:childTnLst>
+                          </p:cTn>
+                        </p:par>
+                      </p:childTnLst>
+                    </p:cTn>
+                  </p:par>
+                </p:childTnLst>
+              </p:cTn>
+              <p:prevCondLst>
+                <p:cond evt="onPrev" delay="0">
+                  <p:tgtEl>
+                    <p:sldTgt/>
+                  </p:tgtEl>
+                </p:cond>
+              </p:prevCondLst>
+              <p:nextCondLst>
+                <p:cond evt="onNext" delay="0">
+                  <p:tgtEl>
+                    <p:sldTgt/>
+                  </p:tgtEl>
+                </p:cond>
+              </p:nextCondLst>
+            </p:seq>
+          </p:childTnLst>
+        </p:cTn>
+      </p:par>
+    </p:tnLst>
+    <p:bldLst>
+      <p:bldP spid="3" grpId="0" uiExpand="1" build="p"/>
+    </p:bldLst>
+  </p:timing>
 </p:sld>
 </file>
 
@@ -4344,7 +6144,11 @@
             </a:r>
             <a:r>
               <a:rPr lang="zh-CN" altLang="en-US" sz="2000" dirty="0"/>
-              <a:t>扩展你值得拥有。</a:t>
+              <a:t>扩展你值得</a:t>
+            </a:r>
+            <a:r>
+              <a:rPr lang="zh-CN" altLang="en-US" sz="2000" dirty="0" smtClean="0"/>
+              <a:t>拥有！！！</a:t>
             </a:r>
             <a:endParaRPr lang="en-US" altLang="zh-CN" sz="2000" dirty="0"/>
           </a:p>
@@ -4500,6 +6304,684 @@
   <p:clrMapOvr>
     <a:masterClrMapping/>
   </p:clrMapOvr>
+  <p:timing>
+    <p:tnLst>
+      <p:par>
+        <p:cTn id="1" dur="indefinite" restart="never" nodeType="tmRoot">
+          <p:childTnLst>
+            <p:seq concurrent="1" nextAc="seek">
+              <p:cTn id="2" dur="indefinite" nodeType="mainSeq">
+                <p:childTnLst>
+                  <p:par>
+                    <p:cTn id="3" fill="hold">
+                      <p:stCondLst>
+                        <p:cond delay="indefinite"/>
+                      </p:stCondLst>
+                      <p:childTnLst>
+                        <p:par>
+                          <p:cTn id="4" fill="hold">
+                            <p:stCondLst>
+                              <p:cond delay="0"/>
+                            </p:stCondLst>
+                            <p:childTnLst>
+                              <p:par>
+                                <p:cTn id="5" presetID="10" presetClass="entr" presetSubtype="0" fill="hold" grpId="0" nodeType="clickEffect">
+                                  <p:stCondLst>
+                                    <p:cond delay="0"/>
+                                  </p:stCondLst>
+                                  <p:childTnLst>
+                                    <p:set>
+                                      <p:cBhvr>
+                                        <p:cTn id="6" dur="1" fill="hold">
+                                          <p:stCondLst>
+                                            <p:cond delay="0"/>
+                                          </p:stCondLst>
+                                        </p:cTn>
+                                        <p:tgtEl>
+                                          <p:spTgt spid="3">
+                                            <p:txEl>
+                                              <p:pRg st="0" end="0"/>
+                                            </p:txEl>
+                                          </p:spTgt>
+                                        </p:tgtEl>
+                                        <p:attrNameLst>
+                                          <p:attrName>style.visibility</p:attrName>
+                                        </p:attrNameLst>
+                                      </p:cBhvr>
+                                      <p:to>
+                                        <p:strVal val="visible"/>
+                                      </p:to>
+                                    </p:set>
+                                    <p:animEffect transition="in" filter="fade">
+                                      <p:cBhvr>
+                                        <p:cTn id="7" dur="500"/>
+                                        <p:tgtEl>
+                                          <p:spTgt spid="3">
+                                            <p:txEl>
+                                              <p:pRg st="0" end="0"/>
+                                            </p:txEl>
+                                          </p:spTgt>
+                                        </p:tgtEl>
+                                      </p:cBhvr>
+                                    </p:animEffect>
+                                  </p:childTnLst>
+                                </p:cTn>
+                              </p:par>
+                            </p:childTnLst>
+                          </p:cTn>
+                        </p:par>
+                      </p:childTnLst>
+                    </p:cTn>
+                  </p:par>
+                  <p:par>
+                    <p:cTn id="8" fill="hold">
+                      <p:stCondLst>
+                        <p:cond delay="indefinite"/>
+                      </p:stCondLst>
+                      <p:childTnLst>
+                        <p:par>
+                          <p:cTn id="9" fill="hold">
+                            <p:stCondLst>
+                              <p:cond delay="0"/>
+                            </p:stCondLst>
+                            <p:childTnLst>
+                              <p:par>
+                                <p:cTn id="10" presetID="26" presetClass="entr" presetSubtype="0" fill="hold" grpId="0" nodeType="clickEffect">
+                                  <p:stCondLst>
+                                    <p:cond delay="0"/>
+                                  </p:stCondLst>
+                                  <p:childTnLst>
+                                    <p:set>
+                                      <p:cBhvr>
+                                        <p:cTn id="11" dur="1" fill="hold">
+                                          <p:stCondLst>
+                                            <p:cond delay="0"/>
+                                          </p:stCondLst>
+                                        </p:cTn>
+                                        <p:tgtEl>
+                                          <p:spTgt spid="3">
+                                            <p:txEl>
+                                              <p:pRg st="1" end="1"/>
+                                            </p:txEl>
+                                          </p:spTgt>
+                                        </p:tgtEl>
+                                        <p:attrNameLst>
+                                          <p:attrName>style.visibility</p:attrName>
+                                        </p:attrNameLst>
+                                      </p:cBhvr>
+                                      <p:to>
+                                        <p:strVal val="visible"/>
+                                      </p:to>
+                                    </p:set>
+                                    <p:animEffect transition="in" filter="wipe(down)">
+                                      <p:cBhvr>
+                                        <p:cTn id="12" dur="580">
+                                          <p:stCondLst>
+                                            <p:cond delay="0"/>
+                                          </p:stCondLst>
+                                        </p:cTn>
+                                        <p:tgtEl>
+                                          <p:spTgt spid="3">
+                                            <p:txEl>
+                                              <p:pRg st="1" end="1"/>
+                                            </p:txEl>
+                                          </p:spTgt>
+                                        </p:tgtEl>
+                                      </p:cBhvr>
+                                    </p:animEffect>
+                                    <p:anim calcmode="lin" valueType="num">
+                                      <p:cBhvr>
+                                        <p:cTn id="13" dur="1822" tmFilter="0,0; 0.14,0.36; 0.43,0.73; 0.71,0.91; 1.0,1.0">
+                                          <p:stCondLst>
+                                            <p:cond delay="0"/>
+                                          </p:stCondLst>
+                                        </p:cTn>
+                                        <p:tgtEl>
+                                          <p:spTgt spid="3">
+                                            <p:txEl>
+                                              <p:pRg st="1" end="1"/>
+                                            </p:txEl>
+                                          </p:spTgt>
+                                        </p:tgtEl>
+                                        <p:attrNameLst>
+                                          <p:attrName>ppt_x</p:attrName>
+                                        </p:attrNameLst>
+                                      </p:cBhvr>
+                                      <p:tavLst>
+                                        <p:tav tm="0">
+                                          <p:val>
+                                            <p:strVal val="#ppt_x-0.25"/>
+                                          </p:val>
+                                        </p:tav>
+                                        <p:tav tm="100000">
+                                          <p:val>
+                                            <p:strVal val="#ppt_x"/>
+                                          </p:val>
+                                        </p:tav>
+                                      </p:tavLst>
+                                    </p:anim>
+                                    <p:anim calcmode="lin" valueType="num">
+                                      <p:cBhvr>
+                                        <p:cTn id="14" dur="664" tmFilter="0.0,0.0; 0.25,0.07; 0.50,0.2; 0.75,0.467; 1.0,1.0">
+                                          <p:stCondLst>
+                                            <p:cond delay="0"/>
+                                          </p:stCondLst>
+                                        </p:cTn>
+                                        <p:tgtEl>
+                                          <p:spTgt spid="3">
+                                            <p:txEl>
+                                              <p:pRg st="1" end="1"/>
+                                            </p:txEl>
+                                          </p:spTgt>
+                                        </p:tgtEl>
+                                        <p:attrNameLst>
+                                          <p:attrName>ppt_y</p:attrName>
+                                        </p:attrNameLst>
+                                      </p:cBhvr>
+                                      <p:tavLst>
+                                        <p:tav tm="0" fmla="#ppt_y-sin(pi*$)/3">
+                                          <p:val>
+                                            <p:fltVal val="0.5"/>
+                                          </p:val>
+                                        </p:tav>
+                                        <p:tav tm="100000">
+                                          <p:val>
+                                            <p:fltVal val="1"/>
+                                          </p:val>
+                                        </p:tav>
+                                      </p:tavLst>
+                                    </p:anim>
+                                    <p:anim calcmode="lin" valueType="num">
+                                      <p:cBhvr>
+                                        <p:cTn id="15" dur="664" tmFilter="0, 0; 0.125,0.2665; 0.25,0.4; 0.375,0.465; 0.5,0.5;  0.625,0.535; 0.75,0.6; 0.875,0.7335; 1,1">
+                                          <p:stCondLst>
+                                            <p:cond delay="664"/>
+                                          </p:stCondLst>
+                                        </p:cTn>
+                                        <p:tgtEl>
+                                          <p:spTgt spid="3">
+                                            <p:txEl>
+                                              <p:pRg st="1" end="1"/>
+                                            </p:txEl>
+                                          </p:spTgt>
+                                        </p:tgtEl>
+                                        <p:attrNameLst>
+                                          <p:attrName>ppt_y</p:attrName>
+                                        </p:attrNameLst>
+                                      </p:cBhvr>
+                                      <p:tavLst>
+                                        <p:tav tm="0" fmla="#ppt_y-sin(pi*$)/9">
+                                          <p:val>
+                                            <p:fltVal val="0"/>
+                                          </p:val>
+                                        </p:tav>
+                                        <p:tav tm="100000">
+                                          <p:val>
+                                            <p:fltVal val="1"/>
+                                          </p:val>
+                                        </p:tav>
+                                      </p:tavLst>
+                                    </p:anim>
+                                    <p:anim calcmode="lin" valueType="num">
+                                      <p:cBhvr>
+                                        <p:cTn id="16" dur="332" tmFilter="0, 0; 0.125,0.2665; 0.25,0.4; 0.375,0.465; 0.5,0.5;  0.625,0.535; 0.75,0.6; 0.875,0.7335; 1,1">
+                                          <p:stCondLst>
+                                            <p:cond delay="1324"/>
+                                          </p:stCondLst>
+                                        </p:cTn>
+                                        <p:tgtEl>
+                                          <p:spTgt spid="3">
+                                            <p:txEl>
+                                              <p:pRg st="1" end="1"/>
+                                            </p:txEl>
+                                          </p:spTgt>
+                                        </p:tgtEl>
+                                        <p:attrNameLst>
+                                          <p:attrName>ppt_y</p:attrName>
+                                        </p:attrNameLst>
+                                      </p:cBhvr>
+                                      <p:tavLst>
+                                        <p:tav tm="0" fmla="#ppt_y-sin(pi*$)/27">
+                                          <p:val>
+                                            <p:fltVal val="0"/>
+                                          </p:val>
+                                        </p:tav>
+                                        <p:tav tm="100000">
+                                          <p:val>
+                                            <p:fltVal val="1"/>
+                                          </p:val>
+                                        </p:tav>
+                                      </p:tavLst>
+                                    </p:anim>
+                                    <p:anim calcmode="lin" valueType="num">
+                                      <p:cBhvr>
+                                        <p:cTn id="17" dur="164" tmFilter="0, 0; 0.125,0.2665; 0.25,0.4; 0.375,0.465; 0.5,0.5;  0.625,0.535; 0.75,0.6; 0.875,0.7335; 1,1">
+                                          <p:stCondLst>
+                                            <p:cond delay="1656"/>
+                                          </p:stCondLst>
+                                        </p:cTn>
+                                        <p:tgtEl>
+                                          <p:spTgt spid="3">
+                                            <p:txEl>
+                                              <p:pRg st="1" end="1"/>
+                                            </p:txEl>
+                                          </p:spTgt>
+                                        </p:tgtEl>
+                                        <p:attrNameLst>
+                                          <p:attrName>ppt_y</p:attrName>
+                                        </p:attrNameLst>
+                                      </p:cBhvr>
+                                      <p:tavLst>
+                                        <p:tav tm="0" fmla="#ppt_y-sin(pi*$)/81">
+                                          <p:val>
+                                            <p:fltVal val="0"/>
+                                          </p:val>
+                                        </p:tav>
+                                        <p:tav tm="100000">
+                                          <p:val>
+                                            <p:fltVal val="1"/>
+                                          </p:val>
+                                        </p:tav>
+                                      </p:tavLst>
+                                    </p:anim>
+                                    <p:animScale>
+                                      <p:cBhvr>
+                                        <p:cTn id="18" dur="26">
+                                          <p:stCondLst>
+                                            <p:cond delay="650"/>
+                                          </p:stCondLst>
+                                        </p:cTn>
+                                        <p:tgtEl>
+                                          <p:spTgt spid="3">
+                                            <p:txEl>
+                                              <p:pRg st="1" end="1"/>
+                                            </p:txEl>
+                                          </p:spTgt>
+                                        </p:tgtEl>
+                                      </p:cBhvr>
+                                      <p:to x="100000" y="60000"/>
+                                    </p:animScale>
+                                    <p:animScale>
+                                      <p:cBhvr>
+                                        <p:cTn id="19" dur="166" decel="50000">
+                                          <p:stCondLst>
+                                            <p:cond delay="676"/>
+                                          </p:stCondLst>
+                                        </p:cTn>
+                                        <p:tgtEl>
+                                          <p:spTgt spid="3">
+                                            <p:txEl>
+                                              <p:pRg st="1" end="1"/>
+                                            </p:txEl>
+                                          </p:spTgt>
+                                        </p:tgtEl>
+                                      </p:cBhvr>
+                                      <p:to x="100000" y="100000"/>
+                                    </p:animScale>
+                                    <p:animScale>
+                                      <p:cBhvr>
+                                        <p:cTn id="20" dur="26">
+                                          <p:stCondLst>
+                                            <p:cond delay="1312"/>
+                                          </p:stCondLst>
+                                        </p:cTn>
+                                        <p:tgtEl>
+                                          <p:spTgt spid="3">
+                                            <p:txEl>
+                                              <p:pRg st="1" end="1"/>
+                                            </p:txEl>
+                                          </p:spTgt>
+                                        </p:tgtEl>
+                                      </p:cBhvr>
+                                      <p:to x="100000" y="80000"/>
+                                    </p:animScale>
+                                    <p:animScale>
+                                      <p:cBhvr>
+                                        <p:cTn id="21" dur="166" decel="50000">
+                                          <p:stCondLst>
+                                            <p:cond delay="1338"/>
+                                          </p:stCondLst>
+                                        </p:cTn>
+                                        <p:tgtEl>
+                                          <p:spTgt spid="3">
+                                            <p:txEl>
+                                              <p:pRg st="1" end="1"/>
+                                            </p:txEl>
+                                          </p:spTgt>
+                                        </p:tgtEl>
+                                      </p:cBhvr>
+                                      <p:to x="100000" y="100000"/>
+                                    </p:animScale>
+                                    <p:animScale>
+                                      <p:cBhvr>
+                                        <p:cTn id="22" dur="26">
+                                          <p:stCondLst>
+                                            <p:cond delay="1642"/>
+                                          </p:stCondLst>
+                                        </p:cTn>
+                                        <p:tgtEl>
+                                          <p:spTgt spid="3">
+                                            <p:txEl>
+                                              <p:pRg st="1" end="1"/>
+                                            </p:txEl>
+                                          </p:spTgt>
+                                        </p:tgtEl>
+                                      </p:cBhvr>
+                                      <p:to x="100000" y="90000"/>
+                                    </p:animScale>
+                                    <p:animScale>
+                                      <p:cBhvr>
+                                        <p:cTn id="23" dur="166" decel="50000">
+                                          <p:stCondLst>
+                                            <p:cond delay="1668"/>
+                                          </p:stCondLst>
+                                        </p:cTn>
+                                        <p:tgtEl>
+                                          <p:spTgt spid="3">
+                                            <p:txEl>
+                                              <p:pRg st="1" end="1"/>
+                                            </p:txEl>
+                                          </p:spTgt>
+                                        </p:tgtEl>
+                                      </p:cBhvr>
+                                      <p:to x="100000" y="100000"/>
+                                    </p:animScale>
+                                    <p:animScale>
+                                      <p:cBhvr>
+                                        <p:cTn id="24" dur="26">
+                                          <p:stCondLst>
+                                            <p:cond delay="1808"/>
+                                          </p:stCondLst>
+                                        </p:cTn>
+                                        <p:tgtEl>
+                                          <p:spTgt spid="3">
+                                            <p:txEl>
+                                              <p:pRg st="1" end="1"/>
+                                            </p:txEl>
+                                          </p:spTgt>
+                                        </p:tgtEl>
+                                      </p:cBhvr>
+                                      <p:to x="100000" y="95000"/>
+                                    </p:animScale>
+                                    <p:animScale>
+                                      <p:cBhvr>
+                                        <p:cTn id="25" dur="166" decel="50000">
+                                          <p:stCondLst>
+                                            <p:cond delay="1834"/>
+                                          </p:stCondLst>
+                                        </p:cTn>
+                                        <p:tgtEl>
+                                          <p:spTgt spid="3">
+                                            <p:txEl>
+                                              <p:pRg st="1" end="1"/>
+                                            </p:txEl>
+                                          </p:spTgt>
+                                        </p:tgtEl>
+                                      </p:cBhvr>
+                                      <p:to x="100000" y="100000"/>
+                                    </p:animScale>
+                                  </p:childTnLst>
+                                </p:cTn>
+                              </p:par>
+                            </p:childTnLst>
+                          </p:cTn>
+                        </p:par>
+                      </p:childTnLst>
+                    </p:cTn>
+                  </p:par>
+                  <p:par>
+                    <p:cTn id="26" fill="hold">
+                      <p:stCondLst>
+                        <p:cond delay="indefinite"/>
+                      </p:stCondLst>
+                      <p:childTnLst>
+                        <p:par>
+                          <p:cTn id="27" fill="hold">
+                            <p:stCondLst>
+                              <p:cond delay="0"/>
+                            </p:stCondLst>
+                            <p:childTnLst>
+                              <p:par>
+                                <p:cTn id="28" presetID="10" presetClass="entr" presetSubtype="0" fill="hold" grpId="0" nodeType="clickEffect">
+                                  <p:stCondLst>
+                                    <p:cond delay="0"/>
+                                  </p:stCondLst>
+                                  <p:childTnLst>
+                                    <p:set>
+                                      <p:cBhvr>
+                                        <p:cTn id="29" dur="1" fill="hold">
+                                          <p:stCondLst>
+                                            <p:cond delay="0"/>
+                                          </p:stCondLst>
+                                        </p:cTn>
+                                        <p:tgtEl>
+                                          <p:spTgt spid="3">
+                                            <p:txEl>
+                                              <p:pRg st="2" end="2"/>
+                                            </p:txEl>
+                                          </p:spTgt>
+                                        </p:tgtEl>
+                                        <p:attrNameLst>
+                                          <p:attrName>style.visibility</p:attrName>
+                                        </p:attrNameLst>
+                                      </p:cBhvr>
+                                      <p:to>
+                                        <p:strVal val="visible"/>
+                                      </p:to>
+                                    </p:set>
+                                    <p:animEffect transition="in" filter="fade">
+                                      <p:cBhvr>
+                                        <p:cTn id="30" dur="500"/>
+                                        <p:tgtEl>
+                                          <p:spTgt spid="3">
+                                            <p:txEl>
+                                              <p:pRg st="2" end="2"/>
+                                            </p:txEl>
+                                          </p:spTgt>
+                                        </p:tgtEl>
+                                      </p:cBhvr>
+                                    </p:animEffect>
+                                  </p:childTnLst>
+                                </p:cTn>
+                              </p:par>
+                            </p:childTnLst>
+                          </p:cTn>
+                        </p:par>
+                      </p:childTnLst>
+                    </p:cTn>
+                  </p:par>
+                  <p:par>
+                    <p:cTn id="31" fill="hold">
+                      <p:stCondLst>
+                        <p:cond delay="indefinite"/>
+                      </p:stCondLst>
+                      <p:childTnLst>
+                        <p:par>
+                          <p:cTn id="32" fill="hold">
+                            <p:stCondLst>
+                              <p:cond delay="0"/>
+                            </p:stCondLst>
+                            <p:childTnLst>
+                              <p:par>
+                                <p:cTn id="33" presetID="10" presetClass="entr" presetSubtype="0" fill="hold" nodeType="clickEffect">
+                                  <p:stCondLst>
+                                    <p:cond delay="0"/>
+                                  </p:stCondLst>
+                                  <p:childTnLst>
+                                    <p:set>
+                                      <p:cBhvr>
+                                        <p:cTn id="34" dur="1" fill="hold">
+                                          <p:stCondLst>
+                                            <p:cond delay="0"/>
+                                          </p:stCondLst>
+                                        </p:cTn>
+                                        <p:tgtEl>
+                                          <p:spTgt spid="4"/>
+                                        </p:tgtEl>
+                                        <p:attrNameLst>
+                                          <p:attrName>style.visibility</p:attrName>
+                                        </p:attrNameLst>
+                                      </p:cBhvr>
+                                      <p:to>
+                                        <p:strVal val="visible"/>
+                                      </p:to>
+                                    </p:set>
+                                    <p:animEffect transition="in" filter="fade">
+                                      <p:cBhvr>
+                                        <p:cTn id="35" dur="500"/>
+                                        <p:tgtEl>
+                                          <p:spTgt spid="4"/>
+                                        </p:tgtEl>
+                                      </p:cBhvr>
+                                    </p:animEffect>
+                                  </p:childTnLst>
+                                </p:cTn>
+                              </p:par>
+                            </p:childTnLst>
+                          </p:cTn>
+                        </p:par>
+                      </p:childTnLst>
+                    </p:cTn>
+                  </p:par>
+                  <p:par>
+                    <p:cTn id="36" fill="hold">
+                      <p:stCondLst>
+                        <p:cond delay="indefinite"/>
+                      </p:stCondLst>
+                      <p:childTnLst>
+                        <p:par>
+                          <p:cTn id="37" fill="hold">
+                            <p:stCondLst>
+                              <p:cond delay="0"/>
+                            </p:stCondLst>
+                            <p:childTnLst>
+                              <p:par>
+                                <p:cTn id="38" presetID="10" presetClass="entr" presetSubtype="0" fill="hold" grpId="0" nodeType="clickEffect">
+                                  <p:stCondLst>
+                                    <p:cond delay="0"/>
+                                  </p:stCondLst>
+                                  <p:childTnLst>
+                                    <p:set>
+                                      <p:cBhvr>
+                                        <p:cTn id="39" dur="1" fill="hold">
+                                          <p:stCondLst>
+                                            <p:cond delay="0"/>
+                                          </p:stCondLst>
+                                        </p:cTn>
+                                        <p:tgtEl>
+                                          <p:spTgt spid="3">
+                                            <p:txEl>
+                                              <p:pRg st="8" end="8"/>
+                                            </p:txEl>
+                                          </p:spTgt>
+                                        </p:tgtEl>
+                                        <p:attrNameLst>
+                                          <p:attrName>style.visibility</p:attrName>
+                                        </p:attrNameLst>
+                                      </p:cBhvr>
+                                      <p:to>
+                                        <p:strVal val="visible"/>
+                                      </p:to>
+                                    </p:set>
+                                    <p:animEffect transition="in" filter="fade">
+                                      <p:cBhvr>
+                                        <p:cTn id="40" dur="500"/>
+                                        <p:tgtEl>
+                                          <p:spTgt spid="3">
+                                            <p:txEl>
+                                              <p:pRg st="8" end="8"/>
+                                            </p:txEl>
+                                          </p:spTgt>
+                                        </p:tgtEl>
+                                      </p:cBhvr>
+                                    </p:animEffect>
+                                  </p:childTnLst>
+                                </p:cTn>
+                              </p:par>
+                            </p:childTnLst>
+                          </p:cTn>
+                        </p:par>
+                      </p:childTnLst>
+                    </p:cTn>
+                  </p:par>
+                  <p:par>
+                    <p:cTn id="41" fill="hold">
+                      <p:stCondLst>
+                        <p:cond delay="indefinite"/>
+                      </p:stCondLst>
+                      <p:childTnLst>
+                        <p:par>
+                          <p:cTn id="42" fill="hold">
+                            <p:stCondLst>
+                              <p:cond delay="0"/>
+                            </p:stCondLst>
+                            <p:childTnLst>
+                              <p:par>
+                                <p:cTn id="43" presetID="10" presetClass="entr" presetSubtype="0" fill="hold" nodeType="clickEffect">
+                                  <p:stCondLst>
+                                    <p:cond delay="0"/>
+                                  </p:stCondLst>
+                                  <p:childTnLst>
+                                    <p:set>
+                                      <p:cBhvr>
+                                        <p:cTn id="44" dur="1" fill="hold">
+                                          <p:stCondLst>
+                                            <p:cond delay="0"/>
+                                          </p:stCondLst>
+                                        </p:cTn>
+                                        <p:tgtEl>
+                                          <p:spTgt spid="5"/>
+                                        </p:tgtEl>
+                                        <p:attrNameLst>
+                                          <p:attrName>style.visibility</p:attrName>
+                                        </p:attrNameLst>
+                                      </p:cBhvr>
+                                      <p:to>
+                                        <p:strVal val="visible"/>
+                                      </p:to>
+                                    </p:set>
+                                    <p:animEffect transition="in" filter="fade">
+                                      <p:cBhvr>
+                                        <p:cTn id="45" dur="500"/>
+                                        <p:tgtEl>
+                                          <p:spTgt spid="5"/>
+                                        </p:tgtEl>
+                                      </p:cBhvr>
+                                    </p:animEffect>
+                                  </p:childTnLst>
+                                </p:cTn>
+                              </p:par>
+                            </p:childTnLst>
+                          </p:cTn>
+                        </p:par>
+                      </p:childTnLst>
+                    </p:cTn>
+                  </p:par>
+                </p:childTnLst>
+              </p:cTn>
+              <p:prevCondLst>
+                <p:cond evt="onPrev" delay="0">
+                  <p:tgtEl>
+                    <p:sldTgt/>
+                  </p:tgtEl>
+                </p:cond>
+              </p:prevCondLst>
+              <p:nextCondLst>
+                <p:cond evt="onNext" delay="0">
+                  <p:tgtEl>
+                    <p:sldTgt/>
+                  </p:tgtEl>
+                </p:cond>
+              </p:nextCondLst>
+            </p:seq>
+          </p:childTnLst>
+        </p:cTn>
+      </p:par>
+    </p:tnLst>
+    <p:bldLst>
+      <p:bldP spid="3" grpId="0" uiExpand="1" build="p"/>
+    </p:bldLst>
+  </p:timing>
 </p:sld>
 </file>
 
@@ -4771,6 +7253,633 @@
   <p:clrMapOvr>
     <a:masterClrMapping/>
   </p:clrMapOvr>
+  <p:timing>
+    <p:tnLst>
+      <p:par>
+        <p:cTn id="1" dur="indefinite" restart="never" nodeType="tmRoot">
+          <p:childTnLst>
+            <p:seq concurrent="1" nextAc="seek">
+              <p:cTn id="2" dur="indefinite" nodeType="mainSeq">
+                <p:childTnLst>
+                  <p:par>
+                    <p:cTn id="3" fill="hold">
+                      <p:stCondLst>
+                        <p:cond delay="indefinite"/>
+                      </p:stCondLst>
+                      <p:childTnLst>
+                        <p:par>
+                          <p:cTn id="4" fill="hold">
+                            <p:stCondLst>
+                              <p:cond delay="0"/>
+                            </p:stCondLst>
+                            <p:childTnLst>
+                              <p:par>
+                                <p:cTn id="5" presetID="10" presetClass="entr" presetSubtype="0" fill="hold" grpId="0" nodeType="clickEffect">
+                                  <p:stCondLst>
+                                    <p:cond delay="0"/>
+                                  </p:stCondLst>
+                                  <p:childTnLst>
+                                    <p:set>
+                                      <p:cBhvr>
+                                        <p:cTn id="6" dur="1" fill="hold">
+                                          <p:stCondLst>
+                                            <p:cond delay="0"/>
+                                          </p:stCondLst>
+                                        </p:cTn>
+                                        <p:tgtEl>
+                                          <p:spTgt spid="3">
+                                            <p:txEl>
+                                              <p:pRg st="0" end="0"/>
+                                            </p:txEl>
+                                          </p:spTgt>
+                                        </p:tgtEl>
+                                        <p:attrNameLst>
+                                          <p:attrName>style.visibility</p:attrName>
+                                        </p:attrNameLst>
+                                      </p:cBhvr>
+                                      <p:to>
+                                        <p:strVal val="visible"/>
+                                      </p:to>
+                                    </p:set>
+                                    <p:animEffect transition="in" filter="fade">
+                                      <p:cBhvr>
+                                        <p:cTn id="7" dur="500"/>
+                                        <p:tgtEl>
+                                          <p:spTgt spid="3">
+                                            <p:txEl>
+                                              <p:pRg st="0" end="0"/>
+                                            </p:txEl>
+                                          </p:spTgt>
+                                        </p:tgtEl>
+                                      </p:cBhvr>
+                                    </p:animEffect>
+                                  </p:childTnLst>
+                                </p:cTn>
+                              </p:par>
+                            </p:childTnLst>
+                          </p:cTn>
+                        </p:par>
+                      </p:childTnLst>
+                    </p:cTn>
+                  </p:par>
+                  <p:par>
+                    <p:cTn id="8" fill="hold">
+                      <p:stCondLst>
+                        <p:cond delay="indefinite"/>
+                      </p:stCondLst>
+                      <p:childTnLst>
+                        <p:par>
+                          <p:cTn id="9" fill="hold">
+                            <p:stCondLst>
+                              <p:cond delay="0"/>
+                            </p:stCondLst>
+                            <p:childTnLst>
+                              <p:par>
+                                <p:cTn id="10" presetID="10" presetClass="entr" presetSubtype="0" fill="hold" grpId="0" nodeType="clickEffect">
+                                  <p:stCondLst>
+                                    <p:cond delay="0"/>
+                                  </p:stCondLst>
+                                  <p:childTnLst>
+                                    <p:set>
+                                      <p:cBhvr>
+                                        <p:cTn id="11" dur="1" fill="hold">
+                                          <p:stCondLst>
+                                            <p:cond delay="0"/>
+                                          </p:stCondLst>
+                                        </p:cTn>
+                                        <p:tgtEl>
+                                          <p:spTgt spid="3">
+                                            <p:txEl>
+                                              <p:pRg st="1" end="1"/>
+                                            </p:txEl>
+                                          </p:spTgt>
+                                        </p:tgtEl>
+                                        <p:attrNameLst>
+                                          <p:attrName>style.visibility</p:attrName>
+                                        </p:attrNameLst>
+                                      </p:cBhvr>
+                                      <p:to>
+                                        <p:strVal val="visible"/>
+                                      </p:to>
+                                    </p:set>
+                                    <p:animEffect transition="in" filter="fade">
+                                      <p:cBhvr>
+                                        <p:cTn id="12" dur="500"/>
+                                        <p:tgtEl>
+                                          <p:spTgt spid="3">
+                                            <p:txEl>
+                                              <p:pRg st="1" end="1"/>
+                                            </p:txEl>
+                                          </p:spTgt>
+                                        </p:tgtEl>
+                                      </p:cBhvr>
+                                    </p:animEffect>
+                                  </p:childTnLst>
+                                </p:cTn>
+                              </p:par>
+                            </p:childTnLst>
+                          </p:cTn>
+                        </p:par>
+                      </p:childTnLst>
+                    </p:cTn>
+                  </p:par>
+                  <p:par>
+                    <p:cTn id="13" fill="hold">
+                      <p:stCondLst>
+                        <p:cond delay="indefinite"/>
+                      </p:stCondLst>
+                      <p:childTnLst>
+                        <p:par>
+                          <p:cTn id="14" fill="hold">
+                            <p:stCondLst>
+                              <p:cond delay="0"/>
+                            </p:stCondLst>
+                            <p:childTnLst>
+                              <p:par>
+                                <p:cTn id="15" presetID="10" presetClass="entr" presetSubtype="0" fill="hold" nodeType="clickEffect">
+                                  <p:stCondLst>
+                                    <p:cond delay="0"/>
+                                  </p:stCondLst>
+                                  <p:childTnLst>
+                                    <p:set>
+                                      <p:cBhvr>
+                                        <p:cTn id="16" dur="1" fill="hold">
+                                          <p:stCondLst>
+                                            <p:cond delay="0"/>
+                                          </p:stCondLst>
+                                        </p:cTn>
+                                        <p:tgtEl>
+                                          <p:spTgt spid="4"/>
+                                        </p:tgtEl>
+                                        <p:attrNameLst>
+                                          <p:attrName>style.visibility</p:attrName>
+                                        </p:attrNameLst>
+                                      </p:cBhvr>
+                                      <p:to>
+                                        <p:strVal val="visible"/>
+                                      </p:to>
+                                    </p:set>
+                                    <p:animEffect transition="in" filter="fade">
+                                      <p:cBhvr>
+                                        <p:cTn id="17" dur="500"/>
+                                        <p:tgtEl>
+                                          <p:spTgt spid="4"/>
+                                        </p:tgtEl>
+                                      </p:cBhvr>
+                                    </p:animEffect>
+                                  </p:childTnLst>
+                                </p:cTn>
+                              </p:par>
+                            </p:childTnLst>
+                          </p:cTn>
+                        </p:par>
+                      </p:childTnLst>
+                    </p:cTn>
+                  </p:par>
+                  <p:par>
+                    <p:cTn id="18" fill="hold">
+                      <p:stCondLst>
+                        <p:cond delay="indefinite"/>
+                      </p:stCondLst>
+                      <p:childTnLst>
+                        <p:par>
+                          <p:cTn id="19" fill="hold">
+                            <p:stCondLst>
+                              <p:cond delay="0"/>
+                            </p:stCondLst>
+                            <p:childTnLst>
+                              <p:par>
+                                <p:cTn id="20" presetID="10" presetClass="entr" presetSubtype="0" fill="hold" grpId="0" nodeType="clickEffect">
+                                  <p:stCondLst>
+                                    <p:cond delay="0"/>
+                                  </p:stCondLst>
+                                  <p:childTnLst>
+                                    <p:set>
+                                      <p:cBhvr>
+                                        <p:cTn id="21" dur="1" fill="hold">
+                                          <p:stCondLst>
+                                            <p:cond delay="0"/>
+                                          </p:stCondLst>
+                                        </p:cTn>
+                                        <p:tgtEl>
+                                          <p:spTgt spid="3">
+                                            <p:txEl>
+                                              <p:pRg st="5" end="5"/>
+                                            </p:txEl>
+                                          </p:spTgt>
+                                        </p:tgtEl>
+                                        <p:attrNameLst>
+                                          <p:attrName>style.visibility</p:attrName>
+                                        </p:attrNameLst>
+                                      </p:cBhvr>
+                                      <p:to>
+                                        <p:strVal val="visible"/>
+                                      </p:to>
+                                    </p:set>
+                                    <p:animEffect transition="in" filter="fade">
+                                      <p:cBhvr>
+                                        <p:cTn id="22" dur="500"/>
+                                        <p:tgtEl>
+                                          <p:spTgt spid="3">
+                                            <p:txEl>
+                                              <p:pRg st="5" end="5"/>
+                                            </p:txEl>
+                                          </p:spTgt>
+                                        </p:tgtEl>
+                                      </p:cBhvr>
+                                    </p:animEffect>
+                                  </p:childTnLst>
+                                </p:cTn>
+                              </p:par>
+                            </p:childTnLst>
+                          </p:cTn>
+                        </p:par>
+                      </p:childTnLst>
+                    </p:cTn>
+                  </p:par>
+                  <p:par>
+                    <p:cTn id="23" fill="hold">
+                      <p:stCondLst>
+                        <p:cond delay="indefinite"/>
+                      </p:stCondLst>
+                      <p:childTnLst>
+                        <p:par>
+                          <p:cTn id="24" fill="hold">
+                            <p:stCondLst>
+                              <p:cond delay="0"/>
+                            </p:stCondLst>
+                            <p:childTnLst>
+                              <p:par>
+                                <p:cTn id="25" presetID="10" presetClass="entr" presetSubtype="0" fill="hold" grpId="0" nodeType="clickEffect">
+                                  <p:stCondLst>
+                                    <p:cond delay="0"/>
+                                  </p:stCondLst>
+                                  <p:childTnLst>
+                                    <p:set>
+                                      <p:cBhvr>
+                                        <p:cTn id="26" dur="1" fill="hold">
+                                          <p:stCondLst>
+                                            <p:cond delay="0"/>
+                                          </p:stCondLst>
+                                        </p:cTn>
+                                        <p:tgtEl>
+                                          <p:spTgt spid="3">
+                                            <p:txEl>
+                                              <p:pRg st="6" end="6"/>
+                                            </p:txEl>
+                                          </p:spTgt>
+                                        </p:tgtEl>
+                                        <p:attrNameLst>
+                                          <p:attrName>style.visibility</p:attrName>
+                                        </p:attrNameLst>
+                                      </p:cBhvr>
+                                      <p:to>
+                                        <p:strVal val="visible"/>
+                                      </p:to>
+                                    </p:set>
+                                    <p:animEffect transition="in" filter="fade">
+                                      <p:cBhvr>
+                                        <p:cTn id="27" dur="500"/>
+                                        <p:tgtEl>
+                                          <p:spTgt spid="3">
+                                            <p:txEl>
+                                              <p:pRg st="6" end="6"/>
+                                            </p:txEl>
+                                          </p:spTgt>
+                                        </p:tgtEl>
+                                      </p:cBhvr>
+                                    </p:animEffect>
+                                  </p:childTnLst>
+                                </p:cTn>
+                              </p:par>
+                            </p:childTnLst>
+                          </p:cTn>
+                        </p:par>
+                      </p:childTnLst>
+                    </p:cTn>
+                  </p:par>
+                  <p:par>
+                    <p:cTn id="28" fill="hold">
+                      <p:stCondLst>
+                        <p:cond delay="indefinite"/>
+                      </p:stCondLst>
+                      <p:childTnLst>
+                        <p:par>
+                          <p:cTn id="29" fill="hold">
+                            <p:stCondLst>
+                              <p:cond delay="0"/>
+                            </p:stCondLst>
+                            <p:childTnLst>
+                              <p:par>
+                                <p:cTn id="30" presetID="10" presetClass="entr" presetSubtype="0" fill="hold" grpId="0" nodeType="clickEffect">
+                                  <p:stCondLst>
+                                    <p:cond delay="0"/>
+                                  </p:stCondLst>
+                                  <p:childTnLst>
+                                    <p:set>
+                                      <p:cBhvr>
+                                        <p:cTn id="31" dur="1" fill="hold">
+                                          <p:stCondLst>
+                                            <p:cond delay="0"/>
+                                          </p:stCondLst>
+                                        </p:cTn>
+                                        <p:tgtEl>
+                                          <p:spTgt spid="3">
+                                            <p:txEl>
+                                              <p:pRg st="7" end="7"/>
+                                            </p:txEl>
+                                          </p:spTgt>
+                                        </p:tgtEl>
+                                        <p:attrNameLst>
+                                          <p:attrName>style.visibility</p:attrName>
+                                        </p:attrNameLst>
+                                      </p:cBhvr>
+                                      <p:to>
+                                        <p:strVal val="visible"/>
+                                      </p:to>
+                                    </p:set>
+                                    <p:animEffect transition="in" filter="fade">
+                                      <p:cBhvr>
+                                        <p:cTn id="32" dur="500"/>
+                                        <p:tgtEl>
+                                          <p:spTgt spid="3">
+                                            <p:txEl>
+                                              <p:pRg st="7" end="7"/>
+                                            </p:txEl>
+                                          </p:spTgt>
+                                        </p:tgtEl>
+                                      </p:cBhvr>
+                                    </p:animEffect>
+                                  </p:childTnLst>
+                                </p:cTn>
+                              </p:par>
+                            </p:childTnLst>
+                          </p:cTn>
+                        </p:par>
+                      </p:childTnLst>
+                    </p:cTn>
+                  </p:par>
+                  <p:par>
+                    <p:cTn id="33" fill="hold">
+                      <p:stCondLst>
+                        <p:cond delay="indefinite"/>
+                      </p:stCondLst>
+                      <p:childTnLst>
+                        <p:par>
+                          <p:cTn id="34" fill="hold">
+                            <p:stCondLst>
+                              <p:cond delay="0"/>
+                            </p:stCondLst>
+                            <p:childTnLst>
+                              <p:par>
+                                <p:cTn id="35" presetID="10" presetClass="entr" presetSubtype="0" fill="hold" grpId="0" nodeType="clickEffect">
+                                  <p:stCondLst>
+                                    <p:cond delay="0"/>
+                                  </p:stCondLst>
+                                  <p:childTnLst>
+                                    <p:set>
+                                      <p:cBhvr>
+                                        <p:cTn id="36" dur="1" fill="hold">
+                                          <p:stCondLst>
+                                            <p:cond delay="0"/>
+                                          </p:stCondLst>
+                                        </p:cTn>
+                                        <p:tgtEl>
+                                          <p:spTgt spid="3">
+                                            <p:txEl>
+                                              <p:pRg st="8" end="8"/>
+                                            </p:txEl>
+                                          </p:spTgt>
+                                        </p:tgtEl>
+                                        <p:attrNameLst>
+                                          <p:attrName>style.visibility</p:attrName>
+                                        </p:attrNameLst>
+                                      </p:cBhvr>
+                                      <p:to>
+                                        <p:strVal val="visible"/>
+                                      </p:to>
+                                    </p:set>
+                                    <p:animEffect transition="in" filter="fade">
+                                      <p:cBhvr>
+                                        <p:cTn id="37" dur="500"/>
+                                        <p:tgtEl>
+                                          <p:spTgt spid="3">
+                                            <p:txEl>
+                                              <p:pRg st="8" end="8"/>
+                                            </p:txEl>
+                                          </p:spTgt>
+                                        </p:tgtEl>
+                                      </p:cBhvr>
+                                    </p:animEffect>
+                                  </p:childTnLst>
+                                </p:cTn>
+                              </p:par>
+                            </p:childTnLst>
+                          </p:cTn>
+                        </p:par>
+                      </p:childTnLst>
+                    </p:cTn>
+                  </p:par>
+                  <p:par>
+                    <p:cTn id="38" fill="hold">
+                      <p:stCondLst>
+                        <p:cond delay="indefinite"/>
+                      </p:stCondLst>
+                      <p:childTnLst>
+                        <p:par>
+                          <p:cTn id="39" fill="hold">
+                            <p:stCondLst>
+                              <p:cond delay="0"/>
+                            </p:stCondLst>
+                            <p:childTnLst>
+                              <p:par>
+                                <p:cTn id="40" presetID="10" presetClass="entr" presetSubtype="0" fill="hold" grpId="0" nodeType="clickEffect">
+                                  <p:stCondLst>
+                                    <p:cond delay="0"/>
+                                  </p:stCondLst>
+                                  <p:childTnLst>
+                                    <p:set>
+                                      <p:cBhvr>
+                                        <p:cTn id="41" dur="1" fill="hold">
+                                          <p:stCondLst>
+                                            <p:cond delay="0"/>
+                                          </p:stCondLst>
+                                        </p:cTn>
+                                        <p:tgtEl>
+                                          <p:spTgt spid="3">
+                                            <p:txEl>
+                                              <p:pRg st="9" end="9"/>
+                                            </p:txEl>
+                                          </p:spTgt>
+                                        </p:tgtEl>
+                                        <p:attrNameLst>
+                                          <p:attrName>style.visibility</p:attrName>
+                                        </p:attrNameLst>
+                                      </p:cBhvr>
+                                      <p:to>
+                                        <p:strVal val="visible"/>
+                                      </p:to>
+                                    </p:set>
+                                    <p:animEffect transition="in" filter="fade">
+                                      <p:cBhvr>
+                                        <p:cTn id="42" dur="500"/>
+                                        <p:tgtEl>
+                                          <p:spTgt spid="3">
+                                            <p:txEl>
+                                              <p:pRg st="9" end="9"/>
+                                            </p:txEl>
+                                          </p:spTgt>
+                                        </p:tgtEl>
+                                      </p:cBhvr>
+                                    </p:animEffect>
+                                  </p:childTnLst>
+                                </p:cTn>
+                              </p:par>
+                            </p:childTnLst>
+                          </p:cTn>
+                        </p:par>
+                      </p:childTnLst>
+                    </p:cTn>
+                  </p:par>
+                  <p:par>
+                    <p:cTn id="43" fill="hold">
+                      <p:stCondLst>
+                        <p:cond delay="indefinite"/>
+                      </p:stCondLst>
+                      <p:childTnLst>
+                        <p:par>
+                          <p:cTn id="44" fill="hold">
+                            <p:stCondLst>
+                              <p:cond delay="0"/>
+                            </p:stCondLst>
+                            <p:childTnLst>
+                              <p:par>
+                                <p:cTn id="45" presetID="10" presetClass="entr" presetSubtype="0" fill="hold" grpId="0" nodeType="clickEffect">
+                                  <p:stCondLst>
+                                    <p:cond delay="0"/>
+                                  </p:stCondLst>
+                                  <p:childTnLst>
+                                    <p:set>
+                                      <p:cBhvr>
+                                        <p:cTn id="46" dur="1" fill="hold">
+                                          <p:stCondLst>
+                                            <p:cond delay="0"/>
+                                          </p:stCondLst>
+                                        </p:cTn>
+                                        <p:tgtEl>
+                                          <p:spTgt spid="3">
+                                            <p:txEl>
+                                              <p:pRg st="10" end="10"/>
+                                            </p:txEl>
+                                          </p:spTgt>
+                                        </p:tgtEl>
+                                        <p:attrNameLst>
+                                          <p:attrName>style.visibility</p:attrName>
+                                        </p:attrNameLst>
+                                      </p:cBhvr>
+                                      <p:to>
+                                        <p:strVal val="visible"/>
+                                      </p:to>
+                                    </p:set>
+                                    <p:animEffect transition="in" filter="fade">
+                                      <p:cBhvr>
+                                        <p:cTn id="47" dur="500"/>
+                                        <p:tgtEl>
+                                          <p:spTgt spid="3">
+                                            <p:txEl>
+                                              <p:pRg st="10" end="10"/>
+                                            </p:txEl>
+                                          </p:spTgt>
+                                        </p:tgtEl>
+                                      </p:cBhvr>
+                                    </p:animEffect>
+                                  </p:childTnLst>
+                                </p:cTn>
+                              </p:par>
+                            </p:childTnLst>
+                          </p:cTn>
+                        </p:par>
+                      </p:childTnLst>
+                    </p:cTn>
+                  </p:par>
+                  <p:par>
+                    <p:cTn id="48" fill="hold">
+                      <p:stCondLst>
+                        <p:cond delay="indefinite"/>
+                      </p:stCondLst>
+                      <p:childTnLst>
+                        <p:par>
+                          <p:cTn id="49" fill="hold">
+                            <p:stCondLst>
+                              <p:cond delay="0"/>
+                            </p:stCondLst>
+                            <p:childTnLst>
+                              <p:par>
+                                <p:cTn id="50" presetID="10" presetClass="entr" presetSubtype="0" fill="hold" nodeType="clickEffect">
+                                  <p:stCondLst>
+                                    <p:cond delay="0"/>
+                                  </p:stCondLst>
+                                  <p:childTnLst>
+                                    <p:set>
+                                      <p:cBhvr>
+                                        <p:cTn id="51" dur="1" fill="hold">
+                                          <p:stCondLst>
+                                            <p:cond delay="0"/>
+                                          </p:stCondLst>
+                                        </p:cTn>
+                                        <p:tgtEl>
+                                          <p:spTgt spid="7"/>
+                                        </p:tgtEl>
+                                        <p:attrNameLst>
+                                          <p:attrName>style.visibility</p:attrName>
+                                        </p:attrNameLst>
+                                      </p:cBhvr>
+                                      <p:to>
+                                        <p:strVal val="visible"/>
+                                      </p:to>
+                                    </p:set>
+                                    <p:animEffect transition="in" filter="fade">
+                                      <p:cBhvr>
+                                        <p:cTn id="52" dur="500"/>
+                                        <p:tgtEl>
+                                          <p:spTgt spid="7"/>
+                                        </p:tgtEl>
+                                      </p:cBhvr>
+                                    </p:animEffect>
+                                  </p:childTnLst>
+                                </p:cTn>
+                              </p:par>
+                            </p:childTnLst>
+                          </p:cTn>
+                        </p:par>
+                      </p:childTnLst>
+                    </p:cTn>
+                  </p:par>
+                </p:childTnLst>
+              </p:cTn>
+              <p:prevCondLst>
+                <p:cond evt="onPrev" delay="0">
+                  <p:tgtEl>
+                    <p:sldTgt/>
+                  </p:tgtEl>
+                </p:cond>
+              </p:prevCondLst>
+              <p:nextCondLst>
+                <p:cond evt="onNext" delay="0">
+                  <p:tgtEl>
+                    <p:sldTgt/>
+                  </p:tgtEl>
+                </p:cond>
+              </p:nextCondLst>
+            </p:seq>
+          </p:childTnLst>
+        </p:cTn>
+      </p:par>
+    </p:tnLst>
+    <p:bldLst>
+      <p:bldP spid="3" grpId="0" uiExpand="1" build="p"/>
+    </p:bldLst>
+  </p:timing>
 </p:sld>
 </file>
 
@@ -5114,6 +8223,322 @@
   <p:clrMapOvr>
     <a:masterClrMapping/>
   </p:clrMapOvr>
+  <p:timing>
+    <p:tnLst>
+      <p:par>
+        <p:cTn id="1" dur="indefinite" restart="never" nodeType="tmRoot">
+          <p:childTnLst>
+            <p:seq concurrent="1" nextAc="seek">
+              <p:cTn id="2" dur="indefinite" nodeType="mainSeq">
+                <p:childTnLst>
+                  <p:par>
+                    <p:cTn id="3" fill="hold">
+                      <p:stCondLst>
+                        <p:cond delay="indefinite"/>
+                      </p:stCondLst>
+                      <p:childTnLst>
+                        <p:par>
+                          <p:cTn id="4" fill="hold">
+                            <p:stCondLst>
+                              <p:cond delay="0"/>
+                            </p:stCondLst>
+                            <p:childTnLst>
+                              <p:par>
+                                <p:cTn id="5" presetID="10" presetClass="entr" presetSubtype="0" fill="hold" grpId="0" nodeType="clickEffect">
+                                  <p:stCondLst>
+                                    <p:cond delay="0"/>
+                                  </p:stCondLst>
+                                  <p:childTnLst>
+                                    <p:set>
+                                      <p:cBhvr>
+                                        <p:cTn id="6" dur="1" fill="hold">
+                                          <p:stCondLst>
+                                            <p:cond delay="0"/>
+                                          </p:stCondLst>
+                                        </p:cTn>
+                                        <p:tgtEl>
+                                          <p:spTgt spid="3">
+                                            <p:txEl>
+                                              <p:pRg st="0" end="0"/>
+                                            </p:txEl>
+                                          </p:spTgt>
+                                        </p:tgtEl>
+                                        <p:attrNameLst>
+                                          <p:attrName>style.visibility</p:attrName>
+                                        </p:attrNameLst>
+                                      </p:cBhvr>
+                                      <p:to>
+                                        <p:strVal val="visible"/>
+                                      </p:to>
+                                    </p:set>
+                                    <p:animEffect transition="in" filter="fade">
+                                      <p:cBhvr>
+                                        <p:cTn id="7" dur="500"/>
+                                        <p:tgtEl>
+                                          <p:spTgt spid="3">
+                                            <p:txEl>
+                                              <p:pRg st="0" end="0"/>
+                                            </p:txEl>
+                                          </p:spTgt>
+                                        </p:tgtEl>
+                                      </p:cBhvr>
+                                    </p:animEffect>
+                                  </p:childTnLst>
+                                </p:cTn>
+                              </p:par>
+                            </p:childTnLst>
+                          </p:cTn>
+                        </p:par>
+                      </p:childTnLst>
+                    </p:cTn>
+                  </p:par>
+                  <p:par>
+                    <p:cTn id="8" fill="hold">
+                      <p:stCondLst>
+                        <p:cond delay="indefinite"/>
+                      </p:stCondLst>
+                      <p:childTnLst>
+                        <p:par>
+                          <p:cTn id="9" fill="hold">
+                            <p:stCondLst>
+                              <p:cond delay="0"/>
+                            </p:stCondLst>
+                            <p:childTnLst>
+                              <p:par>
+                                <p:cTn id="10" presetID="10" presetClass="entr" presetSubtype="0" fill="hold" nodeType="clickEffect">
+                                  <p:stCondLst>
+                                    <p:cond delay="0"/>
+                                  </p:stCondLst>
+                                  <p:childTnLst>
+                                    <p:set>
+                                      <p:cBhvr>
+                                        <p:cTn id="11" dur="1" fill="hold">
+                                          <p:stCondLst>
+                                            <p:cond delay="0"/>
+                                          </p:stCondLst>
+                                        </p:cTn>
+                                        <p:tgtEl>
+                                          <p:spTgt spid="9"/>
+                                        </p:tgtEl>
+                                        <p:attrNameLst>
+                                          <p:attrName>style.visibility</p:attrName>
+                                        </p:attrNameLst>
+                                      </p:cBhvr>
+                                      <p:to>
+                                        <p:strVal val="visible"/>
+                                      </p:to>
+                                    </p:set>
+                                    <p:animEffect transition="in" filter="fade">
+                                      <p:cBhvr>
+                                        <p:cTn id="12" dur="500"/>
+                                        <p:tgtEl>
+                                          <p:spTgt spid="9"/>
+                                        </p:tgtEl>
+                                      </p:cBhvr>
+                                    </p:animEffect>
+                                  </p:childTnLst>
+                                </p:cTn>
+                              </p:par>
+                            </p:childTnLst>
+                          </p:cTn>
+                        </p:par>
+                      </p:childTnLst>
+                    </p:cTn>
+                  </p:par>
+                  <p:par>
+                    <p:cTn id="13" fill="hold">
+                      <p:stCondLst>
+                        <p:cond delay="indefinite"/>
+                      </p:stCondLst>
+                      <p:childTnLst>
+                        <p:par>
+                          <p:cTn id="14" fill="hold">
+                            <p:stCondLst>
+                              <p:cond delay="0"/>
+                            </p:stCondLst>
+                            <p:childTnLst>
+                              <p:par>
+                                <p:cTn id="15" presetID="10" presetClass="entr" presetSubtype="0" fill="hold" grpId="0" nodeType="clickEffect">
+                                  <p:stCondLst>
+                                    <p:cond delay="0"/>
+                                  </p:stCondLst>
+                                  <p:childTnLst>
+                                    <p:set>
+                                      <p:cBhvr>
+                                        <p:cTn id="16" dur="1" fill="hold">
+                                          <p:stCondLst>
+                                            <p:cond delay="0"/>
+                                          </p:stCondLst>
+                                        </p:cTn>
+                                        <p:tgtEl>
+                                          <p:spTgt spid="5">
+                                            <p:txEl>
+                                              <p:pRg st="0" end="0"/>
+                                            </p:txEl>
+                                          </p:spTgt>
+                                        </p:tgtEl>
+                                        <p:attrNameLst>
+                                          <p:attrName>style.visibility</p:attrName>
+                                        </p:attrNameLst>
+                                      </p:cBhvr>
+                                      <p:to>
+                                        <p:strVal val="visible"/>
+                                      </p:to>
+                                    </p:set>
+                                    <p:animEffect transition="in" filter="fade">
+                                      <p:cBhvr>
+                                        <p:cTn id="17" dur="500"/>
+                                        <p:tgtEl>
+                                          <p:spTgt spid="5">
+                                            <p:txEl>
+                                              <p:pRg st="0" end="0"/>
+                                            </p:txEl>
+                                          </p:spTgt>
+                                        </p:tgtEl>
+                                      </p:cBhvr>
+                                    </p:animEffect>
+                                  </p:childTnLst>
+                                </p:cTn>
+                              </p:par>
+                            </p:childTnLst>
+                          </p:cTn>
+                        </p:par>
+                      </p:childTnLst>
+                    </p:cTn>
+                  </p:par>
+                  <p:par>
+                    <p:cTn id="18" fill="hold">
+                      <p:stCondLst>
+                        <p:cond delay="indefinite"/>
+                      </p:stCondLst>
+                      <p:childTnLst>
+                        <p:par>
+                          <p:cTn id="19" fill="hold">
+                            <p:stCondLst>
+                              <p:cond delay="0"/>
+                            </p:stCondLst>
+                            <p:childTnLst>
+                              <p:par>
+                                <p:cTn id="20" presetID="10" presetClass="entr" presetSubtype="0" fill="hold" nodeType="clickEffect">
+                                  <p:stCondLst>
+                                    <p:cond delay="0"/>
+                                  </p:stCondLst>
+                                  <p:childTnLst>
+                                    <p:set>
+                                      <p:cBhvr>
+                                        <p:cTn id="21" dur="1" fill="hold">
+                                          <p:stCondLst>
+                                            <p:cond delay="0"/>
+                                          </p:stCondLst>
+                                        </p:cTn>
+                                        <p:tgtEl>
+                                          <p:spTgt spid="12"/>
+                                        </p:tgtEl>
+                                        <p:attrNameLst>
+                                          <p:attrName>style.visibility</p:attrName>
+                                        </p:attrNameLst>
+                                      </p:cBhvr>
+                                      <p:to>
+                                        <p:strVal val="visible"/>
+                                      </p:to>
+                                    </p:set>
+                                    <p:animEffect transition="in" filter="fade">
+                                      <p:cBhvr>
+                                        <p:cTn id="22" dur="500"/>
+                                        <p:tgtEl>
+                                          <p:spTgt spid="12"/>
+                                        </p:tgtEl>
+                                      </p:cBhvr>
+                                    </p:animEffect>
+                                  </p:childTnLst>
+                                </p:cTn>
+                              </p:par>
+                            </p:childTnLst>
+                          </p:cTn>
+                        </p:par>
+                      </p:childTnLst>
+                    </p:cTn>
+                  </p:par>
+                  <p:par>
+                    <p:cTn id="23" fill="hold">
+                      <p:stCondLst>
+                        <p:cond delay="indefinite"/>
+                      </p:stCondLst>
+                      <p:childTnLst>
+                        <p:par>
+                          <p:cTn id="24" fill="hold">
+                            <p:stCondLst>
+                              <p:cond delay="0"/>
+                            </p:stCondLst>
+                            <p:childTnLst>
+                              <p:par>
+                                <p:cTn id="25" presetID="10" presetClass="entr" presetSubtype="0" fill="hold" grpId="0" nodeType="clickEffect">
+                                  <p:stCondLst>
+                                    <p:cond delay="0"/>
+                                  </p:stCondLst>
+                                  <p:childTnLst>
+                                    <p:set>
+                                      <p:cBhvr>
+                                        <p:cTn id="26" dur="1" fill="hold">
+                                          <p:stCondLst>
+                                            <p:cond delay="0"/>
+                                          </p:stCondLst>
+                                        </p:cTn>
+                                        <p:tgtEl>
+                                          <p:spTgt spid="15"/>
+                                        </p:tgtEl>
+                                        <p:attrNameLst>
+                                          <p:attrName>style.visibility</p:attrName>
+                                        </p:attrNameLst>
+                                      </p:cBhvr>
+                                      <p:to>
+                                        <p:strVal val="visible"/>
+                                      </p:to>
+                                    </p:set>
+                                    <p:animEffect transition="in" filter="fade">
+                                      <p:cBhvr>
+                                        <p:cTn id="27" dur="500"/>
+                                        <p:tgtEl>
+                                          <p:spTgt spid="15"/>
+                                        </p:tgtEl>
+                                      </p:cBhvr>
+                                    </p:animEffect>
+                                  </p:childTnLst>
+                                </p:cTn>
+                              </p:par>
+                            </p:childTnLst>
+                          </p:cTn>
+                        </p:par>
+                      </p:childTnLst>
+                    </p:cTn>
+                  </p:par>
+                </p:childTnLst>
+              </p:cTn>
+              <p:prevCondLst>
+                <p:cond evt="onPrev" delay="0">
+                  <p:tgtEl>
+                    <p:sldTgt/>
+                  </p:tgtEl>
+                </p:cond>
+              </p:prevCondLst>
+              <p:nextCondLst>
+                <p:cond evt="onNext" delay="0">
+                  <p:tgtEl>
+                    <p:sldTgt/>
+                  </p:tgtEl>
+                </p:cond>
+              </p:nextCondLst>
+            </p:seq>
+          </p:childTnLst>
+        </p:cTn>
+      </p:par>
+    </p:tnLst>
+    <p:bldLst>
+      <p:bldP spid="3" grpId="0" build="p"/>
+      <p:bldP spid="5" grpId="0" build="p"/>
+      <p:bldP spid="15" grpId="0"/>
+    </p:bldLst>
+  </p:timing>
 </p:sld>
 </file>
 
@@ -5378,6 +8803,328 @@
   <p:clrMapOvr>
     <a:masterClrMapping/>
   </p:clrMapOvr>
+  <p:timing>
+    <p:tnLst>
+      <p:par>
+        <p:cTn id="1" dur="indefinite" restart="never" nodeType="tmRoot">
+          <p:childTnLst>
+            <p:seq concurrent="1" nextAc="seek">
+              <p:cTn id="2" dur="indefinite" nodeType="mainSeq">
+                <p:childTnLst>
+                  <p:par>
+                    <p:cTn id="3" fill="hold">
+                      <p:stCondLst>
+                        <p:cond delay="indefinite"/>
+                      </p:stCondLst>
+                      <p:childTnLst>
+                        <p:par>
+                          <p:cTn id="4" fill="hold">
+                            <p:stCondLst>
+                              <p:cond delay="0"/>
+                            </p:stCondLst>
+                            <p:childTnLst>
+                              <p:par>
+                                <p:cTn id="5" presetID="10" presetClass="entr" presetSubtype="0" fill="hold" grpId="0" nodeType="clickEffect">
+                                  <p:stCondLst>
+                                    <p:cond delay="0"/>
+                                  </p:stCondLst>
+                                  <p:childTnLst>
+                                    <p:set>
+                                      <p:cBhvr>
+                                        <p:cTn id="6" dur="1" fill="hold">
+                                          <p:stCondLst>
+                                            <p:cond delay="0"/>
+                                          </p:stCondLst>
+                                        </p:cTn>
+                                        <p:tgtEl>
+                                          <p:spTgt spid="3">
+                                            <p:txEl>
+                                              <p:pRg st="0" end="0"/>
+                                            </p:txEl>
+                                          </p:spTgt>
+                                        </p:tgtEl>
+                                        <p:attrNameLst>
+                                          <p:attrName>style.visibility</p:attrName>
+                                        </p:attrNameLst>
+                                      </p:cBhvr>
+                                      <p:to>
+                                        <p:strVal val="visible"/>
+                                      </p:to>
+                                    </p:set>
+                                    <p:animEffect transition="in" filter="fade">
+                                      <p:cBhvr>
+                                        <p:cTn id="7" dur="500"/>
+                                        <p:tgtEl>
+                                          <p:spTgt spid="3">
+                                            <p:txEl>
+                                              <p:pRg st="0" end="0"/>
+                                            </p:txEl>
+                                          </p:spTgt>
+                                        </p:tgtEl>
+                                      </p:cBhvr>
+                                    </p:animEffect>
+                                  </p:childTnLst>
+                                </p:cTn>
+                              </p:par>
+                            </p:childTnLst>
+                          </p:cTn>
+                        </p:par>
+                      </p:childTnLst>
+                    </p:cTn>
+                  </p:par>
+                  <p:par>
+                    <p:cTn id="8" fill="hold">
+                      <p:stCondLst>
+                        <p:cond delay="indefinite"/>
+                      </p:stCondLst>
+                      <p:childTnLst>
+                        <p:par>
+                          <p:cTn id="9" fill="hold">
+                            <p:stCondLst>
+                              <p:cond delay="0"/>
+                            </p:stCondLst>
+                            <p:childTnLst>
+                              <p:par>
+                                <p:cTn id="10" presetID="10" presetClass="entr" presetSubtype="0" fill="hold" grpId="0" nodeType="clickEffect">
+                                  <p:stCondLst>
+                                    <p:cond delay="0"/>
+                                  </p:stCondLst>
+                                  <p:childTnLst>
+                                    <p:set>
+                                      <p:cBhvr>
+                                        <p:cTn id="11" dur="1" fill="hold">
+                                          <p:stCondLst>
+                                            <p:cond delay="0"/>
+                                          </p:stCondLst>
+                                        </p:cTn>
+                                        <p:tgtEl>
+                                          <p:spTgt spid="3">
+                                            <p:txEl>
+                                              <p:pRg st="2" end="2"/>
+                                            </p:txEl>
+                                          </p:spTgt>
+                                        </p:tgtEl>
+                                        <p:attrNameLst>
+                                          <p:attrName>style.visibility</p:attrName>
+                                        </p:attrNameLst>
+                                      </p:cBhvr>
+                                      <p:to>
+                                        <p:strVal val="visible"/>
+                                      </p:to>
+                                    </p:set>
+                                    <p:animEffect transition="in" filter="fade">
+                                      <p:cBhvr>
+                                        <p:cTn id="12" dur="500"/>
+                                        <p:tgtEl>
+                                          <p:spTgt spid="3">
+                                            <p:txEl>
+                                              <p:pRg st="2" end="2"/>
+                                            </p:txEl>
+                                          </p:spTgt>
+                                        </p:tgtEl>
+                                      </p:cBhvr>
+                                    </p:animEffect>
+                                  </p:childTnLst>
+                                </p:cTn>
+                              </p:par>
+                            </p:childTnLst>
+                          </p:cTn>
+                        </p:par>
+                      </p:childTnLst>
+                    </p:cTn>
+                  </p:par>
+                  <p:par>
+                    <p:cTn id="13" fill="hold">
+                      <p:stCondLst>
+                        <p:cond delay="indefinite"/>
+                      </p:stCondLst>
+                      <p:childTnLst>
+                        <p:par>
+                          <p:cTn id="14" fill="hold">
+                            <p:stCondLst>
+                              <p:cond delay="0"/>
+                            </p:stCondLst>
+                            <p:childTnLst>
+                              <p:par>
+                                <p:cTn id="15" presetID="10" presetClass="entr" presetSubtype="0" fill="hold" nodeType="clickEffect">
+                                  <p:stCondLst>
+                                    <p:cond delay="0"/>
+                                  </p:stCondLst>
+                                  <p:childTnLst>
+                                    <p:set>
+                                      <p:cBhvr>
+                                        <p:cTn id="16" dur="1" fill="hold">
+                                          <p:stCondLst>
+                                            <p:cond delay="0"/>
+                                          </p:stCondLst>
+                                        </p:cTn>
+                                        <p:tgtEl>
+                                          <p:spTgt spid="4"/>
+                                        </p:tgtEl>
+                                        <p:attrNameLst>
+                                          <p:attrName>style.visibility</p:attrName>
+                                        </p:attrNameLst>
+                                      </p:cBhvr>
+                                      <p:to>
+                                        <p:strVal val="visible"/>
+                                      </p:to>
+                                    </p:set>
+                                    <p:animEffect transition="in" filter="fade">
+                                      <p:cBhvr>
+                                        <p:cTn id="17" dur="500"/>
+                                        <p:tgtEl>
+                                          <p:spTgt spid="4"/>
+                                        </p:tgtEl>
+                                      </p:cBhvr>
+                                    </p:animEffect>
+                                  </p:childTnLst>
+                                </p:cTn>
+                              </p:par>
+                            </p:childTnLst>
+                          </p:cTn>
+                        </p:par>
+                      </p:childTnLst>
+                    </p:cTn>
+                  </p:par>
+                  <p:par>
+                    <p:cTn id="18" fill="hold">
+                      <p:stCondLst>
+                        <p:cond delay="indefinite"/>
+                      </p:stCondLst>
+                      <p:childTnLst>
+                        <p:par>
+                          <p:cTn id="19" fill="hold">
+                            <p:stCondLst>
+                              <p:cond delay="0"/>
+                            </p:stCondLst>
+                            <p:childTnLst>
+                              <p:par>
+                                <p:cTn id="20" presetID="10" presetClass="entr" presetSubtype="0" fill="hold" grpId="0" nodeType="clickEffect">
+                                  <p:stCondLst>
+                                    <p:cond delay="0"/>
+                                  </p:stCondLst>
+                                  <p:childTnLst>
+                                    <p:set>
+                                      <p:cBhvr>
+                                        <p:cTn id="21" dur="1" fill="hold">
+                                          <p:stCondLst>
+                                            <p:cond delay="0"/>
+                                          </p:stCondLst>
+                                        </p:cTn>
+                                        <p:tgtEl>
+                                          <p:spTgt spid="3">
+                                            <p:txEl>
+                                              <p:pRg st="8" end="8"/>
+                                            </p:txEl>
+                                          </p:spTgt>
+                                        </p:tgtEl>
+                                        <p:attrNameLst>
+                                          <p:attrName>style.visibility</p:attrName>
+                                        </p:attrNameLst>
+                                      </p:cBhvr>
+                                      <p:to>
+                                        <p:strVal val="visible"/>
+                                      </p:to>
+                                    </p:set>
+                                    <p:animEffect transition="in" filter="fade">
+                                      <p:cBhvr>
+                                        <p:cTn id="22" dur="500"/>
+                                        <p:tgtEl>
+                                          <p:spTgt spid="3">
+                                            <p:txEl>
+                                              <p:pRg st="8" end="8"/>
+                                            </p:txEl>
+                                          </p:spTgt>
+                                        </p:tgtEl>
+                                      </p:cBhvr>
+                                    </p:animEffect>
+                                  </p:childTnLst>
+                                </p:cTn>
+                              </p:par>
+                            </p:childTnLst>
+                          </p:cTn>
+                        </p:par>
+                      </p:childTnLst>
+                    </p:cTn>
+                  </p:par>
+                  <p:par>
+                    <p:cTn id="23" fill="hold">
+                      <p:stCondLst>
+                        <p:cond delay="indefinite"/>
+                      </p:stCondLst>
+                      <p:childTnLst>
+                        <p:par>
+                          <p:cTn id="24" fill="hold">
+                            <p:stCondLst>
+                              <p:cond delay="0"/>
+                            </p:stCondLst>
+                            <p:childTnLst>
+                              <p:par>
+                                <p:cTn id="25" presetID="10" presetClass="entr" presetSubtype="0" fill="hold" nodeType="clickEffect">
+                                  <p:stCondLst>
+                                    <p:cond delay="0"/>
+                                  </p:stCondLst>
+                                  <p:childTnLst>
+                                    <p:set>
+                                      <p:cBhvr>
+                                        <p:cTn id="26" dur="1" fill="hold">
+                                          <p:stCondLst>
+                                            <p:cond delay="0"/>
+                                          </p:stCondLst>
+                                        </p:cTn>
+                                        <p:tgtEl>
+                                          <p:spTgt spid="5"/>
+                                        </p:tgtEl>
+                                        <p:attrNameLst>
+                                          <p:attrName>style.visibility</p:attrName>
+                                        </p:attrNameLst>
+                                      </p:cBhvr>
+                                      <p:to>
+                                        <p:strVal val="visible"/>
+                                      </p:to>
+                                    </p:set>
+                                    <p:animEffect transition="in" filter="fade">
+                                      <p:cBhvr>
+                                        <p:cTn id="27" dur="500"/>
+                                        <p:tgtEl>
+                                          <p:spTgt spid="5"/>
+                                        </p:tgtEl>
+                                      </p:cBhvr>
+                                    </p:animEffect>
+                                  </p:childTnLst>
+                                </p:cTn>
+                              </p:par>
+                            </p:childTnLst>
+                          </p:cTn>
+                        </p:par>
+                      </p:childTnLst>
+                    </p:cTn>
+                  </p:par>
+                </p:childTnLst>
+              </p:cTn>
+              <p:prevCondLst>
+                <p:cond evt="onPrev" delay="0">
+                  <p:tgtEl>
+                    <p:sldTgt/>
+                  </p:tgtEl>
+                </p:cond>
+              </p:prevCondLst>
+              <p:nextCondLst>
+                <p:cond evt="onNext" delay="0">
+                  <p:tgtEl>
+                    <p:sldTgt/>
+                  </p:tgtEl>
+                </p:cond>
+              </p:nextCondLst>
+            </p:seq>
+          </p:childTnLst>
+        </p:cTn>
+      </p:par>
+    </p:tnLst>
+    <p:bldLst>
+      <p:bldP spid="3" grpId="0" uiExpand="1" build="p"/>
+    </p:bldLst>
+  </p:timing>
 </p:sld>
 </file>
 
@@ -5622,6 +9369,267 @@
   <p:clrMapOvr>
     <a:masterClrMapping/>
   </p:clrMapOvr>
+  <p:timing>
+    <p:tnLst>
+      <p:par>
+        <p:cTn id="1" dur="indefinite" restart="never" nodeType="tmRoot">
+          <p:childTnLst>
+            <p:seq concurrent="1" nextAc="seek">
+              <p:cTn id="2" dur="indefinite" nodeType="mainSeq">
+                <p:childTnLst>
+                  <p:par>
+                    <p:cTn id="3" fill="hold">
+                      <p:stCondLst>
+                        <p:cond delay="indefinite"/>
+                      </p:stCondLst>
+                      <p:childTnLst>
+                        <p:par>
+                          <p:cTn id="4" fill="hold">
+                            <p:stCondLst>
+                              <p:cond delay="0"/>
+                            </p:stCondLst>
+                            <p:childTnLst>
+                              <p:par>
+                                <p:cTn id="5" presetID="10" presetClass="entr" presetSubtype="0" fill="hold" grpId="0" nodeType="clickEffect">
+                                  <p:stCondLst>
+                                    <p:cond delay="0"/>
+                                  </p:stCondLst>
+                                  <p:childTnLst>
+                                    <p:set>
+                                      <p:cBhvr>
+                                        <p:cTn id="6" dur="1" fill="hold">
+                                          <p:stCondLst>
+                                            <p:cond delay="0"/>
+                                          </p:stCondLst>
+                                        </p:cTn>
+                                        <p:tgtEl>
+                                          <p:spTgt spid="3">
+                                            <p:txEl>
+                                              <p:pRg st="0" end="0"/>
+                                            </p:txEl>
+                                          </p:spTgt>
+                                        </p:tgtEl>
+                                        <p:attrNameLst>
+                                          <p:attrName>style.visibility</p:attrName>
+                                        </p:attrNameLst>
+                                      </p:cBhvr>
+                                      <p:to>
+                                        <p:strVal val="visible"/>
+                                      </p:to>
+                                    </p:set>
+                                    <p:animEffect transition="in" filter="fade">
+                                      <p:cBhvr>
+                                        <p:cTn id="7" dur="500"/>
+                                        <p:tgtEl>
+                                          <p:spTgt spid="3">
+                                            <p:txEl>
+                                              <p:pRg st="0" end="0"/>
+                                            </p:txEl>
+                                          </p:spTgt>
+                                        </p:tgtEl>
+                                      </p:cBhvr>
+                                    </p:animEffect>
+                                  </p:childTnLst>
+                                </p:cTn>
+                              </p:par>
+                            </p:childTnLst>
+                          </p:cTn>
+                        </p:par>
+                      </p:childTnLst>
+                    </p:cTn>
+                  </p:par>
+                  <p:par>
+                    <p:cTn id="8" fill="hold">
+                      <p:stCondLst>
+                        <p:cond delay="indefinite"/>
+                      </p:stCondLst>
+                      <p:childTnLst>
+                        <p:par>
+                          <p:cTn id="9" fill="hold">
+                            <p:stCondLst>
+                              <p:cond delay="0"/>
+                            </p:stCondLst>
+                            <p:childTnLst>
+                              <p:par>
+                                <p:cTn id="10" presetID="10" presetClass="entr" presetSubtype="0" fill="hold" nodeType="clickEffect">
+                                  <p:stCondLst>
+                                    <p:cond delay="0"/>
+                                  </p:stCondLst>
+                                  <p:childTnLst>
+                                    <p:set>
+                                      <p:cBhvr>
+                                        <p:cTn id="11" dur="1" fill="hold">
+                                          <p:stCondLst>
+                                            <p:cond delay="0"/>
+                                          </p:stCondLst>
+                                        </p:cTn>
+                                        <p:tgtEl>
+                                          <p:spTgt spid="7"/>
+                                        </p:tgtEl>
+                                        <p:attrNameLst>
+                                          <p:attrName>style.visibility</p:attrName>
+                                        </p:attrNameLst>
+                                      </p:cBhvr>
+                                      <p:to>
+                                        <p:strVal val="visible"/>
+                                      </p:to>
+                                    </p:set>
+                                    <p:animEffect transition="in" filter="fade">
+                                      <p:cBhvr>
+                                        <p:cTn id="12" dur="500"/>
+                                        <p:tgtEl>
+                                          <p:spTgt spid="7"/>
+                                        </p:tgtEl>
+                                      </p:cBhvr>
+                                    </p:animEffect>
+                                  </p:childTnLst>
+                                </p:cTn>
+                              </p:par>
+                            </p:childTnLst>
+                          </p:cTn>
+                        </p:par>
+                      </p:childTnLst>
+                    </p:cTn>
+                  </p:par>
+                  <p:par>
+                    <p:cTn id="13" fill="hold">
+                      <p:stCondLst>
+                        <p:cond delay="indefinite"/>
+                      </p:stCondLst>
+                      <p:childTnLst>
+                        <p:par>
+                          <p:cTn id="14" fill="hold">
+                            <p:stCondLst>
+                              <p:cond delay="0"/>
+                            </p:stCondLst>
+                            <p:childTnLst>
+                              <p:par>
+                                <p:cTn id="15" presetID="10" presetClass="entr" presetSubtype="0" fill="hold" grpId="0" nodeType="clickEffect">
+                                  <p:stCondLst>
+                                    <p:cond delay="0"/>
+                                  </p:stCondLst>
+                                  <p:childTnLst>
+                                    <p:set>
+                                      <p:cBhvr>
+                                        <p:cTn id="16" dur="1" fill="hold">
+                                          <p:stCondLst>
+                                            <p:cond delay="0"/>
+                                          </p:stCondLst>
+                                        </p:cTn>
+                                        <p:tgtEl>
+                                          <p:spTgt spid="3">
+                                            <p:txEl>
+                                              <p:pRg st="5" end="5"/>
+                                            </p:txEl>
+                                          </p:spTgt>
+                                        </p:tgtEl>
+                                        <p:attrNameLst>
+                                          <p:attrName>style.visibility</p:attrName>
+                                        </p:attrNameLst>
+                                      </p:cBhvr>
+                                      <p:to>
+                                        <p:strVal val="visible"/>
+                                      </p:to>
+                                    </p:set>
+                                    <p:animEffect transition="in" filter="fade">
+                                      <p:cBhvr>
+                                        <p:cTn id="17" dur="500"/>
+                                        <p:tgtEl>
+                                          <p:spTgt spid="3">
+                                            <p:txEl>
+                                              <p:pRg st="5" end="5"/>
+                                            </p:txEl>
+                                          </p:spTgt>
+                                        </p:tgtEl>
+                                      </p:cBhvr>
+                                    </p:animEffect>
+                                  </p:childTnLst>
+                                </p:cTn>
+                              </p:par>
+                            </p:childTnLst>
+                          </p:cTn>
+                        </p:par>
+                      </p:childTnLst>
+                    </p:cTn>
+                  </p:par>
+                  <p:par>
+                    <p:cTn id="18" fill="hold">
+                      <p:stCondLst>
+                        <p:cond delay="indefinite"/>
+                      </p:stCondLst>
+                      <p:childTnLst>
+                        <p:par>
+                          <p:cTn id="19" fill="hold">
+                            <p:stCondLst>
+                              <p:cond delay="0"/>
+                            </p:stCondLst>
+                            <p:childTnLst>
+                              <p:par>
+                                <p:cTn id="20" presetID="10" presetClass="entr" presetSubtype="0" fill="hold" nodeType="clickEffect">
+                                  <p:stCondLst>
+                                    <p:cond delay="0"/>
+                                  </p:stCondLst>
+                                  <p:childTnLst>
+                                    <p:set>
+                                      <p:cBhvr>
+                                        <p:cTn id="21" dur="1" fill="hold">
+                                          <p:stCondLst>
+                                            <p:cond delay="0"/>
+                                          </p:stCondLst>
+                                        </p:cTn>
+                                        <p:tgtEl>
+                                          <p:spTgt spid="10"/>
+                                        </p:tgtEl>
+                                        <p:attrNameLst>
+                                          <p:attrName>style.visibility</p:attrName>
+                                        </p:attrNameLst>
+                                      </p:cBhvr>
+                                      <p:to>
+                                        <p:strVal val="visible"/>
+                                      </p:to>
+                                    </p:set>
+                                    <p:animEffect transition="in" filter="fade">
+                                      <p:cBhvr>
+                                        <p:cTn id="22" dur="500"/>
+                                        <p:tgtEl>
+                                          <p:spTgt spid="10"/>
+                                        </p:tgtEl>
+                                      </p:cBhvr>
+                                    </p:animEffect>
+                                  </p:childTnLst>
+                                </p:cTn>
+                              </p:par>
+                            </p:childTnLst>
+                          </p:cTn>
+                        </p:par>
+                      </p:childTnLst>
+                    </p:cTn>
+                  </p:par>
+                </p:childTnLst>
+              </p:cTn>
+              <p:prevCondLst>
+                <p:cond evt="onPrev" delay="0">
+                  <p:tgtEl>
+                    <p:sldTgt/>
+                  </p:tgtEl>
+                </p:cond>
+              </p:prevCondLst>
+              <p:nextCondLst>
+                <p:cond evt="onNext" delay="0">
+                  <p:tgtEl>
+                    <p:sldTgt/>
+                  </p:tgtEl>
+                </p:cond>
+              </p:nextCondLst>
+            </p:seq>
+          </p:childTnLst>
+        </p:cTn>
+      </p:par>
+    </p:tnLst>
+    <p:bldLst>
+      <p:bldP spid="3" grpId="0" uiExpand="1" build="p"/>
+    </p:bldLst>
+  </p:timing>
 </p:sld>
 </file>
 
@@ -5925,6 +9933,13 @@
   <p:clrMapOvr>
     <a:masterClrMapping/>
   </p:clrMapOvr>
+  <p:timing>
+    <p:tnLst>
+      <p:par>
+        <p:cTn id="1" dur="indefinite" restart="never" nodeType="tmRoot"/>
+      </p:par>
+    </p:tnLst>
+  </p:timing>
 </p:sld>
 </file>
 
@@ -5999,8 +10014,8 @@
         </p:nvSpPr>
         <p:spPr>
           <a:xfrm>
-            <a:off x="838200" y="905523"/>
-            <a:ext cx="10515600" cy="5810436"/>
+            <a:off x="838200" y="735106"/>
+            <a:ext cx="10515600" cy="5980853"/>
           </a:xfrm>
         </p:spPr>
         <p:txBody>
@@ -6128,8 +10143,20 @@
             <a:pPr marL="0" indent="0">
               <a:buNone/>
             </a:pPr>
-            <a:r>
-              <a:rPr lang="en-US" altLang="zh-CN" sz="1800" dirty="0"/>
+            <a:endParaRPr lang="en-US" altLang="zh-CN" sz="1800" dirty="0" smtClean="0"/>
+          </a:p>
+          <a:p>
+            <a:pPr marL="0" indent="0">
+              <a:buNone/>
+            </a:pPr>
+            <a:endParaRPr lang="en-US" altLang="zh-CN" sz="1800" dirty="0"/>
+          </a:p>
+          <a:p>
+            <a:pPr marL="0" indent="0">
+              <a:buNone/>
+            </a:pPr>
+            <a:r>
+              <a:rPr lang="en-US" altLang="zh-CN" sz="1800" dirty="0" smtClean="0"/>
               <a:t>Lambda</a:t>
             </a:r>
             <a:r>
@@ -6162,7 +10189,7 @@
         </p:blipFill>
         <p:spPr>
           <a:xfrm>
-            <a:off x="934411" y="2336552"/>
+            <a:off x="934411" y="2125605"/>
             <a:ext cx="6229350" cy="2352675"/>
           </a:xfrm>
           <a:prstGeom prst="rect">
@@ -6240,6 +10267,487 @@
   <p:clrMapOvr>
     <a:masterClrMapping/>
   </p:clrMapOvr>
+  <p:timing>
+    <p:tnLst>
+      <p:par>
+        <p:cTn id="1" dur="indefinite" restart="never" nodeType="tmRoot">
+          <p:childTnLst>
+            <p:seq concurrent="1" nextAc="seek">
+              <p:cTn id="2" dur="indefinite" nodeType="mainSeq">
+                <p:childTnLst>
+                  <p:par>
+                    <p:cTn id="3" fill="hold">
+                      <p:stCondLst>
+                        <p:cond delay="indefinite"/>
+                      </p:stCondLst>
+                      <p:childTnLst>
+                        <p:par>
+                          <p:cTn id="4" fill="hold">
+                            <p:stCondLst>
+                              <p:cond delay="0"/>
+                            </p:stCondLst>
+                            <p:childTnLst>
+                              <p:par>
+                                <p:cTn id="5" presetID="10" presetClass="entr" presetSubtype="0" fill="hold" grpId="0" nodeType="clickEffect">
+                                  <p:stCondLst>
+                                    <p:cond delay="0"/>
+                                  </p:stCondLst>
+                                  <p:childTnLst>
+                                    <p:set>
+                                      <p:cBhvr>
+                                        <p:cTn id="6" dur="1" fill="hold">
+                                          <p:stCondLst>
+                                            <p:cond delay="0"/>
+                                          </p:stCondLst>
+                                        </p:cTn>
+                                        <p:tgtEl>
+                                          <p:spTgt spid="3">
+                                            <p:txEl>
+                                              <p:pRg st="0" end="0"/>
+                                            </p:txEl>
+                                          </p:spTgt>
+                                        </p:tgtEl>
+                                        <p:attrNameLst>
+                                          <p:attrName>style.visibility</p:attrName>
+                                        </p:attrNameLst>
+                                      </p:cBhvr>
+                                      <p:to>
+                                        <p:strVal val="visible"/>
+                                      </p:to>
+                                    </p:set>
+                                    <p:animEffect transition="in" filter="fade">
+                                      <p:cBhvr>
+                                        <p:cTn id="7" dur="500"/>
+                                        <p:tgtEl>
+                                          <p:spTgt spid="3">
+                                            <p:txEl>
+                                              <p:pRg st="0" end="0"/>
+                                            </p:txEl>
+                                          </p:spTgt>
+                                        </p:tgtEl>
+                                      </p:cBhvr>
+                                    </p:animEffect>
+                                  </p:childTnLst>
+                                </p:cTn>
+                              </p:par>
+                            </p:childTnLst>
+                          </p:cTn>
+                        </p:par>
+                      </p:childTnLst>
+                    </p:cTn>
+                  </p:par>
+                  <p:par>
+                    <p:cTn id="8" fill="hold">
+                      <p:stCondLst>
+                        <p:cond delay="indefinite"/>
+                      </p:stCondLst>
+                      <p:childTnLst>
+                        <p:par>
+                          <p:cTn id="9" fill="hold">
+                            <p:stCondLst>
+                              <p:cond delay="0"/>
+                            </p:stCondLst>
+                            <p:childTnLst>
+                              <p:par>
+                                <p:cTn id="10" presetID="10" presetClass="entr" presetSubtype="0" fill="hold" grpId="0" nodeType="clickEffect">
+                                  <p:stCondLst>
+                                    <p:cond delay="0"/>
+                                  </p:stCondLst>
+                                  <p:childTnLst>
+                                    <p:set>
+                                      <p:cBhvr>
+                                        <p:cTn id="11" dur="1" fill="hold">
+                                          <p:stCondLst>
+                                            <p:cond delay="0"/>
+                                          </p:stCondLst>
+                                        </p:cTn>
+                                        <p:tgtEl>
+                                          <p:spTgt spid="3">
+                                            <p:txEl>
+                                              <p:pRg st="1" end="1"/>
+                                            </p:txEl>
+                                          </p:spTgt>
+                                        </p:tgtEl>
+                                        <p:attrNameLst>
+                                          <p:attrName>style.visibility</p:attrName>
+                                        </p:attrNameLst>
+                                      </p:cBhvr>
+                                      <p:to>
+                                        <p:strVal val="visible"/>
+                                      </p:to>
+                                    </p:set>
+                                    <p:animEffect transition="in" filter="fade">
+                                      <p:cBhvr>
+                                        <p:cTn id="12" dur="500"/>
+                                        <p:tgtEl>
+                                          <p:spTgt spid="3">
+                                            <p:txEl>
+                                              <p:pRg st="1" end="1"/>
+                                            </p:txEl>
+                                          </p:spTgt>
+                                        </p:tgtEl>
+                                      </p:cBhvr>
+                                    </p:animEffect>
+                                  </p:childTnLst>
+                                </p:cTn>
+                              </p:par>
+                            </p:childTnLst>
+                          </p:cTn>
+                        </p:par>
+                      </p:childTnLst>
+                    </p:cTn>
+                  </p:par>
+                  <p:par>
+                    <p:cTn id="13" fill="hold">
+                      <p:stCondLst>
+                        <p:cond delay="indefinite"/>
+                      </p:stCondLst>
+                      <p:childTnLst>
+                        <p:par>
+                          <p:cTn id="14" fill="hold">
+                            <p:stCondLst>
+                              <p:cond delay="0"/>
+                            </p:stCondLst>
+                            <p:childTnLst>
+                              <p:par>
+                                <p:cTn id="15" presetID="10" presetClass="entr" presetSubtype="0" fill="hold" grpId="0" nodeType="clickEffect">
+                                  <p:stCondLst>
+                                    <p:cond delay="0"/>
+                                  </p:stCondLst>
+                                  <p:childTnLst>
+                                    <p:set>
+                                      <p:cBhvr>
+                                        <p:cTn id="16" dur="1" fill="hold">
+                                          <p:stCondLst>
+                                            <p:cond delay="0"/>
+                                          </p:stCondLst>
+                                        </p:cTn>
+                                        <p:tgtEl>
+                                          <p:spTgt spid="3">
+                                            <p:txEl>
+                                              <p:pRg st="2" end="2"/>
+                                            </p:txEl>
+                                          </p:spTgt>
+                                        </p:tgtEl>
+                                        <p:attrNameLst>
+                                          <p:attrName>style.visibility</p:attrName>
+                                        </p:attrNameLst>
+                                      </p:cBhvr>
+                                      <p:to>
+                                        <p:strVal val="visible"/>
+                                      </p:to>
+                                    </p:set>
+                                    <p:animEffect transition="in" filter="fade">
+                                      <p:cBhvr>
+                                        <p:cTn id="17" dur="500"/>
+                                        <p:tgtEl>
+                                          <p:spTgt spid="3">
+                                            <p:txEl>
+                                              <p:pRg st="2" end="2"/>
+                                            </p:txEl>
+                                          </p:spTgt>
+                                        </p:tgtEl>
+                                      </p:cBhvr>
+                                    </p:animEffect>
+                                  </p:childTnLst>
+                                </p:cTn>
+                              </p:par>
+                            </p:childTnLst>
+                          </p:cTn>
+                        </p:par>
+                      </p:childTnLst>
+                    </p:cTn>
+                  </p:par>
+                  <p:par>
+                    <p:cTn id="18" fill="hold">
+                      <p:stCondLst>
+                        <p:cond delay="indefinite"/>
+                      </p:stCondLst>
+                      <p:childTnLst>
+                        <p:par>
+                          <p:cTn id="19" fill="hold">
+                            <p:stCondLst>
+                              <p:cond delay="0"/>
+                            </p:stCondLst>
+                            <p:childTnLst>
+                              <p:par>
+                                <p:cTn id="20" presetID="10" presetClass="entr" presetSubtype="0" fill="hold" grpId="0" nodeType="clickEffect">
+                                  <p:stCondLst>
+                                    <p:cond delay="0"/>
+                                  </p:stCondLst>
+                                  <p:childTnLst>
+                                    <p:set>
+                                      <p:cBhvr>
+                                        <p:cTn id="21" dur="1" fill="hold">
+                                          <p:stCondLst>
+                                            <p:cond delay="0"/>
+                                          </p:stCondLst>
+                                        </p:cTn>
+                                        <p:tgtEl>
+                                          <p:spTgt spid="3">
+                                            <p:txEl>
+                                              <p:pRg st="3" end="3"/>
+                                            </p:txEl>
+                                          </p:spTgt>
+                                        </p:tgtEl>
+                                        <p:attrNameLst>
+                                          <p:attrName>style.visibility</p:attrName>
+                                        </p:attrNameLst>
+                                      </p:cBhvr>
+                                      <p:to>
+                                        <p:strVal val="visible"/>
+                                      </p:to>
+                                    </p:set>
+                                    <p:animEffect transition="in" filter="fade">
+                                      <p:cBhvr>
+                                        <p:cTn id="22" dur="500"/>
+                                        <p:tgtEl>
+                                          <p:spTgt spid="3">
+                                            <p:txEl>
+                                              <p:pRg st="3" end="3"/>
+                                            </p:txEl>
+                                          </p:spTgt>
+                                        </p:tgtEl>
+                                      </p:cBhvr>
+                                    </p:animEffect>
+                                  </p:childTnLst>
+                                </p:cTn>
+                              </p:par>
+                            </p:childTnLst>
+                          </p:cTn>
+                        </p:par>
+                      </p:childTnLst>
+                    </p:cTn>
+                  </p:par>
+                  <p:par>
+                    <p:cTn id="23" fill="hold">
+                      <p:stCondLst>
+                        <p:cond delay="indefinite"/>
+                      </p:stCondLst>
+                      <p:childTnLst>
+                        <p:par>
+                          <p:cTn id="24" fill="hold">
+                            <p:stCondLst>
+                              <p:cond delay="0"/>
+                            </p:stCondLst>
+                            <p:childTnLst>
+                              <p:par>
+                                <p:cTn id="25" presetID="10" presetClass="entr" presetSubtype="0" fill="hold" nodeType="clickEffect">
+                                  <p:stCondLst>
+                                    <p:cond delay="0"/>
+                                  </p:stCondLst>
+                                  <p:childTnLst>
+                                    <p:set>
+                                      <p:cBhvr>
+                                        <p:cTn id="26" dur="1" fill="hold">
+                                          <p:stCondLst>
+                                            <p:cond delay="0"/>
+                                          </p:stCondLst>
+                                        </p:cTn>
+                                        <p:tgtEl>
+                                          <p:spTgt spid="4"/>
+                                        </p:tgtEl>
+                                        <p:attrNameLst>
+                                          <p:attrName>style.visibility</p:attrName>
+                                        </p:attrNameLst>
+                                      </p:cBhvr>
+                                      <p:to>
+                                        <p:strVal val="visible"/>
+                                      </p:to>
+                                    </p:set>
+                                    <p:animEffect transition="in" filter="fade">
+                                      <p:cBhvr>
+                                        <p:cTn id="27" dur="500"/>
+                                        <p:tgtEl>
+                                          <p:spTgt spid="4"/>
+                                        </p:tgtEl>
+                                      </p:cBhvr>
+                                    </p:animEffect>
+                                  </p:childTnLst>
+                                </p:cTn>
+                              </p:par>
+                            </p:childTnLst>
+                          </p:cTn>
+                        </p:par>
+                      </p:childTnLst>
+                    </p:cTn>
+                  </p:par>
+                  <p:par>
+                    <p:cTn id="28" fill="hold">
+                      <p:stCondLst>
+                        <p:cond delay="indefinite"/>
+                      </p:stCondLst>
+                      <p:childTnLst>
+                        <p:par>
+                          <p:cTn id="29" fill="hold">
+                            <p:stCondLst>
+                              <p:cond delay="0"/>
+                            </p:stCondLst>
+                            <p:childTnLst>
+                              <p:par>
+                                <p:cTn id="30" presetID="10" presetClass="entr" presetSubtype="0" fill="hold" grpId="0" nodeType="clickEffect">
+                                  <p:stCondLst>
+                                    <p:cond delay="0"/>
+                                  </p:stCondLst>
+                                  <p:childTnLst>
+                                    <p:set>
+                                      <p:cBhvr>
+                                        <p:cTn id="31" dur="1" fill="hold">
+                                          <p:stCondLst>
+                                            <p:cond delay="0"/>
+                                          </p:stCondLst>
+                                        </p:cTn>
+                                        <p:tgtEl>
+                                          <p:spTgt spid="3">
+                                            <p:txEl>
+                                              <p:pRg st="12" end="12"/>
+                                            </p:txEl>
+                                          </p:spTgt>
+                                        </p:tgtEl>
+                                        <p:attrNameLst>
+                                          <p:attrName>style.visibility</p:attrName>
+                                        </p:attrNameLst>
+                                      </p:cBhvr>
+                                      <p:to>
+                                        <p:strVal val="visible"/>
+                                      </p:to>
+                                    </p:set>
+                                    <p:animEffect transition="in" filter="fade">
+                                      <p:cBhvr>
+                                        <p:cTn id="32" dur="500"/>
+                                        <p:tgtEl>
+                                          <p:spTgt spid="3">
+                                            <p:txEl>
+                                              <p:pRg st="12" end="12"/>
+                                            </p:txEl>
+                                          </p:spTgt>
+                                        </p:tgtEl>
+                                      </p:cBhvr>
+                                    </p:animEffect>
+                                  </p:childTnLst>
+                                </p:cTn>
+                              </p:par>
+                            </p:childTnLst>
+                          </p:cTn>
+                        </p:par>
+                      </p:childTnLst>
+                    </p:cTn>
+                  </p:par>
+                  <p:par>
+                    <p:cTn id="33" fill="hold">
+                      <p:stCondLst>
+                        <p:cond delay="indefinite"/>
+                      </p:stCondLst>
+                      <p:childTnLst>
+                        <p:par>
+                          <p:cTn id="34" fill="hold">
+                            <p:stCondLst>
+                              <p:cond delay="0"/>
+                            </p:stCondLst>
+                            <p:childTnLst>
+                              <p:par>
+                                <p:cTn id="35" presetID="1" presetClass="entr" presetSubtype="0" fill="hold" nodeType="clickEffect">
+                                  <p:stCondLst>
+                                    <p:cond delay="0"/>
+                                  </p:stCondLst>
+                                  <p:childTnLst>
+                                    <p:set>
+                                      <p:cBhvr>
+                                        <p:cTn id="36" dur="1" fill="hold">
+                                          <p:stCondLst>
+                                            <p:cond delay="0"/>
+                                          </p:stCondLst>
+                                        </p:cTn>
+                                        <p:tgtEl>
+                                          <p:spTgt spid="9"/>
+                                        </p:tgtEl>
+                                        <p:attrNameLst>
+                                          <p:attrName>style.visibility</p:attrName>
+                                        </p:attrNameLst>
+                                      </p:cBhvr>
+                                      <p:to>
+                                        <p:strVal val="visible"/>
+                                      </p:to>
+                                    </p:set>
+                                  </p:childTnLst>
+                                </p:cTn>
+                              </p:par>
+                            </p:childTnLst>
+                          </p:cTn>
+                        </p:par>
+                      </p:childTnLst>
+                    </p:cTn>
+                  </p:par>
+                  <p:par>
+                    <p:cTn id="37" fill="hold">
+                      <p:stCondLst>
+                        <p:cond delay="indefinite"/>
+                      </p:stCondLst>
+                      <p:childTnLst>
+                        <p:par>
+                          <p:cTn id="38" fill="hold">
+                            <p:stCondLst>
+                              <p:cond delay="0"/>
+                            </p:stCondLst>
+                            <p:childTnLst>
+                              <p:par>
+                                <p:cTn id="39" presetID="1" presetClass="entr" presetSubtype="0" fill="hold" nodeType="clickEffect">
+                                  <p:stCondLst>
+                                    <p:cond delay="0"/>
+                                  </p:stCondLst>
+                                  <p:childTnLst>
+                                    <p:set>
+                                      <p:cBhvr>
+                                        <p:cTn id="40" dur="1" fill="hold">
+                                          <p:stCondLst>
+                                            <p:cond delay="0"/>
+                                          </p:stCondLst>
+                                        </p:cTn>
+                                        <p:tgtEl>
+                                          <p:spTgt spid="8"/>
+                                        </p:tgtEl>
+                                        <p:attrNameLst>
+                                          <p:attrName>style.visibility</p:attrName>
+                                        </p:attrNameLst>
+                                      </p:cBhvr>
+                                      <p:to>
+                                        <p:strVal val="visible"/>
+                                      </p:to>
+                                    </p:set>
+                                  </p:childTnLst>
+                                </p:cTn>
+                              </p:par>
+                            </p:childTnLst>
+                          </p:cTn>
+                        </p:par>
+                      </p:childTnLst>
+                    </p:cTn>
+                  </p:par>
+                </p:childTnLst>
+              </p:cTn>
+              <p:prevCondLst>
+                <p:cond evt="onPrev" delay="0">
+                  <p:tgtEl>
+                    <p:sldTgt/>
+                  </p:tgtEl>
+                </p:cond>
+              </p:prevCondLst>
+              <p:nextCondLst>
+                <p:cond evt="onNext" delay="0">
+                  <p:tgtEl>
+                    <p:sldTgt/>
+                  </p:tgtEl>
+                </p:cond>
+              </p:nextCondLst>
+            </p:seq>
+          </p:childTnLst>
+        </p:cTn>
+      </p:par>
+    </p:tnLst>
+    <p:bldLst>
+      <p:bldP spid="3" grpId="0" uiExpand="1" build="p"/>
+    </p:bldLst>
+  </p:timing>
 </p:sld>
 </file>
 
@@ -6525,6 +11033,442 @@
   <p:clrMapOvr>
     <a:masterClrMapping/>
   </p:clrMapOvr>
+  <p:timing>
+    <p:tnLst>
+      <p:par>
+        <p:cTn id="1" dur="indefinite" restart="never" nodeType="tmRoot">
+          <p:childTnLst>
+            <p:seq concurrent="1" nextAc="seek">
+              <p:cTn id="2" dur="indefinite" nodeType="mainSeq">
+                <p:childTnLst>
+                  <p:par>
+                    <p:cTn id="3" fill="hold">
+                      <p:stCondLst>
+                        <p:cond delay="indefinite"/>
+                      </p:stCondLst>
+                      <p:childTnLst>
+                        <p:par>
+                          <p:cTn id="4" fill="hold">
+                            <p:stCondLst>
+                              <p:cond delay="0"/>
+                            </p:stCondLst>
+                            <p:childTnLst>
+                              <p:par>
+                                <p:cTn id="5" presetID="10" presetClass="entr" presetSubtype="0" fill="hold" grpId="0" nodeType="clickEffect">
+                                  <p:stCondLst>
+                                    <p:cond delay="0"/>
+                                  </p:stCondLst>
+                                  <p:childTnLst>
+                                    <p:set>
+                                      <p:cBhvr>
+                                        <p:cTn id="6" dur="1" fill="hold">
+                                          <p:stCondLst>
+                                            <p:cond delay="0"/>
+                                          </p:stCondLst>
+                                        </p:cTn>
+                                        <p:tgtEl>
+                                          <p:spTgt spid="3">
+                                            <p:txEl>
+                                              <p:pRg st="0" end="0"/>
+                                            </p:txEl>
+                                          </p:spTgt>
+                                        </p:tgtEl>
+                                        <p:attrNameLst>
+                                          <p:attrName>style.visibility</p:attrName>
+                                        </p:attrNameLst>
+                                      </p:cBhvr>
+                                      <p:to>
+                                        <p:strVal val="visible"/>
+                                      </p:to>
+                                    </p:set>
+                                    <p:animEffect transition="in" filter="fade">
+                                      <p:cBhvr>
+                                        <p:cTn id="7" dur="500"/>
+                                        <p:tgtEl>
+                                          <p:spTgt spid="3">
+                                            <p:txEl>
+                                              <p:pRg st="0" end="0"/>
+                                            </p:txEl>
+                                          </p:spTgt>
+                                        </p:tgtEl>
+                                      </p:cBhvr>
+                                    </p:animEffect>
+                                  </p:childTnLst>
+                                </p:cTn>
+                              </p:par>
+                            </p:childTnLst>
+                          </p:cTn>
+                        </p:par>
+                      </p:childTnLst>
+                    </p:cTn>
+                  </p:par>
+                  <p:par>
+                    <p:cTn id="8" fill="hold">
+                      <p:stCondLst>
+                        <p:cond delay="indefinite"/>
+                      </p:stCondLst>
+                      <p:childTnLst>
+                        <p:par>
+                          <p:cTn id="9" fill="hold">
+                            <p:stCondLst>
+                              <p:cond delay="0"/>
+                            </p:stCondLst>
+                            <p:childTnLst>
+                              <p:par>
+                                <p:cTn id="10" presetID="10" presetClass="entr" presetSubtype="0" fill="hold" nodeType="clickEffect">
+                                  <p:stCondLst>
+                                    <p:cond delay="0"/>
+                                  </p:stCondLst>
+                                  <p:childTnLst>
+                                    <p:set>
+                                      <p:cBhvr>
+                                        <p:cTn id="11" dur="1" fill="hold">
+                                          <p:stCondLst>
+                                            <p:cond delay="0"/>
+                                          </p:stCondLst>
+                                        </p:cTn>
+                                        <p:tgtEl>
+                                          <p:spTgt spid="6"/>
+                                        </p:tgtEl>
+                                        <p:attrNameLst>
+                                          <p:attrName>style.visibility</p:attrName>
+                                        </p:attrNameLst>
+                                      </p:cBhvr>
+                                      <p:to>
+                                        <p:strVal val="visible"/>
+                                      </p:to>
+                                    </p:set>
+                                    <p:animEffect transition="in" filter="fade">
+                                      <p:cBhvr>
+                                        <p:cTn id="12" dur="500"/>
+                                        <p:tgtEl>
+                                          <p:spTgt spid="6"/>
+                                        </p:tgtEl>
+                                      </p:cBhvr>
+                                    </p:animEffect>
+                                  </p:childTnLst>
+                                </p:cTn>
+                              </p:par>
+                            </p:childTnLst>
+                          </p:cTn>
+                        </p:par>
+                      </p:childTnLst>
+                    </p:cTn>
+                  </p:par>
+                  <p:par>
+                    <p:cTn id="13" fill="hold">
+                      <p:stCondLst>
+                        <p:cond delay="indefinite"/>
+                      </p:stCondLst>
+                      <p:childTnLst>
+                        <p:par>
+                          <p:cTn id="14" fill="hold">
+                            <p:stCondLst>
+                              <p:cond delay="0"/>
+                            </p:stCondLst>
+                            <p:childTnLst>
+                              <p:par>
+                                <p:cTn id="15" presetID="10" presetClass="entr" presetSubtype="0" fill="hold" grpId="0" nodeType="clickEffect">
+                                  <p:stCondLst>
+                                    <p:cond delay="0"/>
+                                  </p:stCondLst>
+                                  <p:childTnLst>
+                                    <p:set>
+                                      <p:cBhvr>
+                                        <p:cTn id="16" dur="1" fill="hold">
+                                          <p:stCondLst>
+                                            <p:cond delay="0"/>
+                                          </p:stCondLst>
+                                        </p:cTn>
+                                        <p:tgtEl>
+                                          <p:spTgt spid="3">
+                                            <p:txEl>
+                                              <p:pRg st="3" end="3"/>
+                                            </p:txEl>
+                                          </p:spTgt>
+                                        </p:tgtEl>
+                                        <p:attrNameLst>
+                                          <p:attrName>style.visibility</p:attrName>
+                                        </p:attrNameLst>
+                                      </p:cBhvr>
+                                      <p:to>
+                                        <p:strVal val="visible"/>
+                                      </p:to>
+                                    </p:set>
+                                    <p:animEffect transition="in" filter="fade">
+                                      <p:cBhvr>
+                                        <p:cTn id="17" dur="500"/>
+                                        <p:tgtEl>
+                                          <p:spTgt spid="3">
+                                            <p:txEl>
+                                              <p:pRg st="3" end="3"/>
+                                            </p:txEl>
+                                          </p:spTgt>
+                                        </p:tgtEl>
+                                      </p:cBhvr>
+                                    </p:animEffect>
+                                  </p:childTnLst>
+                                </p:cTn>
+                              </p:par>
+                            </p:childTnLst>
+                          </p:cTn>
+                        </p:par>
+                      </p:childTnLst>
+                    </p:cTn>
+                  </p:par>
+                  <p:par>
+                    <p:cTn id="18" fill="hold">
+                      <p:stCondLst>
+                        <p:cond delay="indefinite"/>
+                      </p:stCondLst>
+                      <p:childTnLst>
+                        <p:par>
+                          <p:cTn id="19" fill="hold">
+                            <p:stCondLst>
+                              <p:cond delay="0"/>
+                            </p:stCondLst>
+                            <p:childTnLst>
+                              <p:par>
+                                <p:cTn id="20" presetID="10" presetClass="entr" presetSubtype="0" fill="hold" grpId="0" nodeType="clickEffect">
+                                  <p:stCondLst>
+                                    <p:cond delay="0"/>
+                                  </p:stCondLst>
+                                  <p:childTnLst>
+                                    <p:set>
+                                      <p:cBhvr>
+                                        <p:cTn id="21" dur="1" fill="hold">
+                                          <p:stCondLst>
+                                            <p:cond delay="0"/>
+                                          </p:stCondLst>
+                                        </p:cTn>
+                                        <p:tgtEl>
+                                          <p:spTgt spid="3">
+                                            <p:txEl>
+                                              <p:pRg st="4" end="4"/>
+                                            </p:txEl>
+                                          </p:spTgt>
+                                        </p:tgtEl>
+                                        <p:attrNameLst>
+                                          <p:attrName>style.visibility</p:attrName>
+                                        </p:attrNameLst>
+                                      </p:cBhvr>
+                                      <p:to>
+                                        <p:strVal val="visible"/>
+                                      </p:to>
+                                    </p:set>
+                                    <p:animEffect transition="in" filter="fade">
+                                      <p:cBhvr>
+                                        <p:cTn id="22" dur="500"/>
+                                        <p:tgtEl>
+                                          <p:spTgt spid="3">
+                                            <p:txEl>
+                                              <p:pRg st="4" end="4"/>
+                                            </p:txEl>
+                                          </p:spTgt>
+                                        </p:tgtEl>
+                                      </p:cBhvr>
+                                    </p:animEffect>
+                                  </p:childTnLst>
+                                </p:cTn>
+                              </p:par>
+                            </p:childTnLst>
+                          </p:cTn>
+                        </p:par>
+                      </p:childTnLst>
+                    </p:cTn>
+                  </p:par>
+                  <p:par>
+                    <p:cTn id="23" fill="hold">
+                      <p:stCondLst>
+                        <p:cond delay="indefinite"/>
+                      </p:stCondLst>
+                      <p:childTnLst>
+                        <p:par>
+                          <p:cTn id="24" fill="hold">
+                            <p:stCondLst>
+                              <p:cond delay="0"/>
+                            </p:stCondLst>
+                            <p:childTnLst>
+                              <p:par>
+                                <p:cTn id="25" presetID="10" presetClass="entr" presetSubtype="0" fill="hold" nodeType="clickEffect">
+                                  <p:stCondLst>
+                                    <p:cond delay="0"/>
+                                  </p:stCondLst>
+                                  <p:childTnLst>
+                                    <p:set>
+                                      <p:cBhvr>
+                                        <p:cTn id="26" dur="1" fill="hold">
+                                          <p:stCondLst>
+                                            <p:cond delay="0"/>
+                                          </p:stCondLst>
+                                        </p:cTn>
+                                        <p:tgtEl>
+                                          <p:spTgt spid="7"/>
+                                        </p:tgtEl>
+                                        <p:attrNameLst>
+                                          <p:attrName>style.visibility</p:attrName>
+                                        </p:attrNameLst>
+                                      </p:cBhvr>
+                                      <p:to>
+                                        <p:strVal val="visible"/>
+                                      </p:to>
+                                    </p:set>
+                                    <p:animEffect transition="in" filter="fade">
+                                      <p:cBhvr>
+                                        <p:cTn id="27" dur="500"/>
+                                        <p:tgtEl>
+                                          <p:spTgt spid="7"/>
+                                        </p:tgtEl>
+                                      </p:cBhvr>
+                                    </p:animEffect>
+                                  </p:childTnLst>
+                                </p:cTn>
+                              </p:par>
+                            </p:childTnLst>
+                          </p:cTn>
+                        </p:par>
+                      </p:childTnLst>
+                    </p:cTn>
+                  </p:par>
+                  <p:par>
+                    <p:cTn id="28" fill="hold">
+                      <p:stCondLst>
+                        <p:cond delay="indefinite"/>
+                      </p:stCondLst>
+                      <p:childTnLst>
+                        <p:par>
+                          <p:cTn id="29" fill="hold">
+                            <p:stCondLst>
+                              <p:cond delay="0"/>
+                            </p:stCondLst>
+                            <p:childTnLst>
+                              <p:par>
+                                <p:cTn id="30" presetID="10" presetClass="entr" presetSubtype="0" fill="hold" grpId="0" nodeType="clickEffect">
+                                  <p:stCondLst>
+                                    <p:cond delay="0"/>
+                                  </p:stCondLst>
+                                  <p:childTnLst>
+                                    <p:set>
+                                      <p:cBhvr>
+                                        <p:cTn id="31" dur="1" fill="hold">
+                                          <p:stCondLst>
+                                            <p:cond delay="0"/>
+                                          </p:stCondLst>
+                                        </p:cTn>
+                                        <p:tgtEl>
+                                          <p:spTgt spid="3">
+                                            <p:txEl>
+                                              <p:pRg st="10" end="10"/>
+                                            </p:txEl>
+                                          </p:spTgt>
+                                        </p:tgtEl>
+                                        <p:attrNameLst>
+                                          <p:attrName>style.visibility</p:attrName>
+                                        </p:attrNameLst>
+                                      </p:cBhvr>
+                                      <p:to>
+                                        <p:strVal val="visible"/>
+                                      </p:to>
+                                    </p:set>
+                                    <p:animEffect transition="in" filter="fade">
+                                      <p:cBhvr>
+                                        <p:cTn id="32" dur="500"/>
+                                        <p:tgtEl>
+                                          <p:spTgt spid="3">
+                                            <p:txEl>
+                                              <p:pRg st="10" end="10"/>
+                                            </p:txEl>
+                                          </p:spTgt>
+                                        </p:tgtEl>
+                                      </p:cBhvr>
+                                    </p:animEffect>
+                                  </p:childTnLst>
+                                </p:cTn>
+                              </p:par>
+                            </p:childTnLst>
+                          </p:cTn>
+                        </p:par>
+                      </p:childTnLst>
+                    </p:cTn>
+                  </p:par>
+                  <p:par>
+                    <p:cTn id="33" fill="hold">
+                      <p:stCondLst>
+                        <p:cond delay="indefinite"/>
+                      </p:stCondLst>
+                      <p:childTnLst>
+                        <p:par>
+                          <p:cTn id="34" fill="hold">
+                            <p:stCondLst>
+                              <p:cond delay="0"/>
+                            </p:stCondLst>
+                            <p:childTnLst>
+                              <p:par>
+                                <p:cTn id="35" presetID="10" presetClass="entr" presetSubtype="0" fill="hold" nodeType="clickEffect">
+                                  <p:stCondLst>
+                                    <p:cond delay="0"/>
+                                  </p:stCondLst>
+                                  <p:childTnLst>
+                                    <p:set>
+                                      <p:cBhvr>
+                                        <p:cTn id="36" dur="1" fill="hold">
+                                          <p:stCondLst>
+                                            <p:cond delay="0"/>
+                                          </p:stCondLst>
+                                        </p:cTn>
+                                        <p:tgtEl>
+                                          <p:spTgt spid="8"/>
+                                        </p:tgtEl>
+                                        <p:attrNameLst>
+                                          <p:attrName>style.visibility</p:attrName>
+                                        </p:attrNameLst>
+                                      </p:cBhvr>
+                                      <p:to>
+                                        <p:strVal val="visible"/>
+                                      </p:to>
+                                    </p:set>
+                                    <p:animEffect transition="in" filter="fade">
+                                      <p:cBhvr>
+                                        <p:cTn id="37" dur="500"/>
+                                        <p:tgtEl>
+                                          <p:spTgt spid="8"/>
+                                        </p:tgtEl>
+                                      </p:cBhvr>
+                                    </p:animEffect>
+                                  </p:childTnLst>
+                                </p:cTn>
+                              </p:par>
+                            </p:childTnLst>
+                          </p:cTn>
+                        </p:par>
+                      </p:childTnLst>
+                    </p:cTn>
+                  </p:par>
+                </p:childTnLst>
+              </p:cTn>
+              <p:prevCondLst>
+                <p:cond evt="onPrev" delay="0">
+                  <p:tgtEl>
+                    <p:sldTgt/>
+                  </p:tgtEl>
+                </p:cond>
+              </p:prevCondLst>
+              <p:nextCondLst>
+                <p:cond evt="onNext" delay="0">
+                  <p:tgtEl>
+                    <p:sldTgt/>
+                  </p:tgtEl>
+                </p:cond>
+              </p:nextCondLst>
+            </p:seq>
+          </p:childTnLst>
+        </p:cTn>
+      </p:par>
+    </p:tnLst>
+    <p:bldLst>
+      <p:bldP spid="3" grpId="0" uiExpand="1" build="p"/>
+    </p:bldLst>
+  </p:timing>
 </p:sld>
 </file>
 
@@ -6667,16 +11611,20 @@
               <a:buNone/>
             </a:pPr>
             <a:r>
+              <a:rPr lang="zh-CN" altLang="en-US" sz="1800" dirty="0" smtClean="0"/>
+              <a:t>举例</a:t>
+            </a:r>
+            <a:r>
+              <a:rPr lang="en-US" altLang="zh-CN" sz="1800" dirty="0" smtClean="0"/>
+              <a:t>with</a:t>
+            </a:r>
+            <a:r>
+              <a:rPr lang="zh-CN" altLang="en-US" sz="1800" dirty="0" smtClean="0"/>
+              <a:t>方法</a:t>
+            </a:r>
+            <a:r>
               <a:rPr lang="zh-CN" altLang="en-US" sz="1800" dirty="0"/>
-              <a:t>看一个非常有用的方法</a:t>
-            </a:r>
-            <a:r>
-              <a:rPr lang="en-US" altLang="zh-CN" sz="1800" dirty="0"/>
-              <a:t>”with”</a:t>
-            </a:r>
-            <a:r>
-              <a:rPr lang="zh-CN" altLang="en-US" sz="1800" dirty="0"/>
-              <a:t>。</a:t>
+              <a:t>：</a:t>
             </a:r>
             <a:endParaRPr lang="en-US" altLang="zh-CN" sz="1800" dirty="0"/>
           </a:p>
@@ -6840,6 +11788,442 @@
   <p:clrMapOvr>
     <a:masterClrMapping/>
   </p:clrMapOvr>
+  <p:timing>
+    <p:tnLst>
+      <p:par>
+        <p:cTn id="1" dur="indefinite" restart="never" nodeType="tmRoot">
+          <p:childTnLst>
+            <p:seq concurrent="1" nextAc="seek">
+              <p:cTn id="2" dur="indefinite" nodeType="mainSeq">
+                <p:childTnLst>
+                  <p:par>
+                    <p:cTn id="3" fill="hold">
+                      <p:stCondLst>
+                        <p:cond delay="indefinite"/>
+                      </p:stCondLst>
+                      <p:childTnLst>
+                        <p:par>
+                          <p:cTn id="4" fill="hold">
+                            <p:stCondLst>
+                              <p:cond delay="0"/>
+                            </p:stCondLst>
+                            <p:childTnLst>
+                              <p:par>
+                                <p:cTn id="5" presetID="10" presetClass="entr" presetSubtype="0" fill="hold" grpId="0" nodeType="clickEffect">
+                                  <p:stCondLst>
+                                    <p:cond delay="0"/>
+                                  </p:stCondLst>
+                                  <p:childTnLst>
+                                    <p:set>
+                                      <p:cBhvr>
+                                        <p:cTn id="6" dur="1" fill="hold">
+                                          <p:stCondLst>
+                                            <p:cond delay="0"/>
+                                          </p:stCondLst>
+                                        </p:cTn>
+                                        <p:tgtEl>
+                                          <p:spTgt spid="3">
+                                            <p:txEl>
+                                              <p:pRg st="0" end="0"/>
+                                            </p:txEl>
+                                          </p:spTgt>
+                                        </p:tgtEl>
+                                        <p:attrNameLst>
+                                          <p:attrName>style.visibility</p:attrName>
+                                        </p:attrNameLst>
+                                      </p:cBhvr>
+                                      <p:to>
+                                        <p:strVal val="visible"/>
+                                      </p:to>
+                                    </p:set>
+                                    <p:animEffect transition="in" filter="fade">
+                                      <p:cBhvr>
+                                        <p:cTn id="7" dur="500"/>
+                                        <p:tgtEl>
+                                          <p:spTgt spid="3">
+                                            <p:txEl>
+                                              <p:pRg st="0" end="0"/>
+                                            </p:txEl>
+                                          </p:spTgt>
+                                        </p:tgtEl>
+                                      </p:cBhvr>
+                                    </p:animEffect>
+                                  </p:childTnLst>
+                                </p:cTn>
+                              </p:par>
+                            </p:childTnLst>
+                          </p:cTn>
+                        </p:par>
+                      </p:childTnLst>
+                    </p:cTn>
+                  </p:par>
+                  <p:par>
+                    <p:cTn id="8" fill="hold">
+                      <p:stCondLst>
+                        <p:cond delay="indefinite"/>
+                      </p:stCondLst>
+                      <p:childTnLst>
+                        <p:par>
+                          <p:cTn id="9" fill="hold">
+                            <p:stCondLst>
+                              <p:cond delay="0"/>
+                            </p:stCondLst>
+                            <p:childTnLst>
+                              <p:par>
+                                <p:cTn id="10" presetID="10" presetClass="entr" presetSubtype="0" fill="hold" nodeType="clickEffect">
+                                  <p:stCondLst>
+                                    <p:cond delay="0"/>
+                                  </p:stCondLst>
+                                  <p:childTnLst>
+                                    <p:set>
+                                      <p:cBhvr>
+                                        <p:cTn id="11" dur="1" fill="hold">
+                                          <p:stCondLst>
+                                            <p:cond delay="0"/>
+                                          </p:stCondLst>
+                                        </p:cTn>
+                                        <p:tgtEl>
+                                          <p:spTgt spid="6"/>
+                                        </p:tgtEl>
+                                        <p:attrNameLst>
+                                          <p:attrName>style.visibility</p:attrName>
+                                        </p:attrNameLst>
+                                      </p:cBhvr>
+                                      <p:to>
+                                        <p:strVal val="visible"/>
+                                      </p:to>
+                                    </p:set>
+                                    <p:animEffect transition="in" filter="fade">
+                                      <p:cBhvr>
+                                        <p:cTn id="12" dur="500"/>
+                                        <p:tgtEl>
+                                          <p:spTgt spid="6"/>
+                                        </p:tgtEl>
+                                      </p:cBhvr>
+                                    </p:animEffect>
+                                  </p:childTnLst>
+                                </p:cTn>
+                              </p:par>
+                            </p:childTnLst>
+                          </p:cTn>
+                        </p:par>
+                      </p:childTnLst>
+                    </p:cTn>
+                  </p:par>
+                  <p:par>
+                    <p:cTn id="13" fill="hold">
+                      <p:stCondLst>
+                        <p:cond delay="indefinite"/>
+                      </p:stCondLst>
+                      <p:childTnLst>
+                        <p:par>
+                          <p:cTn id="14" fill="hold">
+                            <p:stCondLst>
+                              <p:cond delay="0"/>
+                            </p:stCondLst>
+                            <p:childTnLst>
+                              <p:par>
+                                <p:cTn id="15" presetID="10" presetClass="entr" presetSubtype="0" fill="hold" grpId="0" nodeType="clickEffect">
+                                  <p:stCondLst>
+                                    <p:cond delay="0"/>
+                                  </p:stCondLst>
+                                  <p:childTnLst>
+                                    <p:set>
+                                      <p:cBhvr>
+                                        <p:cTn id="16" dur="1" fill="hold">
+                                          <p:stCondLst>
+                                            <p:cond delay="0"/>
+                                          </p:stCondLst>
+                                        </p:cTn>
+                                        <p:tgtEl>
+                                          <p:spTgt spid="3">
+                                            <p:txEl>
+                                              <p:pRg st="6" end="6"/>
+                                            </p:txEl>
+                                          </p:spTgt>
+                                        </p:tgtEl>
+                                        <p:attrNameLst>
+                                          <p:attrName>style.visibility</p:attrName>
+                                        </p:attrNameLst>
+                                      </p:cBhvr>
+                                      <p:to>
+                                        <p:strVal val="visible"/>
+                                      </p:to>
+                                    </p:set>
+                                    <p:animEffect transition="in" filter="fade">
+                                      <p:cBhvr>
+                                        <p:cTn id="17" dur="500"/>
+                                        <p:tgtEl>
+                                          <p:spTgt spid="3">
+                                            <p:txEl>
+                                              <p:pRg st="6" end="6"/>
+                                            </p:txEl>
+                                          </p:spTgt>
+                                        </p:tgtEl>
+                                      </p:cBhvr>
+                                    </p:animEffect>
+                                  </p:childTnLst>
+                                </p:cTn>
+                              </p:par>
+                            </p:childTnLst>
+                          </p:cTn>
+                        </p:par>
+                      </p:childTnLst>
+                    </p:cTn>
+                  </p:par>
+                  <p:par>
+                    <p:cTn id="18" fill="hold">
+                      <p:stCondLst>
+                        <p:cond delay="indefinite"/>
+                      </p:stCondLst>
+                      <p:childTnLst>
+                        <p:par>
+                          <p:cTn id="19" fill="hold">
+                            <p:stCondLst>
+                              <p:cond delay="0"/>
+                            </p:stCondLst>
+                            <p:childTnLst>
+                              <p:par>
+                                <p:cTn id="20" presetID="10" presetClass="entr" presetSubtype="0" fill="hold" grpId="0" nodeType="clickEffect">
+                                  <p:stCondLst>
+                                    <p:cond delay="0"/>
+                                  </p:stCondLst>
+                                  <p:childTnLst>
+                                    <p:set>
+                                      <p:cBhvr>
+                                        <p:cTn id="21" dur="1" fill="hold">
+                                          <p:stCondLst>
+                                            <p:cond delay="0"/>
+                                          </p:stCondLst>
+                                        </p:cTn>
+                                        <p:tgtEl>
+                                          <p:spTgt spid="3">
+                                            <p:txEl>
+                                              <p:pRg st="7" end="7"/>
+                                            </p:txEl>
+                                          </p:spTgt>
+                                        </p:tgtEl>
+                                        <p:attrNameLst>
+                                          <p:attrName>style.visibility</p:attrName>
+                                        </p:attrNameLst>
+                                      </p:cBhvr>
+                                      <p:to>
+                                        <p:strVal val="visible"/>
+                                      </p:to>
+                                    </p:set>
+                                    <p:animEffect transition="in" filter="fade">
+                                      <p:cBhvr>
+                                        <p:cTn id="22" dur="500"/>
+                                        <p:tgtEl>
+                                          <p:spTgt spid="3">
+                                            <p:txEl>
+                                              <p:pRg st="7" end="7"/>
+                                            </p:txEl>
+                                          </p:spTgt>
+                                        </p:tgtEl>
+                                      </p:cBhvr>
+                                    </p:animEffect>
+                                  </p:childTnLst>
+                                </p:cTn>
+                              </p:par>
+                            </p:childTnLst>
+                          </p:cTn>
+                        </p:par>
+                      </p:childTnLst>
+                    </p:cTn>
+                  </p:par>
+                  <p:par>
+                    <p:cTn id="23" fill="hold">
+                      <p:stCondLst>
+                        <p:cond delay="indefinite"/>
+                      </p:stCondLst>
+                      <p:childTnLst>
+                        <p:par>
+                          <p:cTn id="24" fill="hold">
+                            <p:stCondLst>
+                              <p:cond delay="0"/>
+                            </p:stCondLst>
+                            <p:childTnLst>
+                              <p:par>
+                                <p:cTn id="25" presetID="10" presetClass="entr" presetSubtype="0" fill="hold" nodeType="clickEffect">
+                                  <p:stCondLst>
+                                    <p:cond delay="0"/>
+                                  </p:stCondLst>
+                                  <p:childTnLst>
+                                    <p:set>
+                                      <p:cBhvr>
+                                        <p:cTn id="26" dur="1" fill="hold">
+                                          <p:stCondLst>
+                                            <p:cond delay="0"/>
+                                          </p:stCondLst>
+                                        </p:cTn>
+                                        <p:tgtEl>
+                                          <p:spTgt spid="7"/>
+                                        </p:tgtEl>
+                                        <p:attrNameLst>
+                                          <p:attrName>style.visibility</p:attrName>
+                                        </p:attrNameLst>
+                                      </p:cBhvr>
+                                      <p:to>
+                                        <p:strVal val="visible"/>
+                                      </p:to>
+                                    </p:set>
+                                    <p:animEffect transition="in" filter="fade">
+                                      <p:cBhvr>
+                                        <p:cTn id="27" dur="500"/>
+                                        <p:tgtEl>
+                                          <p:spTgt spid="7"/>
+                                        </p:tgtEl>
+                                      </p:cBhvr>
+                                    </p:animEffect>
+                                  </p:childTnLst>
+                                </p:cTn>
+                              </p:par>
+                            </p:childTnLst>
+                          </p:cTn>
+                        </p:par>
+                      </p:childTnLst>
+                    </p:cTn>
+                  </p:par>
+                  <p:par>
+                    <p:cTn id="28" fill="hold">
+                      <p:stCondLst>
+                        <p:cond delay="indefinite"/>
+                      </p:stCondLst>
+                      <p:childTnLst>
+                        <p:par>
+                          <p:cTn id="29" fill="hold">
+                            <p:stCondLst>
+                              <p:cond delay="0"/>
+                            </p:stCondLst>
+                            <p:childTnLst>
+                              <p:par>
+                                <p:cTn id="30" presetID="10" presetClass="entr" presetSubtype="0" fill="hold" grpId="0" nodeType="clickEffect">
+                                  <p:stCondLst>
+                                    <p:cond delay="0"/>
+                                  </p:stCondLst>
+                                  <p:childTnLst>
+                                    <p:set>
+                                      <p:cBhvr>
+                                        <p:cTn id="31" dur="1" fill="hold">
+                                          <p:stCondLst>
+                                            <p:cond delay="0"/>
+                                          </p:stCondLst>
+                                        </p:cTn>
+                                        <p:tgtEl>
+                                          <p:spTgt spid="3">
+                                            <p:txEl>
+                                              <p:pRg st="13" end="13"/>
+                                            </p:txEl>
+                                          </p:spTgt>
+                                        </p:tgtEl>
+                                        <p:attrNameLst>
+                                          <p:attrName>style.visibility</p:attrName>
+                                        </p:attrNameLst>
+                                      </p:cBhvr>
+                                      <p:to>
+                                        <p:strVal val="visible"/>
+                                      </p:to>
+                                    </p:set>
+                                    <p:animEffect transition="in" filter="fade">
+                                      <p:cBhvr>
+                                        <p:cTn id="32" dur="500"/>
+                                        <p:tgtEl>
+                                          <p:spTgt spid="3">
+                                            <p:txEl>
+                                              <p:pRg st="13" end="13"/>
+                                            </p:txEl>
+                                          </p:spTgt>
+                                        </p:tgtEl>
+                                      </p:cBhvr>
+                                    </p:animEffect>
+                                  </p:childTnLst>
+                                </p:cTn>
+                              </p:par>
+                            </p:childTnLst>
+                          </p:cTn>
+                        </p:par>
+                      </p:childTnLst>
+                    </p:cTn>
+                  </p:par>
+                  <p:par>
+                    <p:cTn id="33" fill="hold">
+                      <p:stCondLst>
+                        <p:cond delay="indefinite"/>
+                      </p:stCondLst>
+                      <p:childTnLst>
+                        <p:par>
+                          <p:cTn id="34" fill="hold">
+                            <p:stCondLst>
+                              <p:cond delay="0"/>
+                            </p:stCondLst>
+                            <p:childTnLst>
+                              <p:par>
+                                <p:cTn id="35" presetID="10" presetClass="entr" presetSubtype="0" fill="hold" nodeType="clickEffect">
+                                  <p:stCondLst>
+                                    <p:cond delay="0"/>
+                                  </p:stCondLst>
+                                  <p:childTnLst>
+                                    <p:set>
+                                      <p:cBhvr>
+                                        <p:cTn id="36" dur="1" fill="hold">
+                                          <p:stCondLst>
+                                            <p:cond delay="0"/>
+                                          </p:stCondLst>
+                                        </p:cTn>
+                                        <p:tgtEl>
+                                          <p:spTgt spid="8"/>
+                                        </p:tgtEl>
+                                        <p:attrNameLst>
+                                          <p:attrName>style.visibility</p:attrName>
+                                        </p:attrNameLst>
+                                      </p:cBhvr>
+                                      <p:to>
+                                        <p:strVal val="visible"/>
+                                      </p:to>
+                                    </p:set>
+                                    <p:animEffect transition="in" filter="fade">
+                                      <p:cBhvr>
+                                        <p:cTn id="37" dur="500"/>
+                                        <p:tgtEl>
+                                          <p:spTgt spid="8"/>
+                                        </p:tgtEl>
+                                      </p:cBhvr>
+                                    </p:animEffect>
+                                  </p:childTnLst>
+                                </p:cTn>
+                              </p:par>
+                            </p:childTnLst>
+                          </p:cTn>
+                        </p:par>
+                      </p:childTnLst>
+                    </p:cTn>
+                  </p:par>
+                </p:childTnLst>
+              </p:cTn>
+              <p:prevCondLst>
+                <p:cond evt="onPrev" delay="0">
+                  <p:tgtEl>
+                    <p:sldTgt/>
+                  </p:tgtEl>
+                </p:cond>
+              </p:prevCondLst>
+              <p:nextCondLst>
+                <p:cond evt="onNext" delay="0">
+                  <p:tgtEl>
+                    <p:sldTgt/>
+                  </p:tgtEl>
+                </p:cond>
+              </p:nextCondLst>
+            </p:seq>
+          </p:childTnLst>
+        </p:cTn>
+      </p:par>
+    </p:tnLst>
+    <p:bldLst>
+      <p:bldP spid="3" grpId="0" uiExpand="1" build="p"/>
+    </p:bldLst>
+  </p:timing>
 </p:sld>
 </file>
 
@@ -7147,6 +12531,450 @@
   <p:clrMapOvr>
     <a:masterClrMapping/>
   </p:clrMapOvr>
+  <p:timing>
+    <p:tnLst>
+      <p:par>
+        <p:cTn id="1" dur="indefinite" restart="never" nodeType="tmRoot">
+          <p:childTnLst>
+            <p:seq concurrent="1" nextAc="seek">
+              <p:cTn id="2" dur="indefinite" nodeType="mainSeq">
+                <p:childTnLst>
+                  <p:par>
+                    <p:cTn id="3" fill="hold">
+                      <p:stCondLst>
+                        <p:cond delay="indefinite"/>
+                      </p:stCondLst>
+                      <p:childTnLst>
+                        <p:par>
+                          <p:cTn id="4" fill="hold">
+                            <p:stCondLst>
+                              <p:cond delay="0"/>
+                            </p:stCondLst>
+                            <p:childTnLst>
+                              <p:par>
+                                <p:cTn id="5" presetID="10" presetClass="entr" presetSubtype="0" fill="hold" grpId="0" nodeType="clickEffect">
+                                  <p:stCondLst>
+                                    <p:cond delay="0"/>
+                                  </p:stCondLst>
+                                  <p:childTnLst>
+                                    <p:set>
+                                      <p:cBhvr>
+                                        <p:cTn id="6" dur="1" fill="hold">
+                                          <p:stCondLst>
+                                            <p:cond delay="0"/>
+                                          </p:stCondLst>
+                                        </p:cTn>
+                                        <p:tgtEl>
+                                          <p:spTgt spid="3">
+                                            <p:txEl>
+                                              <p:pRg st="0" end="0"/>
+                                            </p:txEl>
+                                          </p:spTgt>
+                                        </p:tgtEl>
+                                        <p:attrNameLst>
+                                          <p:attrName>style.visibility</p:attrName>
+                                        </p:attrNameLst>
+                                      </p:cBhvr>
+                                      <p:to>
+                                        <p:strVal val="visible"/>
+                                      </p:to>
+                                    </p:set>
+                                    <p:animEffect transition="in" filter="fade">
+                                      <p:cBhvr>
+                                        <p:cTn id="7" dur="500"/>
+                                        <p:tgtEl>
+                                          <p:spTgt spid="3">
+                                            <p:txEl>
+                                              <p:pRg st="0" end="0"/>
+                                            </p:txEl>
+                                          </p:spTgt>
+                                        </p:tgtEl>
+                                      </p:cBhvr>
+                                    </p:animEffect>
+                                  </p:childTnLst>
+                                </p:cTn>
+                              </p:par>
+                            </p:childTnLst>
+                          </p:cTn>
+                        </p:par>
+                      </p:childTnLst>
+                    </p:cTn>
+                  </p:par>
+                  <p:par>
+                    <p:cTn id="8" fill="hold">
+                      <p:stCondLst>
+                        <p:cond delay="indefinite"/>
+                      </p:stCondLst>
+                      <p:childTnLst>
+                        <p:par>
+                          <p:cTn id="9" fill="hold">
+                            <p:stCondLst>
+                              <p:cond delay="0"/>
+                            </p:stCondLst>
+                            <p:childTnLst>
+                              <p:par>
+                                <p:cTn id="10" presetID="10" presetClass="entr" presetSubtype="0" fill="hold" nodeType="clickEffect">
+                                  <p:stCondLst>
+                                    <p:cond delay="0"/>
+                                  </p:stCondLst>
+                                  <p:childTnLst>
+                                    <p:set>
+                                      <p:cBhvr>
+                                        <p:cTn id="11" dur="1" fill="hold">
+                                          <p:stCondLst>
+                                            <p:cond delay="0"/>
+                                          </p:stCondLst>
+                                        </p:cTn>
+                                        <p:tgtEl>
+                                          <p:spTgt spid="7"/>
+                                        </p:tgtEl>
+                                        <p:attrNameLst>
+                                          <p:attrName>style.visibility</p:attrName>
+                                        </p:attrNameLst>
+                                      </p:cBhvr>
+                                      <p:to>
+                                        <p:strVal val="visible"/>
+                                      </p:to>
+                                    </p:set>
+                                    <p:animEffect transition="in" filter="fade">
+                                      <p:cBhvr>
+                                        <p:cTn id="12" dur="500"/>
+                                        <p:tgtEl>
+                                          <p:spTgt spid="7"/>
+                                        </p:tgtEl>
+                                      </p:cBhvr>
+                                    </p:animEffect>
+                                  </p:childTnLst>
+                                </p:cTn>
+                              </p:par>
+                            </p:childTnLst>
+                          </p:cTn>
+                        </p:par>
+                      </p:childTnLst>
+                    </p:cTn>
+                  </p:par>
+                  <p:par>
+                    <p:cTn id="13" fill="hold">
+                      <p:stCondLst>
+                        <p:cond delay="indefinite"/>
+                      </p:stCondLst>
+                      <p:childTnLst>
+                        <p:par>
+                          <p:cTn id="14" fill="hold">
+                            <p:stCondLst>
+                              <p:cond delay="0"/>
+                            </p:stCondLst>
+                            <p:childTnLst>
+                              <p:par>
+                                <p:cTn id="15" presetID="10" presetClass="entr" presetSubtype="0" fill="hold" grpId="0" nodeType="clickEffect">
+                                  <p:stCondLst>
+                                    <p:cond delay="0"/>
+                                  </p:stCondLst>
+                                  <p:childTnLst>
+                                    <p:set>
+                                      <p:cBhvr>
+                                        <p:cTn id="16" dur="1" fill="hold">
+                                          <p:stCondLst>
+                                            <p:cond delay="0"/>
+                                          </p:stCondLst>
+                                        </p:cTn>
+                                        <p:tgtEl>
+                                          <p:spTgt spid="3">
+                                            <p:txEl>
+                                              <p:pRg st="6" end="6"/>
+                                            </p:txEl>
+                                          </p:spTgt>
+                                        </p:tgtEl>
+                                        <p:attrNameLst>
+                                          <p:attrName>style.visibility</p:attrName>
+                                        </p:attrNameLst>
+                                      </p:cBhvr>
+                                      <p:to>
+                                        <p:strVal val="visible"/>
+                                      </p:to>
+                                    </p:set>
+                                    <p:animEffect transition="in" filter="fade">
+                                      <p:cBhvr>
+                                        <p:cTn id="17" dur="500"/>
+                                        <p:tgtEl>
+                                          <p:spTgt spid="3">
+                                            <p:txEl>
+                                              <p:pRg st="6" end="6"/>
+                                            </p:txEl>
+                                          </p:spTgt>
+                                        </p:tgtEl>
+                                      </p:cBhvr>
+                                    </p:animEffect>
+                                  </p:childTnLst>
+                                </p:cTn>
+                              </p:par>
+                            </p:childTnLst>
+                          </p:cTn>
+                        </p:par>
+                      </p:childTnLst>
+                    </p:cTn>
+                  </p:par>
+                  <p:par>
+                    <p:cTn id="18" fill="hold">
+                      <p:stCondLst>
+                        <p:cond delay="indefinite"/>
+                      </p:stCondLst>
+                      <p:childTnLst>
+                        <p:par>
+                          <p:cTn id="19" fill="hold">
+                            <p:stCondLst>
+                              <p:cond delay="0"/>
+                            </p:stCondLst>
+                            <p:childTnLst>
+                              <p:par>
+                                <p:cTn id="20" presetID="10" presetClass="entr" presetSubtype="0" fill="hold" nodeType="clickEffect">
+                                  <p:stCondLst>
+                                    <p:cond delay="0"/>
+                                  </p:stCondLst>
+                                  <p:childTnLst>
+                                    <p:set>
+                                      <p:cBhvr>
+                                        <p:cTn id="21" dur="1" fill="hold">
+                                          <p:stCondLst>
+                                            <p:cond delay="0"/>
+                                          </p:stCondLst>
+                                        </p:cTn>
+                                        <p:tgtEl>
+                                          <p:spTgt spid="8"/>
+                                        </p:tgtEl>
+                                        <p:attrNameLst>
+                                          <p:attrName>style.visibility</p:attrName>
+                                        </p:attrNameLst>
+                                      </p:cBhvr>
+                                      <p:to>
+                                        <p:strVal val="visible"/>
+                                      </p:to>
+                                    </p:set>
+                                    <p:animEffect transition="in" filter="fade">
+                                      <p:cBhvr>
+                                        <p:cTn id="22" dur="500"/>
+                                        <p:tgtEl>
+                                          <p:spTgt spid="8"/>
+                                        </p:tgtEl>
+                                      </p:cBhvr>
+                                    </p:animEffect>
+                                  </p:childTnLst>
+                                </p:cTn>
+                              </p:par>
+                            </p:childTnLst>
+                          </p:cTn>
+                        </p:par>
+                      </p:childTnLst>
+                    </p:cTn>
+                  </p:par>
+                  <p:par>
+                    <p:cTn id="23" fill="hold">
+                      <p:stCondLst>
+                        <p:cond delay="indefinite"/>
+                      </p:stCondLst>
+                      <p:childTnLst>
+                        <p:par>
+                          <p:cTn id="24" fill="hold">
+                            <p:stCondLst>
+                              <p:cond delay="0"/>
+                            </p:stCondLst>
+                            <p:childTnLst>
+                              <p:par>
+                                <p:cTn id="25" presetID="10" presetClass="entr" presetSubtype="0" fill="hold" grpId="0" nodeType="clickEffect">
+                                  <p:stCondLst>
+                                    <p:cond delay="0"/>
+                                  </p:stCondLst>
+                                  <p:childTnLst>
+                                    <p:set>
+                                      <p:cBhvr>
+                                        <p:cTn id="26" dur="1" fill="hold">
+                                          <p:stCondLst>
+                                            <p:cond delay="0"/>
+                                          </p:stCondLst>
+                                        </p:cTn>
+                                        <p:tgtEl>
+                                          <p:spTgt spid="3">
+                                            <p:txEl>
+                                              <p:pRg st="11" end="11"/>
+                                            </p:txEl>
+                                          </p:spTgt>
+                                        </p:tgtEl>
+                                        <p:attrNameLst>
+                                          <p:attrName>style.visibility</p:attrName>
+                                        </p:attrNameLst>
+                                      </p:cBhvr>
+                                      <p:to>
+                                        <p:strVal val="visible"/>
+                                      </p:to>
+                                    </p:set>
+                                    <p:animEffect transition="in" filter="fade">
+                                      <p:cBhvr>
+                                        <p:cTn id="27" dur="500"/>
+                                        <p:tgtEl>
+                                          <p:spTgt spid="3">
+                                            <p:txEl>
+                                              <p:pRg st="11" end="11"/>
+                                            </p:txEl>
+                                          </p:spTgt>
+                                        </p:tgtEl>
+                                      </p:cBhvr>
+                                    </p:animEffect>
+                                  </p:childTnLst>
+                                </p:cTn>
+                              </p:par>
+                            </p:childTnLst>
+                          </p:cTn>
+                        </p:par>
+                      </p:childTnLst>
+                    </p:cTn>
+                  </p:par>
+                  <p:par>
+                    <p:cTn id="28" fill="hold">
+                      <p:stCondLst>
+                        <p:cond delay="indefinite"/>
+                      </p:stCondLst>
+                      <p:childTnLst>
+                        <p:par>
+                          <p:cTn id="29" fill="hold">
+                            <p:stCondLst>
+                              <p:cond delay="0"/>
+                            </p:stCondLst>
+                            <p:childTnLst>
+                              <p:par>
+                                <p:cTn id="30" presetID="10" presetClass="entr" presetSubtype="0" fill="hold" grpId="0" nodeType="clickEffect">
+                                  <p:stCondLst>
+                                    <p:cond delay="0"/>
+                                  </p:stCondLst>
+                                  <p:childTnLst>
+                                    <p:set>
+                                      <p:cBhvr>
+                                        <p:cTn id="31" dur="1" fill="hold">
+                                          <p:stCondLst>
+                                            <p:cond delay="0"/>
+                                          </p:stCondLst>
+                                        </p:cTn>
+                                        <p:tgtEl>
+                                          <p:spTgt spid="3">
+                                            <p:txEl>
+                                              <p:pRg st="12" end="12"/>
+                                            </p:txEl>
+                                          </p:spTgt>
+                                        </p:tgtEl>
+                                        <p:attrNameLst>
+                                          <p:attrName>style.visibility</p:attrName>
+                                        </p:attrNameLst>
+                                      </p:cBhvr>
+                                      <p:to>
+                                        <p:strVal val="visible"/>
+                                      </p:to>
+                                    </p:set>
+                                    <p:animEffect transition="in" filter="fade">
+                                      <p:cBhvr>
+                                        <p:cTn id="32" dur="500"/>
+                                        <p:tgtEl>
+                                          <p:spTgt spid="3">
+                                            <p:txEl>
+                                              <p:pRg st="12" end="12"/>
+                                            </p:txEl>
+                                          </p:spTgt>
+                                        </p:tgtEl>
+                                      </p:cBhvr>
+                                    </p:animEffect>
+                                  </p:childTnLst>
+                                </p:cTn>
+                              </p:par>
+                            </p:childTnLst>
+                          </p:cTn>
+                        </p:par>
+                      </p:childTnLst>
+                    </p:cTn>
+                  </p:par>
+                  <p:par>
+                    <p:cTn id="33" fill="hold">
+                      <p:stCondLst>
+                        <p:cond delay="indefinite"/>
+                      </p:stCondLst>
+                      <p:childTnLst>
+                        <p:par>
+                          <p:cTn id="34" fill="hold">
+                            <p:stCondLst>
+                              <p:cond delay="0"/>
+                            </p:stCondLst>
+                            <p:childTnLst>
+                              <p:par>
+                                <p:cTn id="35" presetID="10" presetClass="entr" presetSubtype="0" fill="hold" grpId="0" nodeType="clickEffect">
+                                  <p:stCondLst>
+                                    <p:cond delay="0"/>
+                                  </p:stCondLst>
+                                  <p:childTnLst>
+                                    <p:set>
+                                      <p:cBhvr>
+                                        <p:cTn id="36" dur="1" fill="hold">
+                                          <p:stCondLst>
+                                            <p:cond delay="0"/>
+                                          </p:stCondLst>
+                                        </p:cTn>
+                                        <p:tgtEl>
+                                          <p:spTgt spid="3">
+                                            <p:txEl>
+                                              <p:pRg st="13" end="13"/>
+                                            </p:txEl>
+                                          </p:spTgt>
+                                        </p:tgtEl>
+                                        <p:attrNameLst>
+                                          <p:attrName>style.visibility</p:attrName>
+                                        </p:attrNameLst>
+                                      </p:cBhvr>
+                                      <p:to>
+                                        <p:strVal val="visible"/>
+                                      </p:to>
+                                    </p:set>
+                                    <p:animEffect transition="in" filter="fade">
+                                      <p:cBhvr>
+                                        <p:cTn id="37" dur="500"/>
+                                        <p:tgtEl>
+                                          <p:spTgt spid="3">
+                                            <p:txEl>
+                                              <p:pRg st="13" end="13"/>
+                                            </p:txEl>
+                                          </p:spTgt>
+                                        </p:tgtEl>
+                                      </p:cBhvr>
+                                    </p:animEffect>
+                                  </p:childTnLst>
+                                </p:cTn>
+                              </p:par>
+                            </p:childTnLst>
+                          </p:cTn>
+                        </p:par>
+                      </p:childTnLst>
+                    </p:cTn>
+                  </p:par>
+                </p:childTnLst>
+              </p:cTn>
+              <p:prevCondLst>
+                <p:cond evt="onPrev" delay="0">
+                  <p:tgtEl>
+                    <p:sldTgt/>
+                  </p:tgtEl>
+                </p:cond>
+              </p:prevCondLst>
+              <p:nextCondLst>
+                <p:cond evt="onNext" delay="0">
+                  <p:tgtEl>
+                    <p:sldTgt/>
+                  </p:tgtEl>
+                </p:cond>
+              </p:nextCondLst>
+            </p:seq>
+          </p:childTnLst>
+        </p:cTn>
+      </p:par>
+    </p:tnLst>
+    <p:bldLst>
+      <p:bldP spid="3" grpId="0" uiExpand="1" build="p"/>
+    </p:bldLst>
+  </p:timing>
 </p:sld>
 </file>
 
@@ -7374,6 +13202,328 @@
   <p:clrMapOvr>
     <a:masterClrMapping/>
   </p:clrMapOvr>
+  <p:timing>
+    <p:tnLst>
+      <p:par>
+        <p:cTn id="1" dur="indefinite" restart="never" nodeType="tmRoot">
+          <p:childTnLst>
+            <p:seq concurrent="1" nextAc="seek">
+              <p:cTn id="2" dur="indefinite" nodeType="mainSeq">
+                <p:childTnLst>
+                  <p:par>
+                    <p:cTn id="3" fill="hold">
+                      <p:stCondLst>
+                        <p:cond delay="indefinite"/>
+                      </p:stCondLst>
+                      <p:childTnLst>
+                        <p:par>
+                          <p:cTn id="4" fill="hold">
+                            <p:stCondLst>
+                              <p:cond delay="0"/>
+                            </p:stCondLst>
+                            <p:childTnLst>
+                              <p:par>
+                                <p:cTn id="5" presetID="10" presetClass="entr" presetSubtype="0" fill="hold" grpId="0" nodeType="clickEffect">
+                                  <p:stCondLst>
+                                    <p:cond delay="0"/>
+                                  </p:stCondLst>
+                                  <p:childTnLst>
+                                    <p:set>
+                                      <p:cBhvr>
+                                        <p:cTn id="6" dur="1" fill="hold">
+                                          <p:stCondLst>
+                                            <p:cond delay="0"/>
+                                          </p:stCondLst>
+                                        </p:cTn>
+                                        <p:tgtEl>
+                                          <p:spTgt spid="3">
+                                            <p:txEl>
+                                              <p:pRg st="0" end="0"/>
+                                            </p:txEl>
+                                          </p:spTgt>
+                                        </p:tgtEl>
+                                        <p:attrNameLst>
+                                          <p:attrName>style.visibility</p:attrName>
+                                        </p:attrNameLst>
+                                      </p:cBhvr>
+                                      <p:to>
+                                        <p:strVal val="visible"/>
+                                      </p:to>
+                                    </p:set>
+                                    <p:animEffect transition="in" filter="fade">
+                                      <p:cBhvr>
+                                        <p:cTn id="7" dur="500"/>
+                                        <p:tgtEl>
+                                          <p:spTgt spid="3">
+                                            <p:txEl>
+                                              <p:pRg st="0" end="0"/>
+                                            </p:txEl>
+                                          </p:spTgt>
+                                        </p:tgtEl>
+                                      </p:cBhvr>
+                                    </p:animEffect>
+                                  </p:childTnLst>
+                                </p:cTn>
+                              </p:par>
+                            </p:childTnLst>
+                          </p:cTn>
+                        </p:par>
+                      </p:childTnLst>
+                    </p:cTn>
+                  </p:par>
+                  <p:par>
+                    <p:cTn id="8" fill="hold">
+                      <p:stCondLst>
+                        <p:cond delay="indefinite"/>
+                      </p:stCondLst>
+                      <p:childTnLst>
+                        <p:par>
+                          <p:cTn id="9" fill="hold">
+                            <p:stCondLst>
+                              <p:cond delay="0"/>
+                            </p:stCondLst>
+                            <p:childTnLst>
+                              <p:par>
+                                <p:cTn id="10" presetID="10" presetClass="entr" presetSubtype="0" fill="hold" grpId="0" nodeType="clickEffect">
+                                  <p:stCondLst>
+                                    <p:cond delay="0"/>
+                                  </p:stCondLst>
+                                  <p:childTnLst>
+                                    <p:set>
+                                      <p:cBhvr>
+                                        <p:cTn id="11" dur="1" fill="hold">
+                                          <p:stCondLst>
+                                            <p:cond delay="0"/>
+                                          </p:stCondLst>
+                                        </p:cTn>
+                                        <p:tgtEl>
+                                          <p:spTgt spid="3">
+                                            <p:txEl>
+                                              <p:pRg st="1" end="1"/>
+                                            </p:txEl>
+                                          </p:spTgt>
+                                        </p:tgtEl>
+                                        <p:attrNameLst>
+                                          <p:attrName>style.visibility</p:attrName>
+                                        </p:attrNameLst>
+                                      </p:cBhvr>
+                                      <p:to>
+                                        <p:strVal val="visible"/>
+                                      </p:to>
+                                    </p:set>
+                                    <p:animEffect transition="in" filter="fade">
+                                      <p:cBhvr>
+                                        <p:cTn id="12" dur="500"/>
+                                        <p:tgtEl>
+                                          <p:spTgt spid="3">
+                                            <p:txEl>
+                                              <p:pRg st="1" end="1"/>
+                                            </p:txEl>
+                                          </p:spTgt>
+                                        </p:tgtEl>
+                                      </p:cBhvr>
+                                    </p:animEffect>
+                                  </p:childTnLst>
+                                </p:cTn>
+                              </p:par>
+                            </p:childTnLst>
+                          </p:cTn>
+                        </p:par>
+                      </p:childTnLst>
+                    </p:cTn>
+                  </p:par>
+                  <p:par>
+                    <p:cTn id="13" fill="hold">
+                      <p:stCondLst>
+                        <p:cond delay="indefinite"/>
+                      </p:stCondLst>
+                      <p:childTnLst>
+                        <p:par>
+                          <p:cTn id="14" fill="hold">
+                            <p:stCondLst>
+                              <p:cond delay="0"/>
+                            </p:stCondLst>
+                            <p:childTnLst>
+                              <p:par>
+                                <p:cTn id="15" presetID="10" presetClass="entr" presetSubtype="0" fill="hold" grpId="0" nodeType="clickEffect">
+                                  <p:stCondLst>
+                                    <p:cond delay="0"/>
+                                  </p:stCondLst>
+                                  <p:childTnLst>
+                                    <p:set>
+                                      <p:cBhvr>
+                                        <p:cTn id="16" dur="1" fill="hold">
+                                          <p:stCondLst>
+                                            <p:cond delay="0"/>
+                                          </p:stCondLst>
+                                        </p:cTn>
+                                        <p:tgtEl>
+                                          <p:spTgt spid="3">
+                                            <p:txEl>
+                                              <p:pRg st="2" end="2"/>
+                                            </p:txEl>
+                                          </p:spTgt>
+                                        </p:tgtEl>
+                                        <p:attrNameLst>
+                                          <p:attrName>style.visibility</p:attrName>
+                                        </p:attrNameLst>
+                                      </p:cBhvr>
+                                      <p:to>
+                                        <p:strVal val="visible"/>
+                                      </p:to>
+                                    </p:set>
+                                    <p:animEffect transition="in" filter="fade">
+                                      <p:cBhvr>
+                                        <p:cTn id="17" dur="500"/>
+                                        <p:tgtEl>
+                                          <p:spTgt spid="3">
+                                            <p:txEl>
+                                              <p:pRg st="2" end="2"/>
+                                            </p:txEl>
+                                          </p:spTgt>
+                                        </p:tgtEl>
+                                      </p:cBhvr>
+                                    </p:animEffect>
+                                  </p:childTnLst>
+                                </p:cTn>
+                              </p:par>
+                            </p:childTnLst>
+                          </p:cTn>
+                        </p:par>
+                      </p:childTnLst>
+                    </p:cTn>
+                  </p:par>
+                  <p:par>
+                    <p:cTn id="18" fill="hold">
+                      <p:stCondLst>
+                        <p:cond delay="indefinite"/>
+                      </p:stCondLst>
+                      <p:childTnLst>
+                        <p:par>
+                          <p:cTn id="19" fill="hold">
+                            <p:stCondLst>
+                              <p:cond delay="0"/>
+                            </p:stCondLst>
+                            <p:childTnLst>
+                              <p:par>
+                                <p:cTn id="20" presetID="10" presetClass="entr" presetSubtype="0" fill="hold" nodeType="clickEffect">
+                                  <p:stCondLst>
+                                    <p:cond delay="0"/>
+                                  </p:stCondLst>
+                                  <p:childTnLst>
+                                    <p:set>
+                                      <p:cBhvr>
+                                        <p:cTn id="21" dur="1" fill="hold">
+                                          <p:stCondLst>
+                                            <p:cond delay="0"/>
+                                          </p:stCondLst>
+                                        </p:cTn>
+                                        <p:tgtEl>
+                                          <p:spTgt spid="5"/>
+                                        </p:tgtEl>
+                                        <p:attrNameLst>
+                                          <p:attrName>style.visibility</p:attrName>
+                                        </p:attrNameLst>
+                                      </p:cBhvr>
+                                      <p:to>
+                                        <p:strVal val="visible"/>
+                                      </p:to>
+                                    </p:set>
+                                    <p:animEffect transition="in" filter="fade">
+                                      <p:cBhvr>
+                                        <p:cTn id="22" dur="500"/>
+                                        <p:tgtEl>
+                                          <p:spTgt spid="5"/>
+                                        </p:tgtEl>
+                                      </p:cBhvr>
+                                    </p:animEffect>
+                                  </p:childTnLst>
+                                </p:cTn>
+                              </p:par>
+                            </p:childTnLst>
+                          </p:cTn>
+                        </p:par>
+                      </p:childTnLst>
+                    </p:cTn>
+                  </p:par>
+                  <p:par>
+                    <p:cTn id="23" fill="hold">
+                      <p:stCondLst>
+                        <p:cond delay="indefinite"/>
+                      </p:stCondLst>
+                      <p:childTnLst>
+                        <p:par>
+                          <p:cTn id="24" fill="hold">
+                            <p:stCondLst>
+                              <p:cond delay="0"/>
+                            </p:stCondLst>
+                            <p:childTnLst>
+                              <p:par>
+                                <p:cTn id="25" presetID="10" presetClass="entr" presetSubtype="0" fill="hold" nodeType="clickEffect">
+                                  <p:stCondLst>
+                                    <p:cond delay="0"/>
+                                  </p:stCondLst>
+                                  <p:childTnLst>
+                                    <p:set>
+                                      <p:cBhvr>
+                                        <p:cTn id="26" dur="1" fill="hold">
+                                          <p:stCondLst>
+                                            <p:cond delay="0"/>
+                                          </p:stCondLst>
+                                        </p:cTn>
+                                        <p:tgtEl>
+                                          <p:spTgt spid="4"/>
+                                        </p:tgtEl>
+                                        <p:attrNameLst>
+                                          <p:attrName>style.visibility</p:attrName>
+                                        </p:attrNameLst>
+                                      </p:cBhvr>
+                                      <p:to>
+                                        <p:strVal val="visible"/>
+                                      </p:to>
+                                    </p:set>
+                                    <p:animEffect transition="in" filter="fade">
+                                      <p:cBhvr>
+                                        <p:cTn id="27" dur="500"/>
+                                        <p:tgtEl>
+                                          <p:spTgt spid="4"/>
+                                        </p:tgtEl>
+                                      </p:cBhvr>
+                                    </p:animEffect>
+                                  </p:childTnLst>
+                                </p:cTn>
+                              </p:par>
+                            </p:childTnLst>
+                          </p:cTn>
+                        </p:par>
+                      </p:childTnLst>
+                    </p:cTn>
+                  </p:par>
+                </p:childTnLst>
+              </p:cTn>
+              <p:prevCondLst>
+                <p:cond evt="onPrev" delay="0">
+                  <p:tgtEl>
+                    <p:sldTgt/>
+                  </p:tgtEl>
+                </p:cond>
+              </p:prevCondLst>
+              <p:nextCondLst>
+                <p:cond evt="onNext" delay="0">
+                  <p:tgtEl>
+                    <p:sldTgt/>
+                  </p:tgtEl>
+                </p:cond>
+              </p:nextCondLst>
+            </p:seq>
+          </p:childTnLst>
+        </p:cTn>
+      </p:par>
+    </p:tnLst>
+    <p:bldLst>
+      <p:bldP spid="3" grpId="0" build="p"/>
+    </p:bldLst>
+  </p:timing>
 </p:sld>
 </file>
 
@@ -7668,6 +13818,503 @@
   <p:clrMapOvr>
     <a:masterClrMapping/>
   </p:clrMapOvr>
+  <p:timing>
+    <p:tnLst>
+      <p:par>
+        <p:cTn id="1" dur="indefinite" restart="never" nodeType="tmRoot">
+          <p:childTnLst>
+            <p:seq concurrent="1" nextAc="seek">
+              <p:cTn id="2" dur="indefinite" nodeType="mainSeq">
+                <p:childTnLst>
+                  <p:par>
+                    <p:cTn id="3" fill="hold">
+                      <p:stCondLst>
+                        <p:cond delay="indefinite"/>
+                      </p:stCondLst>
+                      <p:childTnLst>
+                        <p:par>
+                          <p:cTn id="4" fill="hold">
+                            <p:stCondLst>
+                              <p:cond delay="0"/>
+                            </p:stCondLst>
+                            <p:childTnLst>
+                              <p:par>
+                                <p:cTn id="5" presetID="10" presetClass="entr" presetSubtype="0" fill="hold" grpId="0" nodeType="clickEffect">
+                                  <p:stCondLst>
+                                    <p:cond delay="0"/>
+                                  </p:stCondLst>
+                                  <p:childTnLst>
+                                    <p:set>
+                                      <p:cBhvr>
+                                        <p:cTn id="6" dur="1" fill="hold">
+                                          <p:stCondLst>
+                                            <p:cond delay="0"/>
+                                          </p:stCondLst>
+                                        </p:cTn>
+                                        <p:tgtEl>
+                                          <p:spTgt spid="3">
+                                            <p:txEl>
+                                              <p:pRg st="0" end="0"/>
+                                            </p:txEl>
+                                          </p:spTgt>
+                                        </p:tgtEl>
+                                        <p:attrNameLst>
+                                          <p:attrName>style.visibility</p:attrName>
+                                        </p:attrNameLst>
+                                      </p:cBhvr>
+                                      <p:to>
+                                        <p:strVal val="visible"/>
+                                      </p:to>
+                                    </p:set>
+                                    <p:animEffect transition="in" filter="fade">
+                                      <p:cBhvr>
+                                        <p:cTn id="7" dur="500"/>
+                                        <p:tgtEl>
+                                          <p:spTgt spid="3">
+                                            <p:txEl>
+                                              <p:pRg st="0" end="0"/>
+                                            </p:txEl>
+                                          </p:spTgt>
+                                        </p:tgtEl>
+                                      </p:cBhvr>
+                                    </p:animEffect>
+                                  </p:childTnLst>
+                                </p:cTn>
+                              </p:par>
+                            </p:childTnLst>
+                          </p:cTn>
+                        </p:par>
+                      </p:childTnLst>
+                    </p:cTn>
+                  </p:par>
+                  <p:par>
+                    <p:cTn id="8" fill="hold">
+                      <p:stCondLst>
+                        <p:cond delay="indefinite"/>
+                      </p:stCondLst>
+                      <p:childTnLst>
+                        <p:par>
+                          <p:cTn id="9" fill="hold">
+                            <p:stCondLst>
+                              <p:cond delay="0"/>
+                            </p:stCondLst>
+                            <p:childTnLst>
+                              <p:par>
+                                <p:cTn id="10" presetID="10" presetClass="entr" presetSubtype="0" fill="hold" grpId="0" nodeType="clickEffect">
+                                  <p:stCondLst>
+                                    <p:cond delay="0"/>
+                                  </p:stCondLst>
+                                  <p:childTnLst>
+                                    <p:set>
+                                      <p:cBhvr>
+                                        <p:cTn id="11" dur="1" fill="hold">
+                                          <p:stCondLst>
+                                            <p:cond delay="0"/>
+                                          </p:stCondLst>
+                                        </p:cTn>
+                                        <p:tgtEl>
+                                          <p:spTgt spid="3">
+                                            <p:txEl>
+                                              <p:pRg st="1" end="1"/>
+                                            </p:txEl>
+                                          </p:spTgt>
+                                        </p:tgtEl>
+                                        <p:attrNameLst>
+                                          <p:attrName>style.visibility</p:attrName>
+                                        </p:attrNameLst>
+                                      </p:cBhvr>
+                                      <p:to>
+                                        <p:strVal val="visible"/>
+                                      </p:to>
+                                    </p:set>
+                                    <p:animEffect transition="in" filter="fade">
+                                      <p:cBhvr>
+                                        <p:cTn id="12" dur="500"/>
+                                        <p:tgtEl>
+                                          <p:spTgt spid="3">
+                                            <p:txEl>
+                                              <p:pRg st="1" end="1"/>
+                                            </p:txEl>
+                                          </p:spTgt>
+                                        </p:tgtEl>
+                                      </p:cBhvr>
+                                    </p:animEffect>
+                                  </p:childTnLst>
+                                </p:cTn>
+                              </p:par>
+                            </p:childTnLst>
+                          </p:cTn>
+                        </p:par>
+                      </p:childTnLst>
+                    </p:cTn>
+                  </p:par>
+                  <p:par>
+                    <p:cTn id="13" fill="hold">
+                      <p:stCondLst>
+                        <p:cond delay="indefinite"/>
+                      </p:stCondLst>
+                      <p:childTnLst>
+                        <p:par>
+                          <p:cTn id="14" fill="hold">
+                            <p:stCondLst>
+                              <p:cond delay="0"/>
+                            </p:stCondLst>
+                            <p:childTnLst>
+                              <p:par>
+                                <p:cTn id="15" presetID="10" presetClass="entr" presetSubtype="0" fill="hold" grpId="0" nodeType="clickEffect">
+                                  <p:stCondLst>
+                                    <p:cond delay="0"/>
+                                  </p:stCondLst>
+                                  <p:childTnLst>
+                                    <p:set>
+                                      <p:cBhvr>
+                                        <p:cTn id="16" dur="1" fill="hold">
+                                          <p:stCondLst>
+                                            <p:cond delay="0"/>
+                                          </p:stCondLst>
+                                        </p:cTn>
+                                        <p:tgtEl>
+                                          <p:spTgt spid="3">
+                                            <p:txEl>
+                                              <p:pRg st="2" end="2"/>
+                                            </p:txEl>
+                                          </p:spTgt>
+                                        </p:tgtEl>
+                                        <p:attrNameLst>
+                                          <p:attrName>style.visibility</p:attrName>
+                                        </p:attrNameLst>
+                                      </p:cBhvr>
+                                      <p:to>
+                                        <p:strVal val="visible"/>
+                                      </p:to>
+                                    </p:set>
+                                    <p:animEffect transition="in" filter="fade">
+                                      <p:cBhvr>
+                                        <p:cTn id="17" dur="500"/>
+                                        <p:tgtEl>
+                                          <p:spTgt spid="3">
+                                            <p:txEl>
+                                              <p:pRg st="2" end="2"/>
+                                            </p:txEl>
+                                          </p:spTgt>
+                                        </p:tgtEl>
+                                      </p:cBhvr>
+                                    </p:animEffect>
+                                  </p:childTnLst>
+                                </p:cTn>
+                              </p:par>
+                            </p:childTnLst>
+                          </p:cTn>
+                        </p:par>
+                      </p:childTnLst>
+                    </p:cTn>
+                  </p:par>
+                  <p:par>
+                    <p:cTn id="18" fill="hold">
+                      <p:stCondLst>
+                        <p:cond delay="indefinite"/>
+                      </p:stCondLst>
+                      <p:childTnLst>
+                        <p:par>
+                          <p:cTn id="19" fill="hold">
+                            <p:stCondLst>
+                              <p:cond delay="0"/>
+                            </p:stCondLst>
+                            <p:childTnLst>
+                              <p:par>
+                                <p:cTn id="20" presetID="10" presetClass="entr" presetSubtype="0" fill="hold" grpId="0" nodeType="clickEffect">
+                                  <p:stCondLst>
+                                    <p:cond delay="0"/>
+                                  </p:stCondLst>
+                                  <p:childTnLst>
+                                    <p:set>
+                                      <p:cBhvr>
+                                        <p:cTn id="21" dur="1" fill="hold">
+                                          <p:stCondLst>
+                                            <p:cond delay="0"/>
+                                          </p:stCondLst>
+                                        </p:cTn>
+                                        <p:tgtEl>
+                                          <p:spTgt spid="3">
+                                            <p:txEl>
+                                              <p:pRg st="3" end="3"/>
+                                            </p:txEl>
+                                          </p:spTgt>
+                                        </p:tgtEl>
+                                        <p:attrNameLst>
+                                          <p:attrName>style.visibility</p:attrName>
+                                        </p:attrNameLst>
+                                      </p:cBhvr>
+                                      <p:to>
+                                        <p:strVal val="visible"/>
+                                      </p:to>
+                                    </p:set>
+                                    <p:animEffect transition="in" filter="fade">
+                                      <p:cBhvr>
+                                        <p:cTn id="22" dur="500"/>
+                                        <p:tgtEl>
+                                          <p:spTgt spid="3">
+                                            <p:txEl>
+                                              <p:pRg st="3" end="3"/>
+                                            </p:txEl>
+                                          </p:spTgt>
+                                        </p:tgtEl>
+                                      </p:cBhvr>
+                                    </p:animEffect>
+                                  </p:childTnLst>
+                                </p:cTn>
+                              </p:par>
+                            </p:childTnLst>
+                          </p:cTn>
+                        </p:par>
+                      </p:childTnLst>
+                    </p:cTn>
+                  </p:par>
+                  <p:par>
+                    <p:cTn id="23" fill="hold">
+                      <p:stCondLst>
+                        <p:cond delay="indefinite"/>
+                      </p:stCondLst>
+                      <p:childTnLst>
+                        <p:par>
+                          <p:cTn id="24" fill="hold">
+                            <p:stCondLst>
+                              <p:cond delay="0"/>
+                            </p:stCondLst>
+                            <p:childTnLst>
+                              <p:par>
+                                <p:cTn id="25" presetID="10" presetClass="entr" presetSubtype="0" fill="hold" grpId="0" nodeType="clickEffect">
+                                  <p:stCondLst>
+                                    <p:cond delay="0"/>
+                                  </p:stCondLst>
+                                  <p:childTnLst>
+                                    <p:set>
+                                      <p:cBhvr>
+                                        <p:cTn id="26" dur="1" fill="hold">
+                                          <p:stCondLst>
+                                            <p:cond delay="0"/>
+                                          </p:stCondLst>
+                                        </p:cTn>
+                                        <p:tgtEl>
+                                          <p:spTgt spid="3">
+                                            <p:txEl>
+                                              <p:pRg st="4" end="4"/>
+                                            </p:txEl>
+                                          </p:spTgt>
+                                        </p:tgtEl>
+                                        <p:attrNameLst>
+                                          <p:attrName>style.visibility</p:attrName>
+                                        </p:attrNameLst>
+                                      </p:cBhvr>
+                                      <p:to>
+                                        <p:strVal val="visible"/>
+                                      </p:to>
+                                    </p:set>
+                                    <p:animEffect transition="in" filter="fade">
+                                      <p:cBhvr>
+                                        <p:cTn id="27" dur="500"/>
+                                        <p:tgtEl>
+                                          <p:spTgt spid="3">
+                                            <p:txEl>
+                                              <p:pRg st="4" end="4"/>
+                                            </p:txEl>
+                                          </p:spTgt>
+                                        </p:tgtEl>
+                                      </p:cBhvr>
+                                    </p:animEffect>
+                                  </p:childTnLst>
+                                </p:cTn>
+                              </p:par>
+                            </p:childTnLst>
+                          </p:cTn>
+                        </p:par>
+                      </p:childTnLst>
+                    </p:cTn>
+                  </p:par>
+                  <p:par>
+                    <p:cTn id="28" fill="hold">
+                      <p:stCondLst>
+                        <p:cond delay="indefinite"/>
+                      </p:stCondLst>
+                      <p:childTnLst>
+                        <p:par>
+                          <p:cTn id="29" fill="hold">
+                            <p:stCondLst>
+                              <p:cond delay="0"/>
+                            </p:stCondLst>
+                            <p:childTnLst>
+                              <p:par>
+                                <p:cTn id="30" presetID="10" presetClass="entr" presetSubtype="0" fill="hold" grpId="0" nodeType="clickEffect">
+                                  <p:stCondLst>
+                                    <p:cond delay="0"/>
+                                  </p:stCondLst>
+                                  <p:childTnLst>
+                                    <p:set>
+                                      <p:cBhvr>
+                                        <p:cTn id="31" dur="1" fill="hold">
+                                          <p:stCondLst>
+                                            <p:cond delay="0"/>
+                                          </p:stCondLst>
+                                        </p:cTn>
+                                        <p:tgtEl>
+                                          <p:spTgt spid="3">
+                                            <p:txEl>
+                                              <p:pRg st="5" end="5"/>
+                                            </p:txEl>
+                                          </p:spTgt>
+                                        </p:tgtEl>
+                                        <p:attrNameLst>
+                                          <p:attrName>style.visibility</p:attrName>
+                                        </p:attrNameLst>
+                                      </p:cBhvr>
+                                      <p:to>
+                                        <p:strVal val="visible"/>
+                                      </p:to>
+                                    </p:set>
+                                    <p:animEffect transition="in" filter="fade">
+                                      <p:cBhvr>
+                                        <p:cTn id="32" dur="500"/>
+                                        <p:tgtEl>
+                                          <p:spTgt spid="3">
+                                            <p:txEl>
+                                              <p:pRg st="5" end="5"/>
+                                            </p:txEl>
+                                          </p:spTgt>
+                                        </p:tgtEl>
+                                      </p:cBhvr>
+                                    </p:animEffect>
+                                  </p:childTnLst>
+                                </p:cTn>
+                              </p:par>
+                            </p:childTnLst>
+                          </p:cTn>
+                        </p:par>
+                      </p:childTnLst>
+                    </p:cTn>
+                  </p:par>
+                  <p:par>
+                    <p:cTn id="33" fill="hold">
+                      <p:stCondLst>
+                        <p:cond delay="indefinite"/>
+                      </p:stCondLst>
+                      <p:childTnLst>
+                        <p:par>
+                          <p:cTn id="34" fill="hold">
+                            <p:stCondLst>
+                              <p:cond delay="0"/>
+                            </p:stCondLst>
+                            <p:childTnLst>
+                              <p:par>
+                                <p:cTn id="35" presetID="10" presetClass="entr" presetSubtype="0" fill="hold" nodeType="clickEffect">
+                                  <p:stCondLst>
+                                    <p:cond delay="0"/>
+                                  </p:stCondLst>
+                                  <p:childTnLst>
+                                    <p:set>
+                                      <p:cBhvr>
+                                        <p:cTn id="36" dur="1" fill="hold">
+                                          <p:stCondLst>
+                                            <p:cond delay="0"/>
+                                          </p:stCondLst>
+                                        </p:cTn>
+                                        <p:tgtEl>
+                                          <p:spTgt spid="6"/>
+                                        </p:tgtEl>
+                                        <p:attrNameLst>
+                                          <p:attrName>style.visibility</p:attrName>
+                                        </p:attrNameLst>
+                                      </p:cBhvr>
+                                      <p:to>
+                                        <p:strVal val="visible"/>
+                                      </p:to>
+                                    </p:set>
+                                    <p:animEffect transition="in" filter="fade">
+                                      <p:cBhvr>
+                                        <p:cTn id="37" dur="500"/>
+                                        <p:tgtEl>
+                                          <p:spTgt spid="6"/>
+                                        </p:tgtEl>
+                                      </p:cBhvr>
+                                    </p:animEffect>
+                                  </p:childTnLst>
+                                </p:cTn>
+                              </p:par>
+                            </p:childTnLst>
+                          </p:cTn>
+                        </p:par>
+                      </p:childTnLst>
+                    </p:cTn>
+                  </p:par>
+                  <p:par>
+                    <p:cTn id="38" fill="hold">
+                      <p:stCondLst>
+                        <p:cond delay="indefinite"/>
+                      </p:stCondLst>
+                      <p:childTnLst>
+                        <p:par>
+                          <p:cTn id="39" fill="hold">
+                            <p:stCondLst>
+                              <p:cond delay="0"/>
+                            </p:stCondLst>
+                            <p:childTnLst>
+                              <p:par>
+                                <p:cTn id="40" presetID="1" presetClass="entr" presetSubtype="0" fill="hold" nodeType="clickEffect">
+                                  <p:stCondLst>
+                                    <p:cond delay="0"/>
+                                  </p:stCondLst>
+                                  <p:childTnLst>
+                                    <p:set>
+                                      <p:cBhvr>
+                                        <p:cTn id="41" dur="1" fill="hold">
+                                          <p:stCondLst>
+                                            <p:cond delay="0"/>
+                                          </p:stCondLst>
+                                        </p:cTn>
+                                        <p:tgtEl>
+                                          <p:spTgt spid="7"/>
+                                        </p:tgtEl>
+                                        <p:attrNameLst>
+                                          <p:attrName>style.visibility</p:attrName>
+                                        </p:attrNameLst>
+                                      </p:cBhvr>
+                                      <p:to>
+                                        <p:strVal val="visible"/>
+                                      </p:to>
+                                    </p:set>
+                                  </p:childTnLst>
+                                </p:cTn>
+                              </p:par>
+                            </p:childTnLst>
+                          </p:cTn>
+                        </p:par>
+                      </p:childTnLst>
+                    </p:cTn>
+                  </p:par>
+                </p:childTnLst>
+              </p:cTn>
+              <p:prevCondLst>
+                <p:cond evt="onPrev" delay="0">
+                  <p:tgtEl>
+                    <p:sldTgt/>
+                  </p:tgtEl>
+                </p:cond>
+              </p:prevCondLst>
+              <p:nextCondLst>
+                <p:cond evt="onNext" delay="0">
+                  <p:tgtEl>
+                    <p:sldTgt/>
+                  </p:tgtEl>
+                </p:cond>
+              </p:nextCondLst>
+            </p:seq>
+          </p:childTnLst>
+        </p:cTn>
+      </p:par>
+    </p:tnLst>
+    <p:bldLst>
+      <p:bldP spid="3" grpId="0" build="p"/>
+    </p:bldLst>
+  </p:timing>
 </p:sld>
 </file>
 
@@ -8097,6 +14744,450 @@
   <p:clrMapOvr>
     <a:masterClrMapping/>
   </p:clrMapOvr>
+  <p:timing>
+    <p:tnLst>
+      <p:par>
+        <p:cTn id="1" dur="indefinite" restart="never" nodeType="tmRoot">
+          <p:childTnLst>
+            <p:seq concurrent="1" nextAc="seek">
+              <p:cTn id="2" dur="indefinite" nodeType="mainSeq">
+                <p:childTnLst>
+                  <p:par>
+                    <p:cTn id="3" fill="hold">
+                      <p:stCondLst>
+                        <p:cond delay="indefinite"/>
+                      </p:stCondLst>
+                      <p:childTnLst>
+                        <p:par>
+                          <p:cTn id="4" fill="hold">
+                            <p:stCondLst>
+                              <p:cond delay="0"/>
+                            </p:stCondLst>
+                            <p:childTnLst>
+                              <p:par>
+                                <p:cTn id="5" presetID="10" presetClass="entr" presetSubtype="0" fill="hold" grpId="0" nodeType="clickEffect">
+                                  <p:stCondLst>
+                                    <p:cond delay="0"/>
+                                  </p:stCondLst>
+                                  <p:childTnLst>
+                                    <p:set>
+                                      <p:cBhvr>
+                                        <p:cTn id="6" dur="1" fill="hold">
+                                          <p:stCondLst>
+                                            <p:cond delay="0"/>
+                                          </p:stCondLst>
+                                        </p:cTn>
+                                        <p:tgtEl>
+                                          <p:spTgt spid="3">
+                                            <p:txEl>
+                                              <p:pRg st="0" end="0"/>
+                                            </p:txEl>
+                                          </p:spTgt>
+                                        </p:tgtEl>
+                                        <p:attrNameLst>
+                                          <p:attrName>style.visibility</p:attrName>
+                                        </p:attrNameLst>
+                                      </p:cBhvr>
+                                      <p:to>
+                                        <p:strVal val="visible"/>
+                                      </p:to>
+                                    </p:set>
+                                    <p:animEffect transition="in" filter="fade">
+                                      <p:cBhvr>
+                                        <p:cTn id="7" dur="500"/>
+                                        <p:tgtEl>
+                                          <p:spTgt spid="3">
+                                            <p:txEl>
+                                              <p:pRg st="0" end="0"/>
+                                            </p:txEl>
+                                          </p:spTgt>
+                                        </p:tgtEl>
+                                      </p:cBhvr>
+                                    </p:animEffect>
+                                  </p:childTnLst>
+                                </p:cTn>
+                              </p:par>
+                            </p:childTnLst>
+                          </p:cTn>
+                        </p:par>
+                      </p:childTnLst>
+                    </p:cTn>
+                  </p:par>
+                  <p:par>
+                    <p:cTn id="8" fill="hold">
+                      <p:stCondLst>
+                        <p:cond delay="indefinite"/>
+                      </p:stCondLst>
+                      <p:childTnLst>
+                        <p:par>
+                          <p:cTn id="9" fill="hold">
+                            <p:stCondLst>
+                              <p:cond delay="0"/>
+                            </p:stCondLst>
+                            <p:childTnLst>
+                              <p:par>
+                                <p:cTn id="10" presetID="10" presetClass="entr" presetSubtype="0" fill="hold" grpId="0" nodeType="clickEffect">
+                                  <p:stCondLst>
+                                    <p:cond delay="0"/>
+                                  </p:stCondLst>
+                                  <p:childTnLst>
+                                    <p:set>
+                                      <p:cBhvr>
+                                        <p:cTn id="11" dur="1" fill="hold">
+                                          <p:stCondLst>
+                                            <p:cond delay="0"/>
+                                          </p:stCondLst>
+                                        </p:cTn>
+                                        <p:tgtEl>
+                                          <p:spTgt spid="3">
+                                            <p:txEl>
+                                              <p:pRg st="1" end="1"/>
+                                            </p:txEl>
+                                          </p:spTgt>
+                                        </p:tgtEl>
+                                        <p:attrNameLst>
+                                          <p:attrName>style.visibility</p:attrName>
+                                        </p:attrNameLst>
+                                      </p:cBhvr>
+                                      <p:to>
+                                        <p:strVal val="visible"/>
+                                      </p:to>
+                                    </p:set>
+                                    <p:animEffect transition="in" filter="fade">
+                                      <p:cBhvr>
+                                        <p:cTn id="12" dur="500"/>
+                                        <p:tgtEl>
+                                          <p:spTgt spid="3">
+                                            <p:txEl>
+                                              <p:pRg st="1" end="1"/>
+                                            </p:txEl>
+                                          </p:spTgt>
+                                        </p:tgtEl>
+                                      </p:cBhvr>
+                                    </p:animEffect>
+                                  </p:childTnLst>
+                                </p:cTn>
+                              </p:par>
+                            </p:childTnLst>
+                          </p:cTn>
+                        </p:par>
+                      </p:childTnLst>
+                    </p:cTn>
+                  </p:par>
+                  <p:par>
+                    <p:cTn id="13" fill="hold">
+                      <p:stCondLst>
+                        <p:cond delay="indefinite"/>
+                      </p:stCondLst>
+                      <p:childTnLst>
+                        <p:par>
+                          <p:cTn id="14" fill="hold">
+                            <p:stCondLst>
+                              <p:cond delay="0"/>
+                            </p:stCondLst>
+                            <p:childTnLst>
+                              <p:par>
+                                <p:cTn id="15" presetID="10" presetClass="entr" presetSubtype="0" fill="hold" grpId="0" nodeType="clickEffect">
+                                  <p:stCondLst>
+                                    <p:cond delay="0"/>
+                                  </p:stCondLst>
+                                  <p:childTnLst>
+                                    <p:set>
+                                      <p:cBhvr>
+                                        <p:cTn id="16" dur="1" fill="hold">
+                                          <p:stCondLst>
+                                            <p:cond delay="0"/>
+                                          </p:stCondLst>
+                                        </p:cTn>
+                                        <p:tgtEl>
+                                          <p:spTgt spid="3">
+                                            <p:txEl>
+                                              <p:pRg st="2" end="2"/>
+                                            </p:txEl>
+                                          </p:spTgt>
+                                        </p:tgtEl>
+                                        <p:attrNameLst>
+                                          <p:attrName>style.visibility</p:attrName>
+                                        </p:attrNameLst>
+                                      </p:cBhvr>
+                                      <p:to>
+                                        <p:strVal val="visible"/>
+                                      </p:to>
+                                    </p:set>
+                                    <p:animEffect transition="in" filter="fade">
+                                      <p:cBhvr>
+                                        <p:cTn id="17" dur="500"/>
+                                        <p:tgtEl>
+                                          <p:spTgt spid="3">
+                                            <p:txEl>
+                                              <p:pRg st="2" end="2"/>
+                                            </p:txEl>
+                                          </p:spTgt>
+                                        </p:tgtEl>
+                                      </p:cBhvr>
+                                    </p:animEffect>
+                                  </p:childTnLst>
+                                </p:cTn>
+                              </p:par>
+                            </p:childTnLst>
+                          </p:cTn>
+                        </p:par>
+                      </p:childTnLst>
+                    </p:cTn>
+                  </p:par>
+                  <p:par>
+                    <p:cTn id="18" fill="hold">
+                      <p:stCondLst>
+                        <p:cond delay="indefinite"/>
+                      </p:stCondLst>
+                      <p:childTnLst>
+                        <p:par>
+                          <p:cTn id="19" fill="hold">
+                            <p:stCondLst>
+                              <p:cond delay="0"/>
+                            </p:stCondLst>
+                            <p:childTnLst>
+                              <p:par>
+                                <p:cTn id="20" presetID="10" presetClass="entr" presetSubtype="0" fill="hold" grpId="0" nodeType="clickEffect">
+                                  <p:stCondLst>
+                                    <p:cond delay="0"/>
+                                  </p:stCondLst>
+                                  <p:childTnLst>
+                                    <p:set>
+                                      <p:cBhvr>
+                                        <p:cTn id="21" dur="1" fill="hold">
+                                          <p:stCondLst>
+                                            <p:cond delay="0"/>
+                                          </p:stCondLst>
+                                        </p:cTn>
+                                        <p:tgtEl>
+                                          <p:spTgt spid="3">
+                                            <p:txEl>
+                                              <p:pRg st="3" end="3"/>
+                                            </p:txEl>
+                                          </p:spTgt>
+                                        </p:tgtEl>
+                                        <p:attrNameLst>
+                                          <p:attrName>style.visibility</p:attrName>
+                                        </p:attrNameLst>
+                                      </p:cBhvr>
+                                      <p:to>
+                                        <p:strVal val="visible"/>
+                                      </p:to>
+                                    </p:set>
+                                    <p:animEffect transition="in" filter="fade">
+                                      <p:cBhvr>
+                                        <p:cTn id="22" dur="500"/>
+                                        <p:tgtEl>
+                                          <p:spTgt spid="3">
+                                            <p:txEl>
+                                              <p:pRg st="3" end="3"/>
+                                            </p:txEl>
+                                          </p:spTgt>
+                                        </p:tgtEl>
+                                      </p:cBhvr>
+                                    </p:animEffect>
+                                  </p:childTnLst>
+                                </p:cTn>
+                              </p:par>
+                            </p:childTnLst>
+                          </p:cTn>
+                        </p:par>
+                      </p:childTnLst>
+                    </p:cTn>
+                  </p:par>
+                  <p:par>
+                    <p:cTn id="23" fill="hold">
+                      <p:stCondLst>
+                        <p:cond delay="indefinite"/>
+                      </p:stCondLst>
+                      <p:childTnLst>
+                        <p:par>
+                          <p:cTn id="24" fill="hold">
+                            <p:stCondLst>
+                              <p:cond delay="0"/>
+                            </p:stCondLst>
+                            <p:childTnLst>
+                              <p:par>
+                                <p:cTn id="25" presetID="10" presetClass="entr" presetSubtype="0" fill="hold" nodeType="clickEffect">
+                                  <p:stCondLst>
+                                    <p:cond delay="0"/>
+                                  </p:stCondLst>
+                                  <p:childTnLst>
+                                    <p:set>
+                                      <p:cBhvr>
+                                        <p:cTn id="26" dur="1" fill="hold">
+                                          <p:stCondLst>
+                                            <p:cond delay="0"/>
+                                          </p:stCondLst>
+                                        </p:cTn>
+                                        <p:tgtEl>
+                                          <p:spTgt spid="8"/>
+                                        </p:tgtEl>
+                                        <p:attrNameLst>
+                                          <p:attrName>style.visibility</p:attrName>
+                                        </p:attrNameLst>
+                                      </p:cBhvr>
+                                      <p:to>
+                                        <p:strVal val="visible"/>
+                                      </p:to>
+                                    </p:set>
+                                    <p:animEffect transition="in" filter="fade">
+                                      <p:cBhvr>
+                                        <p:cTn id="27" dur="500"/>
+                                        <p:tgtEl>
+                                          <p:spTgt spid="8"/>
+                                        </p:tgtEl>
+                                      </p:cBhvr>
+                                    </p:animEffect>
+                                  </p:childTnLst>
+                                </p:cTn>
+                              </p:par>
+                            </p:childTnLst>
+                          </p:cTn>
+                        </p:par>
+                      </p:childTnLst>
+                    </p:cTn>
+                  </p:par>
+                  <p:par>
+                    <p:cTn id="28" fill="hold">
+                      <p:stCondLst>
+                        <p:cond delay="indefinite"/>
+                      </p:stCondLst>
+                      <p:childTnLst>
+                        <p:par>
+                          <p:cTn id="29" fill="hold">
+                            <p:stCondLst>
+                              <p:cond delay="0"/>
+                            </p:stCondLst>
+                            <p:childTnLst>
+                              <p:par>
+                                <p:cTn id="30" presetID="10" presetClass="entr" presetSubtype="0" fill="hold" grpId="0" nodeType="clickEffect">
+                                  <p:stCondLst>
+                                    <p:cond delay="0"/>
+                                  </p:stCondLst>
+                                  <p:childTnLst>
+                                    <p:set>
+                                      <p:cBhvr>
+                                        <p:cTn id="31" dur="1" fill="hold">
+                                          <p:stCondLst>
+                                            <p:cond delay="0"/>
+                                          </p:stCondLst>
+                                        </p:cTn>
+                                        <p:tgtEl>
+                                          <p:spTgt spid="3">
+                                            <p:txEl>
+                                              <p:pRg st="11" end="11"/>
+                                            </p:txEl>
+                                          </p:spTgt>
+                                        </p:tgtEl>
+                                        <p:attrNameLst>
+                                          <p:attrName>style.visibility</p:attrName>
+                                        </p:attrNameLst>
+                                      </p:cBhvr>
+                                      <p:to>
+                                        <p:strVal val="visible"/>
+                                      </p:to>
+                                    </p:set>
+                                    <p:animEffect transition="in" filter="fade">
+                                      <p:cBhvr>
+                                        <p:cTn id="32" dur="500"/>
+                                        <p:tgtEl>
+                                          <p:spTgt spid="3">
+                                            <p:txEl>
+                                              <p:pRg st="11" end="11"/>
+                                            </p:txEl>
+                                          </p:spTgt>
+                                        </p:tgtEl>
+                                      </p:cBhvr>
+                                    </p:animEffect>
+                                  </p:childTnLst>
+                                </p:cTn>
+                              </p:par>
+                            </p:childTnLst>
+                          </p:cTn>
+                        </p:par>
+                      </p:childTnLst>
+                    </p:cTn>
+                  </p:par>
+                  <p:par>
+                    <p:cTn id="33" fill="hold">
+                      <p:stCondLst>
+                        <p:cond delay="indefinite"/>
+                      </p:stCondLst>
+                      <p:childTnLst>
+                        <p:par>
+                          <p:cTn id="34" fill="hold">
+                            <p:stCondLst>
+                              <p:cond delay="0"/>
+                            </p:stCondLst>
+                            <p:childTnLst>
+                              <p:par>
+                                <p:cTn id="35" presetID="10" presetClass="entr" presetSubtype="0" fill="hold" nodeType="clickEffect">
+                                  <p:stCondLst>
+                                    <p:cond delay="0"/>
+                                  </p:stCondLst>
+                                  <p:childTnLst>
+                                    <p:set>
+                                      <p:cBhvr>
+                                        <p:cTn id="36" dur="1" fill="hold">
+                                          <p:stCondLst>
+                                            <p:cond delay="0"/>
+                                          </p:stCondLst>
+                                        </p:cTn>
+                                        <p:tgtEl>
+                                          <p:spTgt spid="9"/>
+                                        </p:tgtEl>
+                                        <p:attrNameLst>
+                                          <p:attrName>style.visibility</p:attrName>
+                                        </p:attrNameLst>
+                                      </p:cBhvr>
+                                      <p:to>
+                                        <p:strVal val="visible"/>
+                                      </p:to>
+                                    </p:set>
+                                    <p:animEffect transition="in" filter="fade">
+                                      <p:cBhvr>
+                                        <p:cTn id="37" dur="500"/>
+                                        <p:tgtEl>
+                                          <p:spTgt spid="9"/>
+                                        </p:tgtEl>
+                                      </p:cBhvr>
+                                    </p:animEffect>
+                                  </p:childTnLst>
+                                </p:cTn>
+                              </p:par>
+                            </p:childTnLst>
+                          </p:cTn>
+                        </p:par>
+                      </p:childTnLst>
+                    </p:cTn>
+                  </p:par>
+                </p:childTnLst>
+              </p:cTn>
+              <p:prevCondLst>
+                <p:cond evt="onPrev" delay="0">
+                  <p:tgtEl>
+                    <p:sldTgt/>
+                  </p:tgtEl>
+                </p:cond>
+              </p:prevCondLst>
+              <p:nextCondLst>
+                <p:cond evt="onNext" delay="0">
+                  <p:tgtEl>
+                    <p:sldTgt/>
+                  </p:tgtEl>
+                </p:cond>
+              </p:nextCondLst>
+            </p:seq>
+          </p:childTnLst>
+        </p:cTn>
+      </p:par>
+    </p:tnLst>
+    <p:bldLst>
+      <p:bldP spid="3" grpId="0" uiExpand="1" build="p"/>
+    </p:bldLst>
+  </p:timing>
 </p:sld>
 </file>
 
@@ -8371,6 +15462,214 @@
   <p:clrMapOvr>
     <a:masterClrMapping/>
   </p:clrMapOvr>
+  <p:timing>
+    <p:tnLst>
+      <p:par>
+        <p:cTn id="1" dur="indefinite" restart="never" nodeType="tmRoot">
+          <p:childTnLst>
+            <p:seq concurrent="1" nextAc="seek">
+              <p:cTn id="2" dur="indefinite" nodeType="mainSeq">
+                <p:childTnLst>
+                  <p:par>
+                    <p:cTn id="3" fill="hold">
+                      <p:stCondLst>
+                        <p:cond delay="indefinite"/>
+                      </p:stCondLst>
+                      <p:childTnLst>
+                        <p:par>
+                          <p:cTn id="4" fill="hold">
+                            <p:stCondLst>
+                              <p:cond delay="0"/>
+                            </p:stCondLst>
+                            <p:childTnLst>
+                              <p:par>
+                                <p:cTn id="5" presetID="10" presetClass="entr" presetSubtype="0" fill="hold" grpId="0" nodeType="clickEffect">
+                                  <p:stCondLst>
+                                    <p:cond delay="0"/>
+                                  </p:stCondLst>
+                                  <p:childTnLst>
+                                    <p:set>
+                                      <p:cBhvr>
+                                        <p:cTn id="6" dur="1" fill="hold">
+                                          <p:stCondLst>
+                                            <p:cond delay="0"/>
+                                          </p:stCondLst>
+                                        </p:cTn>
+                                        <p:tgtEl>
+                                          <p:spTgt spid="3">
+                                            <p:txEl>
+                                              <p:pRg st="0" end="0"/>
+                                            </p:txEl>
+                                          </p:spTgt>
+                                        </p:tgtEl>
+                                        <p:attrNameLst>
+                                          <p:attrName>style.visibility</p:attrName>
+                                        </p:attrNameLst>
+                                      </p:cBhvr>
+                                      <p:to>
+                                        <p:strVal val="visible"/>
+                                      </p:to>
+                                    </p:set>
+                                    <p:animEffect transition="in" filter="fade">
+                                      <p:cBhvr>
+                                        <p:cTn id="7" dur="500"/>
+                                        <p:tgtEl>
+                                          <p:spTgt spid="3">
+                                            <p:txEl>
+                                              <p:pRg st="0" end="0"/>
+                                            </p:txEl>
+                                          </p:spTgt>
+                                        </p:tgtEl>
+                                      </p:cBhvr>
+                                    </p:animEffect>
+                                  </p:childTnLst>
+                                </p:cTn>
+                              </p:par>
+                            </p:childTnLst>
+                          </p:cTn>
+                        </p:par>
+                      </p:childTnLst>
+                    </p:cTn>
+                  </p:par>
+                  <p:par>
+                    <p:cTn id="8" fill="hold">
+                      <p:stCondLst>
+                        <p:cond delay="indefinite"/>
+                      </p:stCondLst>
+                      <p:childTnLst>
+                        <p:par>
+                          <p:cTn id="9" fill="hold">
+                            <p:stCondLst>
+                              <p:cond delay="0"/>
+                            </p:stCondLst>
+                            <p:childTnLst>
+                              <p:par>
+                                <p:cTn id="10" presetID="10" presetClass="entr" presetSubtype="0" fill="hold" nodeType="clickEffect">
+                                  <p:stCondLst>
+                                    <p:cond delay="0"/>
+                                  </p:stCondLst>
+                                  <p:childTnLst>
+                                    <p:set>
+                                      <p:cBhvr>
+                                        <p:cTn id="11" dur="1" fill="hold">
+                                          <p:stCondLst>
+                                            <p:cond delay="0"/>
+                                          </p:stCondLst>
+                                        </p:cTn>
+                                        <p:tgtEl>
+                                          <p:spTgt spid="4"/>
+                                        </p:tgtEl>
+                                        <p:attrNameLst>
+                                          <p:attrName>style.visibility</p:attrName>
+                                        </p:attrNameLst>
+                                      </p:cBhvr>
+                                      <p:to>
+                                        <p:strVal val="visible"/>
+                                      </p:to>
+                                    </p:set>
+                                    <p:animEffect transition="in" filter="fade">
+                                      <p:cBhvr>
+                                        <p:cTn id="12" dur="500"/>
+                                        <p:tgtEl>
+                                          <p:spTgt spid="4"/>
+                                        </p:tgtEl>
+                                      </p:cBhvr>
+                                    </p:animEffect>
+                                  </p:childTnLst>
+                                </p:cTn>
+                              </p:par>
+                            </p:childTnLst>
+                          </p:cTn>
+                        </p:par>
+                      </p:childTnLst>
+                    </p:cTn>
+                  </p:par>
+                  <p:par>
+                    <p:cTn id="13" fill="hold">
+                      <p:stCondLst>
+                        <p:cond delay="indefinite"/>
+                      </p:stCondLst>
+                      <p:childTnLst>
+                        <p:par>
+                          <p:cTn id="14" fill="hold">
+                            <p:stCondLst>
+                              <p:cond delay="0"/>
+                            </p:stCondLst>
+                            <p:childTnLst>
+                              <p:par>
+                                <p:cTn id="15" presetID="10" presetClass="entr" presetSubtype="0" fill="hold" grpId="0" nodeType="clickEffect">
+                                  <p:stCondLst>
+                                    <p:cond delay="0"/>
+                                  </p:stCondLst>
+                                  <p:childTnLst>
+                                    <p:set>
+                                      <p:cBhvr>
+                                        <p:cTn id="16" dur="1" fill="hold">
+                                          <p:stCondLst>
+                                            <p:cond delay="0"/>
+                                          </p:stCondLst>
+                                        </p:cTn>
+                                        <p:tgtEl>
+                                          <p:spTgt spid="3">
+                                            <p:txEl>
+                                              <p:pRg st="9" end="9"/>
+                                            </p:txEl>
+                                          </p:spTgt>
+                                        </p:tgtEl>
+                                        <p:attrNameLst>
+                                          <p:attrName>style.visibility</p:attrName>
+                                        </p:attrNameLst>
+                                      </p:cBhvr>
+                                      <p:to>
+                                        <p:strVal val="visible"/>
+                                      </p:to>
+                                    </p:set>
+                                    <p:animEffect transition="in" filter="fade">
+                                      <p:cBhvr>
+                                        <p:cTn id="17" dur="500"/>
+                                        <p:tgtEl>
+                                          <p:spTgt spid="3">
+                                            <p:txEl>
+                                              <p:pRg st="9" end="9"/>
+                                            </p:txEl>
+                                          </p:spTgt>
+                                        </p:tgtEl>
+                                      </p:cBhvr>
+                                    </p:animEffect>
+                                  </p:childTnLst>
+                                </p:cTn>
+                              </p:par>
+                            </p:childTnLst>
+                          </p:cTn>
+                        </p:par>
+                      </p:childTnLst>
+                    </p:cTn>
+                  </p:par>
+                </p:childTnLst>
+              </p:cTn>
+              <p:prevCondLst>
+                <p:cond evt="onPrev" delay="0">
+                  <p:tgtEl>
+                    <p:sldTgt/>
+                  </p:tgtEl>
+                </p:cond>
+              </p:prevCondLst>
+              <p:nextCondLst>
+                <p:cond evt="onNext" delay="0">
+                  <p:tgtEl>
+                    <p:sldTgt/>
+                  </p:tgtEl>
+                </p:cond>
+              </p:nextCondLst>
+            </p:seq>
+          </p:childTnLst>
+        </p:cTn>
+      </p:par>
+    </p:tnLst>
+    <p:bldLst>
+      <p:bldP spid="3" grpId="0" uiExpand="1" build="p"/>
+    </p:bldLst>
+  </p:timing>
 </p:sld>
 </file>
 
@@ -8722,6 +16021,442 @@
   <p:clrMapOvr>
     <a:masterClrMapping/>
   </p:clrMapOvr>
+  <p:timing>
+    <p:tnLst>
+      <p:par>
+        <p:cTn id="1" dur="indefinite" restart="never" nodeType="tmRoot">
+          <p:childTnLst>
+            <p:seq concurrent="1" nextAc="seek">
+              <p:cTn id="2" dur="indefinite" nodeType="mainSeq">
+                <p:childTnLst>
+                  <p:par>
+                    <p:cTn id="3" fill="hold">
+                      <p:stCondLst>
+                        <p:cond delay="indefinite"/>
+                      </p:stCondLst>
+                      <p:childTnLst>
+                        <p:par>
+                          <p:cTn id="4" fill="hold">
+                            <p:stCondLst>
+                              <p:cond delay="0"/>
+                            </p:stCondLst>
+                            <p:childTnLst>
+                              <p:par>
+                                <p:cTn id="5" presetID="10" presetClass="entr" presetSubtype="0" fill="hold" grpId="0" nodeType="clickEffect">
+                                  <p:stCondLst>
+                                    <p:cond delay="0"/>
+                                  </p:stCondLst>
+                                  <p:childTnLst>
+                                    <p:set>
+                                      <p:cBhvr>
+                                        <p:cTn id="6" dur="1" fill="hold">
+                                          <p:stCondLst>
+                                            <p:cond delay="0"/>
+                                          </p:stCondLst>
+                                        </p:cTn>
+                                        <p:tgtEl>
+                                          <p:spTgt spid="3">
+                                            <p:txEl>
+                                              <p:pRg st="0" end="0"/>
+                                            </p:txEl>
+                                          </p:spTgt>
+                                        </p:tgtEl>
+                                        <p:attrNameLst>
+                                          <p:attrName>style.visibility</p:attrName>
+                                        </p:attrNameLst>
+                                      </p:cBhvr>
+                                      <p:to>
+                                        <p:strVal val="visible"/>
+                                      </p:to>
+                                    </p:set>
+                                    <p:animEffect transition="in" filter="fade">
+                                      <p:cBhvr>
+                                        <p:cTn id="7" dur="500"/>
+                                        <p:tgtEl>
+                                          <p:spTgt spid="3">
+                                            <p:txEl>
+                                              <p:pRg st="0" end="0"/>
+                                            </p:txEl>
+                                          </p:spTgt>
+                                        </p:tgtEl>
+                                      </p:cBhvr>
+                                    </p:animEffect>
+                                  </p:childTnLst>
+                                </p:cTn>
+                              </p:par>
+                            </p:childTnLst>
+                          </p:cTn>
+                        </p:par>
+                      </p:childTnLst>
+                    </p:cTn>
+                  </p:par>
+                  <p:par>
+                    <p:cTn id="8" fill="hold">
+                      <p:stCondLst>
+                        <p:cond delay="indefinite"/>
+                      </p:stCondLst>
+                      <p:childTnLst>
+                        <p:par>
+                          <p:cTn id="9" fill="hold">
+                            <p:stCondLst>
+                              <p:cond delay="0"/>
+                            </p:stCondLst>
+                            <p:childTnLst>
+                              <p:par>
+                                <p:cTn id="10" presetID="10" presetClass="entr" presetSubtype="0" fill="hold" grpId="0" nodeType="clickEffect">
+                                  <p:stCondLst>
+                                    <p:cond delay="0"/>
+                                  </p:stCondLst>
+                                  <p:childTnLst>
+                                    <p:set>
+                                      <p:cBhvr>
+                                        <p:cTn id="11" dur="1" fill="hold">
+                                          <p:stCondLst>
+                                            <p:cond delay="0"/>
+                                          </p:stCondLst>
+                                        </p:cTn>
+                                        <p:tgtEl>
+                                          <p:spTgt spid="3">
+                                            <p:txEl>
+                                              <p:pRg st="1" end="1"/>
+                                            </p:txEl>
+                                          </p:spTgt>
+                                        </p:tgtEl>
+                                        <p:attrNameLst>
+                                          <p:attrName>style.visibility</p:attrName>
+                                        </p:attrNameLst>
+                                      </p:cBhvr>
+                                      <p:to>
+                                        <p:strVal val="visible"/>
+                                      </p:to>
+                                    </p:set>
+                                    <p:animEffect transition="in" filter="fade">
+                                      <p:cBhvr>
+                                        <p:cTn id="12" dur="500"/>
+                                        <p:tgtEl>
+                                          <p:spTgt spid="3">
+                                            <p:txEl>
+                                              <p:pRg st="1" end="1"/>
+                                            </p:txEl>
+                                          </p:spTgt>
+                                        </p:tgtEl>
+                                      </p:cBhvr>
+                                    </p:animEffect>
+                                  </p:childTnLst>
+                                </p:cTn>
+                              </p:par>
+                            </p:childTnLst>
+                          </p:cTn>
+                        </p:par>
+                      </p:childTnLst>
+                    </p:cTn>
+                  </p:par>
+                  <p:par>
+                    <p:cTn id="13" fill="hold">
+                      <p:stCondLst>
+                        <p:cond delay="indefinite"/>
+                      </p:stCondLst>
+                      <p:childTnLst>
+                        <p:par>
+                          <p:cTn id="14" fill="hold">
+                            <p:stCondLst>
+                              <p:cond delay="0"/>
+                            </p:stCondLst>
+                            <p:childTnLst>
+                              <p:par>
+                                <p:cTn id="15" presetID="10" presetClass="entr" presetSubtype="0" fill="hold" nodeType="clickEffect">
+                                  <p:stCondLst>
+                                    <p:cond delay="0"/>
+                                  </p:stCondLst>
+                                  <p:childTnLst>
+                                    <p:set>
+                                      <p:cBhvr>
+                                        <p:cTn id="16" dur="1" fill="hold">
+                                          <p:stCondLst>
+                                            <p:cond delay="0"/>
+                                          </p:stCondLst>
+                                        </p:cTn>
+                                        <p:tgtEl>
+                                          <p:spTgt spid="6"/>
+                                        </p:tgtEl>
+                                        <p:attrNameLst>
+                                          <p:attrName>style.visibility</p:attrName>
+                                        </p:attrNameLst>
+                                      </p:cBhvr>
+                                      <p:to>
+                                        <p:strVal val="visible"/>
+                                      </p:to>
+                                    </p:set>
+                                    <p:animEffect transition="in" filter="fade">
+                                      <p:cBhvr>
+                                        <p:cTn id="17" dur="500"/>
+                                        <p:tgtEl>
+                                          <p:spTgt spid="6"/>
+                                        </p:tgtEl>
+                                      </p:cBhvr>
+                                    </p:animEffect>
+                                  </p:childTnLst>
+                                </p:cTn>
+                              </p:par>
+                            </p:childTnLst>
+                          </p:cTn>
+                        </p:par>
+                      </p:childTnLst>
+                    </p:cTn>
+                  </p:par>
+                  <p:par>
+                    <p:cTn id="18" fill="hold">
+                      <p:stCondLst>
+                        <p:cond delay="indefinite"/>
+                      </p:stCondLst>
+                      <p:childTnLst>
+                        <p:par>
+                          <p:cTn id="19" fill="hold">
+                            <p:stCondLst>
+                              <p:cond delay="0"/>
+                            </p:stCondLst>
+                            <p:childTnLst>
+                              <p:par>
+                                <p:cTn id="20" presetID="10" presetClass="entr" presetSubtype="0" fill="hold" grpId="0" nodeType="clickEffect">
+                                  <p:stCondLst>
+                                    <p:cond delay="0"/>
+                                  </p:stCondLst>
+                                  <p:childTnLst>
+                                    <p:set>
+                                      <p:cBhvr>
+                                        <p:cTn id="21" dur="1" fill="hold">
+                                          <p:stCondLst>
+                                            <p:cond delay="0"/>
+                                          </p:stCondLst>
+                                        </p:cTn>
+                                        <p:tgtEl>
+                                          <p:spTgt spid="3">
+                                            <p:txEl>
+                                              <p:pRg st="8" end="8"/>
+                                            </p:txEl>
+                                          </p:spTgt>
+                                        </p:tgtEl>
+                                        <p:attrNameLst>
+                                          <p:attrName>style.visibility</p:attrName>
+                                        </p:attrNameLst>
+                                      </p:cBhvr>
+                                      <p:to>
+                                        <p:strVal val="visible"/>
+                                      </p:to>
+                                    </p:set>
+                                    <p:animEffect transition="in" filter="fade">
+                                      <p:cBhvr>
+                                        <p:cTn id="22" dur="500"/>
+                                        <p:tgtEl>
+                                          <p:spTgt spid="3">
+                                            <p:txEl>
+                                              <p:pRg st="8" end="8"/>
+                                            </p:txEl>
+                                          </p:spTgt>
+                                        </p:tgtEl>
+                                      </p:cBhvr>
+                                    </p:animEffect>
+                                  </p:childTnLst>
+                                </p:cTn>
+                              </p:par>
+                            </p:childTnLst>
+                          </p:cTn>
+                        </p:par>
+                      </p:childTnLst>
+                    </p:cTn>
+                  </p:par>
+                  <p:par>
+                    <p:cTn id="23" fill="hold">
+                      <p:stCondLst>
+                        <p:cond delay="indefinite"/>
+                      </p:stCondLst>
+                      <p:childTnLst>
+                        <p:par>
+                          <p:cTn id="24" fill="hold">
+                            <p:stCondLst>
+                              <p:cond delay="0"/>
+                            </p:stCondLst>
+                            <p:childTnLst>
+                              <p:par>
+                                <p:cTn id="25" presetID="10" presetClass="entr" presetSubtype="0" fill="hold" nodeType="clickEffect">
+                                  <p:stCondLst>
+                                    <p:cond delay="0"/>
+                                  </p:stCondLst>
+                                  <p:childTnLst>
+                                    <p:set>
+                                      <p:cBhvr>
+                                        <p:cTn id="26" dur="1" fill="hold">
+                                          <p:stCondLst>
+                                            <p:cond delay="0"/>
+                                          </p:stCondLst>
+                                        </p:cTn>
+                                        <p:tgtEl>
+                                          <p:spTgt spid="9"/>
+                                        </p:tgtEl>
+                                        <p:attrNameLst>
+                                          <p:attrName>style.visibility</p:attrName>
+                                        </p:attrNameLst>
+                                      </p:cBhvr>
+                                      <p:to>
+                                        <p:strVal val="visible"/>
+                                      </p:to>
+                                    </p:set>
+                                    <p:animEffect transition="in" filter="fade">
+                                      <p:cBhvr>
+                                        <p:cTn id="27" dur="500"/>
+                                        <p:tgtEl>
+                                          <p:spTgt spid="9"/>
+                                        </p:tgtEl>
+                                      </p:cBhvr>
+                                    </p:animEffect>
+                                  </p:childTnLst>
+                                </p:cTn>
+                              </p:par>
+                            </p:childTnLst>
+                          </p:cTn>
+                        </p:par>
+                      </p:childTnLst>
+                    </p:cTn>
+                  </p:par>
+                  <p:par>
+                    <p:cTn id="28" fill="hold">
+                      <p:stCondLst>
+                        <p:cond delay="indefinite"/>
+                      </p:stCondLst>
+                      <p:childTnLst>
+                        <p:par>
+                          <p:cTn id="29" fill="hold">
+                            <p:stCondLst>
+                              <p:cond delay="0"/>
+                            </p:stCondLst>
+                            <p:childTnLst>
+                              <p:par>
+                                <p:cTn id="30" presetID="10" presetClass="entr" presetSubtype="0" fill="hold" grpId="0" nodeType="clickEffect">
+                                  <p:stCondLst>
+                                    <p:cond delay="0"/>
+                                  </p:stCondLst>
+                                  <p:childTnLst>
+                                    <p:set>
+                                      <p:cBhvr>
+                                        <p:cTn id="31" dur="1" fill="hold">
+                                          <p:stCondLst>
+                                            <p:cond delay="0"/>
+                                          </p:stCondLst>
+                                        </p:cTn>
+                                        <p:tgtEl>
+                                          <p:spTgt spid="3">
+                                            <p:txEl>
+                                              <p:pRg st="17" end="17"/>
+                                            </p:txEl>
+                                          </p:spTgt>
+                                        </p:tgtEl>
+                                        <p:attrNameLst>
+                                          <p:attrName>style.visibility</p:attrName>
+                                        </p:attrNameLst>
+                                      </p:cBhvr>
+                                      <p:to>
+                                        <p:strVal val="visible"/>
+                                      </p:to>
+                                    </p:set>
+                                    <p:animEffect transition="in" filter="fade">
+                                      <p:cBhvr>
+                                        <p:cTn id="32" dur="500"/>
+                                        <p:tgtEl>
+                                          <p:spTgt spid="3">
+                                            <p:txEl>
+                                              <p:pRg st="17" end="17"/>
+                                            </p:txEl>
+                                          </p:spTgt>
+                                        </p:tgtEl>
+                                      </p:cBhvr>
+                                    </p:animEffect>
+                                  </p:childTnLst>
+                                </p:cTn>
+                              </p:par>
+                            </p:childTnLst>
+                          </p:cTn>
+                        </p:par>
+                      </p:childTnLst>
+                    </p:cTn>
+                  </p:par>
+                  <p:par>
+                    <p:cTn id="33" fill="hold">
+                      <p:stCondLst>
+                        <p:cond delay="indefinite"/>
+                      </p:stCondLst>
+                      <p:childTnLst>
+                        <p:par>
+                          <p:cTn id="34" fill="hold">
+                            <p:stCondLst>
+                              <p:cond delay="0"/>
+                            </p:stCondLst>
+                            <p:childTnLst>
+                              <p:par>
+                                <p:cTn id="35" presetID="10" presetClass="entr" presetSubtype="0" fill="hold" nodeType="clickEffect">
+                                  <p:stCondLst>
+                                    <p:cond delay="0"/>
+                                  </p:stCondLst>
+                                  <p:childTnLst>
+                                    <p:set>
+                                      <p:cBhvr>
+                                        <p:cTn id="36" dur="1" fill="hold">
+                                          <p:stCondLst>
+                                            <p:cond delay="0"/>
+                                          </p:stCondLst>
+                                        </p:cTn>
+                                        <p:tgtEl>
+                                          <p:spTgt spid="10"/>
+                                        </p:tgtEl>
+                                        <p:attrNameLst>
+                                          <p:attrName>style.visibility</p:attrName>
+                                        </p:attrNameLst>
+                                      </p:cBhvr>
+                                      <p:to>
+                                        <p:strVal val="visible"/>
+                                      </p:to>
+                                    </p:set>
+                                    <p:animEffect transition="in" filter="fade">
+                                      <p:cBhvr>
+                                        <p:cTn id="37" dur="500"/>
+                                        <p:tgtEl>
+                                          <p:spTgt spid="10"/>
+                                        </p:tgtEl>
+                                      </p:cBhvr>
+                                    </p:animEffect>
+                                  </p:childTnLst>
+                                </p:cTn>
+                              </p:par>
+                            </p:childTnLst>
+                          </p:cTn>
+                        </p:par>
+                      </p:childTnLst>
+                    </p:cTn>
+                  </p:par>
+                </p:childTnLst>
+              </p:cTn>
+              <p:prevCondLst>
+                <p:cond evt="onPrev" delay="0">
+                  <p:tgtEl>
+                    <p:sldTgt/>
+                  </p:tgtEl>
+                </p:cond>
+              </p:prevCondLst>
+              <p:nextCondLst>
+                <p:cond evt="onNext" delay="0">
+                  <p:tgtEl>
+                    <p:sldTgt/>
+                  </p:tgtEl>
+                </p:cond>
+              </p:nextCondLst>
+            </p:seq>
+          </p:childTnLst>
+        </p:cTn>
+      </p:par>
+    </p:tnLst>
+    <p:bldLst>
+      <p:bldP spid="3" grpId="0" uiExpand="1" build="p"/>
+    </p:bldLst>
+  </p:timing>
 </p:sld>
 </file>
 
@@ -8947,6 +16682,336 @@
   <p:clrMapOvr>
     <a:masterClrMapping/>
   </p:clrMapOvr>
+  <p:timing>
+    <p:tnLst>
+      <p:par>
+        <p:cTn id="1" dur="indefinite" restart="never" nodeType="tmRoot">
+          <p:childTnLst>
+            <p:seq concurrent="1" nextAc="seek">
+              <p:cTn id="2" dur="indefinite" nodeType="mainSeq">
+                <p:childTnLst>
+                  <p:par>
+                    <p:cTn id="3" fill="hold">
+                      <p:stCondLst>
+                        <p:cond delay="indefinite"/>
+                      </p:stCondLst>
+                      <p:childTnLst>
+                        <p:par>
+                          <p:cTn id="4" fill="hold">
+                            <p:stCondLst>
+                              <p:cond delay="0"/>
+                            </p:stCondLst>
+                            <p:childTnLst>
+                              <p:par>
+                                <p:cTn id="5" presetID="10" presetClass="entr" presetSubtype="0" fill="hold" grpId="0" nodeType="clickEffect">
+                                  <p:stCondLst>
+                                    <p:cond delay="0"/>
+                                  </p:stCondLst>
+                                  <p:childTnLst>
+                                    <p:set>
+                                      <p:cBhvr>
+                                        <p:cTn id="6" dur="1" fill="hold">
+                                          <p:stCondLst>
+                                            <p:cond delay="0"/>
+                                          </p:stCondLst>
+                                        </p:cTn>
+                                        <p:tgtEl>
+                                          <p:spTgt spid="3">
+                                            <p:txEl>
+                                              <p:pRg st="0" end="0"/>
+                                            </p:txEl>
+                                          </p:spTgt>
+                                        </p:tgtEl>
+                                        <p:attrNameLst>
+                                          <p:attrName>style.visibility</p:attrName>
+                                        </p:attrNameLst>
+                                      </p:cBhvr>
+                                      <p:to>
+                                        <p:strVal val="visible"/>
+                                      </p:to>
+                                    </p:set>
+                                    <p:animEffect transition="in" filter="fade">
+                                      <p:cBhvr>
+                                        <p:cTn id="7" dur="500"/>
+                                        <p:tgtEl>
+                                          <p:spTgt spid="3">
+                                            <p:txEl>
+                                              <p:pRg st="0" end="0"/>
+                                            </p:txEl>
+                                          </p:spTgt>
+                                        </p:tgtEl>
+                                      </p:cBhvr>
+                                    </p:animEffect>
+                                  </p:childTnLst>
+                                </p:cTn>
+                              </p:par>
+                            </p:childTnLst>
+                          </p:cTn>
+                        </p:par>
+                      </p:childTnLst>
+                    </p:cTn>
+                  </p:par>
+                  <p:par>
+                    <p:cTn id="8" fill="hold">
+                      <p:stCondLst>
+                        <p:cond delay="indefinite"/>
+                      </p:stCondLst>
+                      <p:childTnLst>
+                        <p:par>
+                          <p:cTn id="9" fill="hold">
+                            <p:stCondLst>
+                              <p:cond delay="0"/>
+                            </p:stCondLst>
+                            <p:childTnLst>
+                              <p:par>
+                                <p:cTn id="10" presetID="10" presetClass="entr" presetSubtype="0" fill="hold" grpId="0" nodeType="clickEffect">
+                                  <p:stCondLst>
+                                    <p:cond delay="0"/>
+                                  </p:stCondLst>
+                                  <p:childTnLst>
+                                    <p:set>
+                                      <p:cBhvr>
+                                        <p:cTn id="11" dur="1" fill="hold">
+                                          <p:stCondLst>
+                                            <p:cond delay="0"/>
+                                          </p:stCondLst>
+                                        </p:cTn>
+                                        <p:tgtEl>
+                                          <p:spTgt spid="3">
+                                            <p:txEl>
+                                              <p:pRg st="1" end="1"/>
+                                            </p:txEl>
+                                          </p:spTgt>
+                                        </p:tgtEl>
+                                        <p:attrNameLst>
+                                          <p:attrName>style.visibility</p:attrName>
+                                        </p:attrNameLst>
+                                      </p:cBhvr>
+                                      <p:to>
+                                        <p:strVal val="visible"/>
+                                      </p:to>
+                                    </p:set>
+                                    <p:animEffect transition="in" filter="fade">
+                                      <p:cBhvr>
+                                        <p:cTn id="12" dur="500"/>
+                                        <p:tgtEl>
+                                          <p:spTgt spid="3">
+                                            <p:txEl>
+                                              <p:pRg st="1" end="1"/>
+                                            </p:txEl>
+                                          </p:spTgt>
+                                        </p:tgtEl>
+                                      </p:cBhvr>
+                                    </p:animEffect>
+                                  </p:childTnLst>
+                                </p:cTn>
+                              </p:par>
+                            </p:childTnLst>
+                          </p:cTn>
+                        </p:par>
+                      </p:childTnLst>
+                    </p:cTn>
+                  </p:par>
+                  <p:par>
+                    <p:cTn id="13" fill="hold">
+                      <p:stCondLst>
+                        <p:cond delay="indefinite"/>
+                      </p:stCondLst>
+                      <p:childTnLst>
+                        <p:par>
+                          <p:cTn id="14" fill="hold">
+                            <p:stCondLst>
+                              <p:cond delay="0"/>
+                            </p:stCondLst>
+                            <p:childTnLst>
+                              <p:par>
+                                <p:cTn id="15" presetID="10" presetClass="entr" presetSubtype="0" fill="hold" grpId="0" nodeType="clickEffect">
+                                  <p:stCondLst>
+                                    <p:cond delay="0"/>
+                                  </p:stCondLst>
+                                  <p:childTnLst>
+                                    <p:set>
+                                      <p:cBhvr>
+                                        <p:cTn id="16" dur="1" fill="hold">
+                                          <p:stCondLst>
+                                            <p:cond delay="0"/>
+                                          </p:stCondLst>
+                                        </p:cTn>
+                                        <p:tgtEl>
+                                          <p:spTgt spid="3">
+                                            <p:txEl>
+                                              <p:pRg st="2" end="2"/>
+                                            </p:txEl>
+                                          </p:spTgt>
+                                        </p:tgtEl>
+                                        <p:attrNameLst>
+                                          <p:attrName>style.visibility</p:attrName>
+                                        </p:attrNameLst>
+                                      </p:cBhvr>
+                                      <p:to>
+                                        <p:strVal val="visible"/>
+                                      </p:to>
+                                    </p:set>
+                                    <p:animEffect transition="in" filter="fade">
+                                      <p:cBhvr>
+                                        <p:cTn id="17" dur="500"/>
+                                        <p:tgtEl>
+                                          <p:spTgt spid="3">
+                                            <p:txEl>
+                                              <p:pRg st="2" end="2"/>
+                                            </p:txEl>
+                                          </p:spTgt>
+                                        </p:tgtEl>
+                                      </p:cBhvr>
+                                    </p:animEffect>
+                                  </p:childTnLst>
+                                </p:cTn>
+                              </p:par>
+                            </p:childTnLst>
+                          </p:cTn>
+                        </p:par>
+                      </p:childTnLst>
+                    </p:cTn>
+                  </p:par>
+                  <p:par>
+                    <p:cTn id="18" fill="hold">
+                      <p:stCondLst>
+                        <p:cond delay="indefinite"/>
+                      </p:stCondLst>
+                      <p:childTnLst>
+                        <p:par>
+                          <p:cTn id="19" fill="hold">
+                            <p:stCondLst>
+                              <p:cond delay="0"/>
+                            </p:stCondLst>
+                            <p:childTnLst>
+                              <p:par>
+                                <p:cTn id="20" presetID="10" presetClass="entr" presetSubtype="0" fill="hold" grpId="0" nodeType="clickEffect">
+                                  <p:stCondLst>
+                                    <p:cond delay="0"/>
+                                  </p:stCondLst>
+                                  <p:childTnLst>
+                                    <p:set>
+                                      <p:cBhvr>
+                                        <p:cTn id="21" dur="1" fill="hold">
+                                          <p:stCondLst>
+                                            <p:cond delay="0"/>
+                                          </p:stCondLst>
+                                        </p:cTn>
+                                        <p:tgtEl>
+                                          <p:spTgt spid="3">
+                                            <p:txEl>
+                                              <p:pRg st="3" end="3"/>
+                                            </p:txEl>
+                                          </p:spTgt>
+                                        </p:tgtEl>
+                                        <p:attrNameLst>
+                                          <p:attrName>style.visibility</p:attrName>
+                                        </p:attrNameLst>
+                                      </p:cBhvr>
+                                      <p:to>
+                                        <p:strVal val="visible"/>
+                                      </p:to>
+                                    </p:set>
+                                    <p:animEffect transition="in" filter="fade">
+                                      <p:cBhvr>
+                                        <p:cTn id="22" dur="500"/>
+                                        <p:tgtEl>
+                                          <p:spTgt spid="3">
+                                            <p:txEl>
+                                              <p:pRg st="3" end="3"/>
+                                            </p:txEl>
+                                          </p:spTgt>
+                                        </p:tgtEl>
+                                      </p:cBhvr>
+                                    </p:animEffect>
+                                  </p:childTnLst>
+                                </p:cTn>
+                              </p:par>
+                            </p:childTnLst>
+                          </p:cTn>
+                        </p:par>
+                      </p:childTnLst>
+                    </p:cTn>
+                  </p:par>
+                  <p:par>
+                    <p:cTn id="23" fill="hold">
+                      <p:stCondLst>
+                        <p:cond delay="indefinite"/>
+                      </p:stCondLst>
+                      <p:childTnLst>
+                        <p:par>
+                          <p:cTn id="24" fill="hold">
+                            <p:stCondLst>
+                              <p:cond delay="0"/>
+                            </p:stCondLst>
+                            <p:childTnLst>
+                              <p:par>
+                                <p:cTn id="25" presetID="10" presetClass="entr" presetSubtype="0" fill="hold" nodeType="clickEffect">
+                                  <p:stCondLst>
+                                    <p:cond delay="0"/>
+                                  </p:stCondLst>
+                                  <p:childTnLst>
+                                    <p:set>
+                                      <p:cBhvr>
+                                        <p:cTn id="26" dur="1" fill="hold">
+                                          <p:stCondLst>
+                                            <p:cond delay="0"/>
+                                          </p:stCondLst>
+                                        </p:cTn>
+                                        <p:tgtEl>
+                                          <p:spTgt spid="4"/>
+                                        </p:tgtEl>
+                                        <p:attrNameLst>
+                                          <p:attrName>style.visibility</p:attrName>
+                                        </p:attrNameLst>
+                                      </p:cBhvr>
+                                      <p:to>
+                                        <p:strVal val="visible"/>
+                                      </p:to>
+                                    </p:set>
+                                    <p:animEffect transition="in" filter="fade">
+                                      <p:cBhvr>
+                                        <p:cTn id="27" dur="500"/>
+                                        <p:tgtEl>
+                                          <p:spTgt spid="4"/>
+                                        </p:tgtEl>
+                                      </p:cBhvr>
+                                    </p:animEffect>
+                                  </p:childTnLst>
+                                </p:cTn>
+                              </p:par>
+                            </p:childTnLst>
+                          </p:cTn>
+                        </p:par>
+                      </p:childTnLst>
+                    </p:cTn>
+                  </p:par>
+                </p:childTnLst>
+              </p:cTn>
+              <p:prevCondLst>
+                <p:cond evt="onPrev" delay="0">
+                  <p:tgtEl>
+                    <p:sldTgt/>
+                  </p:tgtEl>
+                </p:cond>
+              </p:prevCondLst>
+              <p:nextCondLst>
+                <p:cond evt="onNext" delay="0">
+                  <p:tgtEl>
+                    <p:sldTgt/>
+                  </p:tgtEl>
+                </p:cond>
+              </p:nextCondLst>
+            </p:seq>
+          </p:childTnLst>
+        </p:cTn>
+      </p:par>
+    </p:tnLst>
+    <p:bldLst>
+      <p:bldP spid="3" grpId="0" build="p"/>
+    </p:bldLst>
+  </p:timing>
 </p:sld>
 </file>
 
@@ -8996,24 +17061,16 @@
           <a:lstStyle/>
           <a:p>
             <a:r>
+              <a:rPr lang="en-US" altLang="zh-CN" sz="2200" dirty="0" err="1" smtClean="0"/>
+              <a:t>Kotlin</a:t>
+            </a:r>
+            <a:r>
               <a:rPr lang="zh-CN" altLang="en-US" sz="2200" dirty="0"/>
-              <a:t>什么是</a:t>
-            </a:r>
-            <a:r>
-              <a:rPr lang="en-US" altLang="zh-CN" sz="2200" dirty="0" err="1"/>
-              <a:t>kotlin</a:t>
-            </a:r>
-            <a:r>
-              <a:rPr lang="zh-CN" altLang="en-US" sz="2200" dirty="0"/>
-              <a:t>，</a:t>
-            </a:r>
-            <a:r>
-              <a:rPr lang="en-US" altLang="zh-CN" sz="2200" dirty="0" err="1"/>
-              <a:t>kotlin</a:t>
-            </a:r>
-            <a:r>
-              <a:rPr lang="zh-CN" altLang="en-US" sz="2200" dirty="0"/>
-              <a:t>能给我们带来什么</a:t>
+              <a:t>简介</a:t>
+            </a:r>
+            <a:r>
+              <a:rPr lang="en-US" altLang="zh-CN" sz="3600" dirty="0"/>
+              <a:t/>
             </a:r>
             <a:br>
               <a:rPr lang="en-US" altLang="zh-CN" sz="3600" dirty="0"/>
@@ -10009,6 +18066,13 @@
   <p:clrMapOvr>
     <a:masterClrMapping/>
   </p:clrMapOvr>
+  <p:timing>
+    <p:tnLst>
+      <p:par>
+        <p:cTn id="1" dur="indefinite" restart="never" nodeType="tmRoot"/>
+      </p:par>
+    </p:tnLst>
+  </p:timing>
 </p:sld>
 </file>
 
@@ -10060,6 +18124,10 @@
             <a:r>
               <a:rPr lang="zh-CN" altLang="en-US" sz="2200" dirty="0"/>
               <a:t>基本类型与字符串</a:t>
+            </a:r>
+            <a:r>
+              <a:rPr lang="en-US" altLang="zh-CN" sz="3600" dirty="0"/>
+              <a:t/>
             </a:r>
             <a:br>
               <a:rPr lang="en-US" altLang="zh-CN" sz="3600" dirty="0"/>
@@ -10864,6 +18932,10 @@
               <a:rPr lang="zh-CN" altLang="en-US" sz="2200" dirty="0"/>
               <a:t>基本类型与字符串</a:t>
             </a:r>
+            <a:r>
+              <a:rPr lang="en-US" altLang="zh-CN" sz="3600" dirty="0"/>
+              <a:t/>
+            </a:r>
             <a:br>
               <a:rPr lang="en-US" altLang="zh-CN" sz="3600" dirty="0"/>
             </a:br>
@@ -11623,6 +19695,10 @@
               <a:rPr lang="zh-CN" altLang="en-US" dirty="0"/>
               <a:t>霍尔，图灵奖得主）</a:t>
             </a:r>
+            <a:r>
+              <a:rPr lang="en-US" altLang="zh-CN" dirty="0"/>
+              <a:t/>
+            </a:r>
             <a:br>
               <a:rPr lang="en-US" altLang="zh-CN" dirty="0"/>
             </a:br>
@@ -12350,6 +20426,10 @@
               <a:rPr lang="zh-CN" altLang="en-US" dirty="0"/>
               <a:t>霍尔，图灵奖得主）</a:t>
             </a:r>
+            <a:r>
+              <a:rPr lang="en-US" altLang="zh-CN" dirty="0"/>
+              <a:t/>
+            </a:r>
             <a:br>
               <a:rPr lang="en-US" altLang="zh-CN" dirty="0"/>
             </a:br>
@@ -13410,6 +21490,10 @@
             <a:r>
               <a:rPr lang="zh-CN" altLang="en-US" sz="2200" dirty="0"/>
               <a:t>变量与属性</a:t>
+            </a:r>
+            <a:r>
+              <a:rPr lang="en-US" altLang="zh-CN" sz="3600" dirty="0"/>
+              <a:t/>
             </a:r>
             <a:br>
               <a:rPr lang="en-US" altLang="zh-CN" sz="3600" dirty="0"/>
